--- a/slides/day3_probability_tidyverse2.pptx
+++ b/slides/day3_probability_tidyverse2.pptx
@@ -2,20 +2,46 @@
 <file path=ppt/presentation.xml><?xml version="1.0" encoding="utf-8"?>
 <p:presentation xmlns:a="http://schemas.openxmlformats.org/drawingml/2006/main" xmlns:r="http://schemas.openxmlformats.org/officeDocument/2006/relationships" xmlns:p="http://schemas.openxmlformats.org/presentationml/2006/main" saveSubsetFonts="1" autoCompressPictures="0">
   <p:sldMasterIdLst>
-    <p:sldMasterId id="2147483852" r:id="rId1"/>
+    <p:sldMasterId id="2147483972" r:id="rId1"/>
   </p:sldMasterIdLst>
   <p:notesMasterIdLst>
-    <p:notesMasterId r:id="rId10"/>
+    <p:notesMasterId r:id="rId36"/>
   </p:notesMasterIdLst>
   <p:sldIdLst>
-    <p:sldId id="258" r:id="rId2"/>
-    <p:sldId id="268" r:id="rId3"/>
-    <p:sldId id="269" r:id="rId4"/>
-    <p:sldId id="257" r:id="rId5"/>
-    <p:sldId id="259" r:id="rId6"/>
-    <p:sldId id="260" r:id="rId7"/>
-    <p:sldId id="263" r:id="rId8"/>
-    <p:sldId id="264" r:id="rId9"/>
+    <p:sldId id="256" r:id="rId2"/>
+    <p:sldId id="257" r:id="rId3"/>
+    <p:sldId id="262" r:id="rId4"/>
+    <p:sldId id="263" r:id="rId5"/>
+    <p:sldId id="264" r:id="rId6"/>
+    <p:sldId id="265" r:id="rId7"/>
+    <p:sldId id="266" r:id="rId8"/>
+    <p:sldId id="267" r:id="rId9"/>
+    <p:sldId id="268" r:id="rId10"/>
+    <p:sldId id="269" r:id="rId11"/>
+    <p:sldId id="270" r:id="rId12"/>
+    <p:sldId id="271" r:id="rId13"/>
+    <p:sldId id="273" r:id="rId14"/>
+    <p:sldId id="274" r:id="rId15"/>
+    <p:sldId id="275" r:id="rId16"/>
+    <p:sldId id="276" r:id="rId17"/>
+    <p:sldId id="272" r:id="rId18"/>
+    <p:sldId id="277" r:id="rId19"/>
+    <p:sldId id="278" r:id="rId20"/>
+    <p:sldId id="279" r:id="rId21"/>
+    <p:sldId id="261" r:id="rId22"/>
+    <p:sldId id="258" r:id="rId23"/>
+    <p:sldId id="259" r:id="rId24"/>
+    <p:sldId id="260" r:id="rId25"/>
+    <p:sldId id="281" r:id="rId26"/>
+    <p:sldId id="283" r:id="rId27"/>
+    <p:sldId id="282" r:id="rId28"/>
+    <p:sldId id="280" r:id="rId29"/>
+    <p:sldId id="284" r:id="rId30"/>
+    <p:sldId id="285" r:id="rId31"/>
+    <p:sldId id="286" r:id="rId32"/>
+    <p:sldId id="287" r:id="rId33"/>
+    <p:sldId id="288" r:id="rId34"/>
+    <p:sldId id="289" r:id="rId35"/>
   </p:sldIdLst>
   <p:sldSz cx="12192000" cy="6858000"/>
   <p:notesSz cx="6858000" cy="9144000"/>
@@ -114,11 +140,6 @@
       </a:defRPr>
     </a:lvl9pPr>
   </p:defaultTextStyle>
-  <p:extLst>
-    <p:ext uri="{EFAFB233-063F-42B5-8137-9DF3F51BA10A}">
-      <p15:sldGuideLst xmlns:p15="http://schemas.microsoft.com/office/powerpoint/2012/main"/>
-    </p:ext>
-  </p:extLst>
 </p:presentation>
 </file>
 
@@ -202,9 +223,9 @@
             </a:lvl1pPr>
           </a:lstStyle>
           <a:p>
-            <a:fld id="{2BB92E81-AA2E-714C-9612-8B6C5D9DE73B}" type="datetimeFigureOut">
+            <a:fld id="{B4E65DD5-A4BF-7A4A-AF3C-9ECB64E3AD29}" type="datetimeFigureOut">
               <a:rPr lang="en-US" smtClean="0"/>
-              <a:t>8/29/17</a:t>
+              <a:t>9/7/17</a:t>
             </a:fld>
             <a:endParaRPr lang="en-US"/>
           </a:p>
@@ -361,7 +382,7 @@
             </a:lvl1pPr>
           </a:lstStyle>
           <a:p>
-            <a:fld id="{882D69CC-F9EC-864D-B462-4858A38B56AD}" type="slidenum">
+            <a:fld id="{35F455D7-87FC-9642-BFAF-719C44C24338}" type="slidenum">
               <a:rPr lang="en-US" smtClean="0"/>
               <a:t>‹#›</a:t>
             </a:fld>
@@ -372,7 +393,7 @@
     </p:spTree>
     <p:extLst>
       <p:ext uri="{BB962C8B-B14F-4D97-AF65-F5344CB8AC3E}">
-        <p14:creationId xmlns:p14="http://schemas.microsoft.com/office/powerpoint/2010/main" val="1575182010"/>
+        <p14:creationId xmlns:p14="http://schemas.microsoft.com/office/powerpoint/2010/main" val="614605613"/>
       </p:ext>
     </p:extLst>
   </p:cSld>
@@ -472,6 +493,258 @@
 </p:notesMaster>
 </file>
 
+<file path=ppt/notesSlides/notesSlide1.xml><?xml version="1.0" encoding="utf-8"?>
+<p:notes xmlns:a="http://schemas.openxmlformats.org/drawingml/2006/main" xmlns:r="http://schemas.openxmlformats.org/officeDocument/2006/relationships" xmlns:p="http://schemas.openxmlformats.org/presentationml/2006/main">
+  <p:cSld>
+    <p:spTree>
+      <p:nvGrpSpPr>
+        <p:cNvPr id="1" name=""/>
+        <p:cNvGrpSpPr/>
+        <p:nvPr/>
+      </p:nvGrpSpPr>
+      <p:grpSpPr>
+        <a:xfrm>
+          <a:off x="0" y="0"/>
+          <a:ext cx="0" cy="0"/>
+          <a:chOff x="0" y="0"/>
+          <a:chExt cx="0" cy="0"/>
+        </a:xfrm>
+      </p:grpSpPr>
+      <p:sp>
+        <p:nvSpPr>
+          <p:cNvPr id="2" name="Slide Image Placeholder 1"/>
+          <p:cNvSpPr>
+            <a:spLocks noGrp="1" noRot="1" noChangeAspect="1"/>
+          </p:cNvSpPr>
+          <p:nvPr>
+            <p:ph type="sldImg"/>
+          </p:nvPr>
+        </p:nvSpPr>
+        <p:spPr/>
+      </p:sp>
+      <p:sp>
+        <p:nvSpPr>
+          <p:cNvPr id="3" name="Notes Placeholder 2"/>
+          <p:cNvSpPr>
+            <a:spLocks noGrp="1"/>
+          </p:cNvSpPr>
+          <p:nvPr>
+            <p:ph type="body" idx="1"/>
+          </p:nvPr>
+        </p:nvSpPr>
+        <p:spPr/>
+        <p:txBody>
+          <a:bodyPr/>
+          <a:lstStyle/>
+          <a:p>
+            <a:endParaRPr lang="en-US" dirty="0"/>
+          </a:p>
+        </p:txBody>
+      </p:sp>
+      <p:sp>
+        <p:nvSpPr>
+          <p:cNvPr id="4" name="Slide Number Placeholder 3"/>
+          <p:cNvSpPr>
+            <a:spLocks noGrp="1"/>
+          </p:cNvSpPr>
+          <p:nvPr>
+            <p:ph type="sldNum" sz="quarter" idx="10"/>
+          </p:nvPr>
+        </p:nvSpPr>
+        <p:spPr/>
+        <p:txBody>
+          <a:bodyPr/>
+          <a:lstStyle/>
+          <a:p>
+            <a:fld id="{35F455D7-87FC-9642-BFAF-719C44C24338}" type="slidenum">
+              <a:rPr lang="en-US" smtClean="0"/>
+              <a:t>23</a:t>
+            </a:fld>
+            <a:endParaRPr lang="en-US"/>
+          </a:p>
+        </p:txBody>
+      </p:sp>
+    </p:spTree>
+    <p:extLst>
+      <p:ext uri="{BB962C8B-B14F-4D97-AF65-F5344CB8AC3E}">
+        <p14:creationId xmlns:p14="http://schemas.microsoft.com/office/powerpoint/2010/main" val="280195621"/>
+      </p:ext>
+    </p:extLst>
+  </p:cSld>
+  <p:clrMapOvr>
+    <a:masterClrMapping/>
+  </p:clrMapOvr>
+</p:notes>
+</file>
+
+<file path=ppt/notesSlides/notesSlide2.xml><?xml version="1.0" encoding="utf-8"?>
+<p:notes xmlns:a="http://schemas.openxmlformats.org/drawingml/2006/main" xmlns:r="http://schemas.openxmlformats.org/officeDocument/2006/relationships" xmlns:p="http://schemas.openxmlformats.org/presentationml/2006/main">
+  <p:cSld>
+    <p:spTree>
+      <p:nvGrpSpPr>
+        <p:cNvPr id="1" name=""/>
+        <p:cNvGrpSpPr/>
+        <p:nvPr/>
+      </p:nvGrpSpPr>
+      <p:grpSpPr>
+        <a:xfrm>
+          <a:off x="0" y="0"/>
+          <a:ext cx="0" cy="0"/>
+          <a:chOff x="0" y="0"/>
+          <a:chExt cx="0" cy="0"/>
+        </a:xfrm>
+      </p:grpSpPr>
+      <p:sp>
+        <p:nvSpPr>
+          <p:cNvPr id="2" name="Slide Image Placeholder 1"/>
+          <p:cNvSpPr>
+            <a:spLocks noGrp="1" noRot="1" noChangeAspect="1"/>
+          </p:cNvSpPr>
+          <p:nvPr>
+            <p:ph type="sldImg"/>
+          </p:nvPr>
+        </p:nvSpPr>
+        <p:spPr/>
+      </p:sp>
+      <p:sp>
+        <p:nvSpPr>
+          <p:cNvPr id="3" name="Notes Placeholder 2"/>
+          <p:cNvSpPr>
+            <a:spLocks noGrp="1"/>
+          </p:cNvSpPr>
+          <p:nvPr>
+            <p:ph type="body" idx="1"/>
+          </p:nvPr>
+        </p:nvSpPr>
+        <p:spPr/>
+        <p:txBody>
+          <a:bodyPr/>
+          <a:lstStyle/>
+          <a:p>
+            <a:endParaRPr lang="en-US" dirty="0"/>
+          </a:p>
+        </p:txBody>
+      </p:sp>
+      <p:sp>
+        <p:nvSpPr>
+          <p:cNvPr id="4" name="Slide Number Placeholder 3"/>
+          <p:cNvSpPr>
+            <a:spLocks noGrp="1"/>
+          </p:cNvSpPr>
+          <p:nvPr>
+            <p:ph type="sldNum" sz="quarter" idx="10"/>
+          </p:nvPr>
+        </p:nvSpPr>
+        <p:spPr/>
+        <p:txBody>
+          <a:bodyPr/>
+          <a:lstStyle/>
+          <a:p>
+            <a:fld id="{35F455D7-87FC-9642-BFAF-719C44C24338}" type="slidenum">
+              <a:rPr lang="en-US" smtClean="0"/>
+              <a:t>27</a:t>
+            </a:fld>
+            <a:endParaRPr lang="en-US"/>
+          </a:p>
+        </p:txBody>
+      </p:sp>
+    </p:spTree>
+    <p:extLst>
+      <p:ext uri="{BB962C8B-B14F-4D97-AF65-F5344CB8AC3E}">
+        <p14:creationId xmlns:p14="http://schemas.microsoft.com/office/powerpoint/2010/main" val="1973376235"/>
+      </p:ext>
+    </p:extLst>
+  </p:cSld>
+  <p:clrMapOvr>
+    <a:masterClrMapping/>
+  </p:clrMapOvr>
+</p:notes>
+</file>
+
+<file path=ppt/notesSlides/notesSlide3.xml><?xml version="1.0" encoding="utf-8"?>
+<p:notes xmlns:a="http://schemas.openxmlformats.org/drawingml/2006/main" xmlns:r="http://schemas.openxmlformats.org/officeDocument/2006/relationships" xmlns:p="http://schemas.openxmlformats.org/presentationml/2006/main">
+  <p:cSld>
+    <p:spTree>
+      <p:nvGrpSpPr>
+        <p:cNvPr id="1" name=""/>
+        <p:cNvGrpSpPr/>
+        <p:nvPr/>
+      </p:nvGrpSpPr>
+      <p:grpSpPr>
+        <a:xfrm>
+          <a:off x="0" y="0"/>
+          <a:ext cx="0" cy="0"/>
+          <a:chOff x="0" y="0"/>
+          <a:chExt cx="0" cy="0"/>
+        </a:xfrm>
+      </p:grpSpPr>
+      <p:sp>
+        <p:nvSpPr>
+          <p:cNvPr id="2" name="Slide Image Placeholder 1"/>
+          <p:cNvSpPr>
+            <a:spLocks noGrp="1" noRot="1" noChangeAspect="1"/>
+          </p:cNvSpPr>
+          <p:nvPr>
+            <p:ph type="sldImg"/>
+          </p:nvPr>
+        </p:nvSpPr>
+        <p:spPr/>
+      </p:sp>
+      <p:sp>
+        <p:nvSpPr>
+          <p:cNvPr id="3" name="Notes Placeholder 2"/>
+          <p:cNvSpPr>
+            <a:spLocks noGrp="1"/>
+          </p:cNvSpPr>
+          <p:nvPr>
+            <p:ph type="body" idx="1"/>
+          </p:nvPr>
+        </p:nvSpPr>
+        <p:spPr/>
+        <p:txBody>
+          <a:bodyPr/>
+          <a:lstStyle/>
+          <a:p>
+            <a:endParaRPr lang="en-US" dirty="0"/>
+          </a:p>
+        </p:txBody>
+      </p:sp>
+      <p:sp>
+        <p:nvSpPr>
+          <p:cNvPr id="4" name="Slide Number Placeholder 3"/>
+          <p:cNvSpPr>
+            <a:spLocks noGrp="1"/>
+          </p:cNvSpPr>
+          <p:nvPr>
+            <p:ph type="sldNum" sz="quarter" idx="10"/>
+          </p:nvPr>
+        </p:nvSpPr>
+        <p:spPr/>
+        <p:txBody>
+          <a:bodyPr/>
+          <a:lstStyle/>
+          <a:p>
+            <a:fld id="{35F455D7-87FC-9642-BFAF-719C44C24338}" type="slidenum">
+              <a:rPr lang="en-US" smtClean="0"/>
+              <a:t>33</a:t>
+            </a:fld>
+            <a:endParaRPr lang="en-US"/>
+          </a:p>
+        </p:txBody>
+      </p:sp>
+    </p:spTree>
+    <p:extLst>
+      <p:ext uri="{BB962C8B-B14F-4D97-AF65-F5344CB8AC3E}">
+        <p14:creationId xmlns:p14="http://schemas.microsoft.com/office/powerpoint/2010/main" val="1672375854"/>
+      </p:ext>
+    </p:extLst>
+  </p:cSld>
+  <p:clrMapOvr>
+    <a:masterClrMapping/>
+  </p:clrMapOvr>
+</p:notes>
+</file>
+
 <file path=ppt/slideLayouts/slideLayout1.xml><?xml version="1.0" encoding="utf-8"?>
 <p:sldLayout xmlns:a="http://schemas.openxmlformats.org/drawingml/2006/main" xmlns:r="http://schemas.openxmlformats.org/officeDocument/2006/relationships" xmlns:p="http://schemas.openxmlformats.org/presentationml/2006/main" showMasterSp="0" type="title" preserve="1">
   <p:cSld name="Title Slide">
@@ -497,8 +770,8 @@
         </p:nvSpPr>
         <p:spPr>
           <a:xfrm>
-            <a:off x="1" y="6400800"/>
-            <a:ext cx="12192000" cy="457200"/>
+            <a:off x="3175" y="6400800"/>
+            <a:ext cx="12188825" cy="457200"/>
           </a:xfrm>
           <a:prstGeom prst="rect">
             <a:avLst/>
@@ -535,8 +808,8 @@
         </p:nvSpPr>
         <p:spPr>
           <a:xfrm>
-            <a:off x="1" y="6334316"/>
-            <a:ext cx="12192000" cy="66484"/>
+            <a:off x="15" y="6334316"/>
+            <a:ext cx="12188825" cy="64008"/>
           </a:xfrm>
           <a:prstGeom prst="rect">
             <a:avLst/>
@@ -696,9 +969,9 @@
           <a:bodyPr/>
           <a:lstStyle/>
           <a:p>
-            <a:fld id="{C273D10D-8B30-CE4D-869B-BCEF778BFD2B}" type="datetimeFigureOut">
+            <a:fld id="{7560429B-ADF8-BB43-9512-07006C0FD173}" type="datetimeFigureOut">
               <a:rPr lang="en-US" smtClean="0"/>
-              <a:t>8/29/17</a:t>
+              <a:t>9/7/17</a:t>
             </a:fld>
             <a:endParaRPr lang="en-US"/>
           </a:p>
@@ -738,7 +1011,7 @@
           <a:bodyPr/>
           <a:lstStyle/>
           <a:p>
-            <a:fld id="{F6E92DF6-0F54-CB4B-8891-72792B1CAC15}" type="slidenum">
+            <a:fld id="{A1E86756-8814-A14C-BD76-5FEF031A5A3A}" type="slidenum">
               <a:rPr lang="en-US" smtClean="0"/>
               <a:t>‹#›</a:t>
             </a:fld>
@@ -899,9 +1172,9 @@
           <a:bodyPr/>
           <a:lstStyle/>
           <a:p>
-            <a:fld id="{C273D10D-8B30-CE4D-869B-BCEF778BFD2B}" type="datetimeFigureOut">
+            <a:fld id="{7560429B-ADF8-BB43-9512-07006C0FD173}" type="datetimeFigureOut">
               <a:rPr lang="en-US" smtClean="0"/>
-              <a:t>8/29/17</a:t>
+              <a:t>9/7/17</a:t>
             </a:fld>
             <a:endParaRPr lang="en-US"/>
           </a:p>
@@ -941,7 +1214,7 @@
           <a:bodyPr/>
           <a:lstStyle/>
           <a:p>
-            <a:fld id="{F6E92DF6-0F54-CB4B-8891-72792B1CAC15}" type="slidenum">
+            <a:fld id="{A1E86756-8814-A14C-BD76-5FEF031A5A3A}" type="slidenum">
               <a:rPr lang="en-US" smtClean="0"/>
               <a:t>‹#›</a:t>
             </a:fld>
@@ -1150,9 +1423,9 @@
           <a:bodyPr/>
           <a:lstStyle/>
           <a:p>
-            <a:fld id="{C273D10D-8B30-CE4D-869B-BCEF778BFD2B}" type="datetimeFigureOut">
+            <a:fld id="{7560429B-ADF8-BB43-9512-07006C0FD173}" type="datetimeFigureOut">
               <a:rPr lang="en-US" smtClean="0"/>
-              <a:t>8/29/17</a:t>
+              <a:t>9/7/17</a:t>
             </a:fld>
             <a:endParaRPr lang="en-US"/>
           </a:p>
@@ -1192,7 +1465,7 @@
           <a:bodyPr/>
           <a:lstStyle/>
           <a:p>
-            <a:fld id="{F6E92DF6-0F54-CB4B-8891-72792B1CAC15}" type="slidenum">
+            <a:fld id="{A1E86756-8814-A14C-BD76-5FEF031A5A3A}" type="slidenum">
               <a:rPr lang="en-US" smtClean="0"/>
               <a:t>‹#›</a:t>
             </a:fld>
@@ -1237,87 +1510,107 @@
         </p:nvSpPr>
         <p:spPr/>
         <p:txBody>
+          <a:bodyPr>
+            <a:normAutofit/>
+          </a:bodyPr>
+          <a:lstStyle>
+            <a:lvl1pPr>
+              <a:defRPr sz="4800" b="0" i="0">
+                <a:latin typeface="Calibri" charset="0"/>
+                <a:ea typeface="Calibri" charset="0"/>
+                <a:cs typeface="Calibri" charset="0"/>
+              </a:defRPr>
+            </a:lvl1pPr>
+          </a:lstStyle>
+          <a:p>
+            <a:r>
+              <a:rPr lang="en-US" dirty="0" smtClean="0"/>
+              <a:t>Click to edit Master title style</a:t>
+            </a:r>
+            <a:endParaRPr lang="en-US" dirty="0"/>
+          </a:p>
+        </p:txBody>
+      </p:sp>
+      <p:sp>
+        <p:nvSpPr>
+          <p:cNvPr id="3" name="Content Placeholder 2"/>
+          <p:cNvSpPr>
+            <a:spLocks noGrp="1"/>
+          </p:cNvSpPr>
+          <p:nvPr>
+            <p:ph idx="1"/>
+          </p:nvPr>
+        </p:nvSpPr>
+        <p:spPr/>
+        <p:txBody>
           <a:bodyPr/>
-          <a:lstStyle/>
-          <a:p>
-            <a:r>
+          <a:lstStyle>
+            <a:lvl1pPr>
+              <a:defRPr sz="3200"/>
+            </a:lvl1pPr>
+            <a:lvl2pPr>
+              <a:defRPr sz="2200"/>
+            </a:lvl2pPr>
+            <a:lvl3pPr>
+              <a:defRPr sz="1800"/>
+            </a:lvl3pPr>
+          </a:lstStyle>
+          <a:p>
+            <a:pPr lvl="0"/>
+            <a:r>
+              <a:rPr lang="en-US" dirty="0" smtClean="0"/>
+              <a:t>Click to edit Master text styles</a:t>
+            </a:r>
+          </a:p>
+          <a:p>
+            <a:pPr lvl="1"/>
+            <a:r>
+              <a:rPr lang="en-US" dirty="0" smtClean="0"/>
+              <a:t>Second level</a:t>
+            </a:r>
+          </a:p>
+          <a:p>
+            <a:pPr lvl="2"/>
+            <a:r>
+              <a:rPr lang="en-US" dirty="0" smtClean="0"/>
+              <a:t>Third level</a:t>
+            </a:r>
+          </a:p>
+          <a:p>
+            <a:pPr lvl="3"/>
+            <a:r>
+              <a:rPr lang="en-US" dirty="0" smtClean="0"/>
+              <a:t>Fourth level</a:t>
+            </a:r>
+          </a:p>
+          <a:p>
+            <a:pPr lvl="4"/>
+            <a:r>
+              <a:rPr lang="en-US" dirty="0" smtClean="0"/>
+              <a:t>Fifth level</a:t>
+            </a:r>
+            <a:endParaRPr lang="en-US" dirty="0"/>
+          </a:p>
+        </p:txBody>
+      </p:sp>
+      <p:sp>
+        <p:nvSpPr>
+          <p:cNvPr id="4" name="Date Placeholder 3"/>
+          <p:cNvSpPr>
+            <a:spLocks noGrp="1"/>
+          </p:cNvSpPr>
+          <p:nvPr>
+            <p:ph type="dt" sz="half" idx="10"/>
+          </p:nvPr>
+        </p:nvSpPr>
+        <p:spPr/>
+        <p:txBody>
+          <a:bodyPr/>
+          <a:lstStyle/>
+          <a:p>
+            <a:fld id="{7560429B-ADF8-BB43-9512-07006C0FD173}" type="datetimeFigureOut">
               <a:rPr lang="en-US" smtClean="0"/>
-              <a:t>Click to edit Master title style</a:t>
-            </a:r>
-            <a:endParaRPr lang="en-US" dirty="0"/>
-          </a:p>
-        </p:txBody>
-      </p:sp>
-      <p:sp>
-        <p:nvSpPr>
-          <p:cNvPr id="3" name="Content Placeholder 2"/>
-          <p:cNvSpPr>
-            <a:spLocks noGrp="1"/>
-          </p:cNvSpPr>
-          <p:nvPr>
-            <p:ph idx="1"/>
-          </p:nvPr>
-        </p:nvSpPr>
-        <p:spPr/>
-        <p:txBody>
-          <a:bodyPr/>
-          <a:lstStyle/>
-          <a:p>
-            <a:pPr lvl="0"/>
-            <a:r>
-              <a:rPr lang="en-US" smtClean="0"/>
-              <a:t>Click to edit Master text styles</a:t>
-            </a:r>
-          </a:p>
-          <a:p>
-            <a:pPr lvl="1"/>
-            <a:r>
-              <a:rPr lang="en-US" smtClean="0"/>
-              <a:t>Second level</a:t>
-            </a:r>
-          </a:p>
-          <a:p>
-            <a:pPr lvl="2"/>
-            <a:r>
-              <a:rPr lang="en-US" smtClean="0"/>
-              <a:t>Third level</a:t>
-            </a:r>
-          </a:p>
-          <a:p>
-            <a:pPr lvl="3"/>
-            <a:r>
-              <a:rPr lang="en-US" smtClean="0"/>
-              <a:t>Fourth level</a:t>
-            </a:r>
-          </a:p>
-          <a:p>
-            <a:pPr lvl="4"/>
-            <a:r>
-              <a:rPr lang="en-US" smtClean="0"/>
-              <a:t>Fifth level</a:t>
-            </a:r>
-            <a:endParaRPr lang="en-US" dirty="0"/>
-          </a:p>
-        </p:txBody>
-      </p:sp>
-      <p:sp>
-        <p:nvSpPr>
-          <p:cNvPr id="4" name="Date Placeholder 3"/>
-          <p:cNvSpPr>
-            <a:spLocks noGrp="1"/>
-          </p:cNvSpPr>
-          <p:nvPr>
-            <p:ph type="dt" sz="half" idx="10"/>
-          </p:nvPr>
-        </p:nvSpPr>
-        <p:spPr/>
-        <p:txBody>
-          <a:bodyPr/>
-          <a:lstStyle/>
-          <a:p>
-            <a:fld id="{C273D10D-8B30-CE4D-869B-BCEF778BFD2B}" type="datetimeFigureOut">
-              <a:rPr lang="en-US" smtClean="0"/>
-              <a:t>8/29/17</a:t>
+              <a:t>9/7/17</a:t>
             </a:fld>
             <a:endParaRPr lang="en-US"/>
           </a:p>
@@ -1357,7 +1650,7 @@
           <a:bodyPr/>
           <a:lstStyle/>
           <a:p>
-            <a:fld id="{F6E92DF6-0F54-CB4B-8891-72792B1CAC15}" type="slidenum">
+            <a:fld id="{A1E86756-8814-A14C-BD76-5FEF031A5A3A}" type="slidenum">
               <a:rPr lang="en-US" smtClean="0"/>
               <a:t>‹#›</a:t>
             </a:fld>
@@ -1653,9 +1946,9 @@
           <a:bodyPr/>
           <a:lstStyle/>
           <a:p>
-            <a:fld id="{C273D10D-8B30-CE4D-869B-BCEF778BFD2B}" type="datetimeFigureOut">
+            <a:fld id="{7560429B-ADF8-BB43-9512-07006C0FD173}" type="datetimeFigureOut">
               <a:rPr lang="en-US" smtClean="0"/>
-              <a:t>8/29/17</a:t>
+              <a:t>9/7/17</a:t>
             </a:fld>
             <a:endParaRPr lang="en-US"/>
           </a:p>
@@ -1695,7 +1988,7 @@
           <a:bodyPr/>
           <a:lstStyle/>
           <a:p>
-            <a:fld id="{F6E92DF6-0F54-CB4B-8891-72792B1CAC15}" type="slidenum">
+            <a:fld id="{A1E86756-8814-A14C-BD76-5FEF031A5A3A}" type="slidenum">
               <a:rPr lang="en-US" smtClean="0"/>
               <a:t>‹#›</a:t>
             </a:fld>
@@ -1806,8 +2099,8 @@
         </p:nvSpPr>
         <p:spPr>
           <a:xfrm>
-            <a:off x="1097280" y="1845734"/>
-            <a:ext cx="4937760" cy="4023359"/>
+            <a:off x="1097278" y="1845734"/>
+            <a:ext cx="4937760" cy="4023360"/>
           </a:xfrm>
         </p:spPr>
         <p:txBody>
@@ -1923,9 +2216,9 @@
           <a:bodyPr/>
           <a:lstStyle/>
           <a:p>
-            <a:fld id="{C273D10D-8B30-CE4D-869B-BCEF778BFD2B}" type="datetimeFigureOut">
+            <a:fld id="{7560429B-ADF8-BB43-9512-07006C0FD173}" type="datetimeFigureOut">
               <a:rPr lang="en-US" smtClean="0"/>
-              <a:t>8/29/17</a:t>
+              <a:t>9/7/17</a:t>
             </a:fld>
             <a:endParaRPr lang="en-US"/>
           </a:p>
@@ -1965,7 +2258,7 @@
           <a:bodyPr/>
           <a:lstStyle/>
           <a:p>
-            <a:fld id="{F6E92DF6-0F54-CB4B-8891-72792B1CAC15}" type="slidenum">
+            <a:fld id="{A1E86756-8814-A14C-BD76-5FEF031A5A3A}" type="slidenum">
               <a:rPr lang="en-US" smtClean="0"/>
               <a:t>‹#›</a:t>
             </a:fld>
@@ -2109,8 +2402,8 @@
         </p:nvSpPr>
         <p:spPr>
           <a:xfrm>
-            <a:off x="1097280" y="2582335"/>
-            <a:ext cx="4937760" cy="3286760"/>
+            <a:off x="1097280" y="2582334"/>
+            <a:ext cx="4937760" cy="3378200"/>
           </a:xfrm>
         </p:spPr>
         <p:txBody>
@@ -2238,7 +2531,7 @@
         <p:spPr>
           <a:xfrm>
             <a:off x="6217920" y="2582334"/>
-            <a:ext cx="4937760" cy="3286760"/>
+            <a:ext cx="4937760" cy="3378200"/>
           </a:xfrm>
         </p:spPr>
         <p:txBody>
@@ -2297,9 +2590,9 @@
           <a:bodyPr/>
           <a:lstStyle/>
           <a:p>
-            <a:fld id="{C273D10D-8B30-CE4D-869B-BCEF778BFD2B}" type="datetimeFigureOut">
+            <a:fld id="{7560429B-ADF8-BB43-9512-07006C0FD173}" type="datetimeFigureOut">
               <a:rPr lang="en-US" smtClean="0"/>
-              <a:t>8/29/17</a:t>
+              <a:t>9/7/17</a:t>
             </a:fld>
             <a:endParaRPr lang="en-US"/>
           </a:p>
@@ -2339,7 +2632,7 @@
           <a:bodyPr/>
           <a:lstStyle/>
           <a:p>
-            <a:fld id="{F6E92DF6-0F54-CB4B-8891-72792B1CAC15}" type="slidenum">
+            <a:fld id="{A1E86756-8814-A14C-BD76-5FEF031A5A3A}" type="slidenum">
               <a:rPr lang="en-US" smtClean="0"/>
               <a:t>‹#›</a:t>
             </a:fld>
@@ -2410,9 +2703,9 @@
           <a:bodyPr/>
           <a:lstStyle/>
           <a:p>
-            <a:fld id="{C273D10D-8B30-CE4D-869B-BCEF778BFD2B}" type="datetimeFigureOut">
+            <a:fld id="{7560429B-ADF8-BB43-9512-07006C0FD173}" type="datetimeFigureOut">
               <a:rPr lang="en-US" smtClean="0"/>
-              <a:t>8/29/17</a:t>
+              <a:t>9/7/17</a:t>
             </a:fld>
             <a:endParaRPr lang="en-US"/>
           </a:p>
@@ -2452,7 +2745,7 @@
           <a:bodyPr/>
           <a:lstStyle/>
           <a:p>
-            <a:fld id="{F6E92DF6-0F54-CB4B-8891-72792B1CAC15}" type="slidenum">
+            <a:fld id="{A1E86756-8814-A14C-BD76-5FEF031A5A3A}" type="slidenum">
               <a:rPr lang="en-US" smtClean="0"/>
               <a:t>‹#›</a:t>
             </a:fld>
@@ -2576,9 +2869,9 @@
           <a:bodyPr/>
           <a:lstStyle/>
           <a:p>
-            <a:fld id="{C273D10D-8B30-CE4D-869B-BCEF778BFD2B}" type="datetimeFigureOut">
+            <a:fld id="{7560429B-ADF8-BB43-9512-07006C0FD173}" type="datetimeFigureOut">
               <a:rPr lang="en-US" smtClean="0"/>
-              <a:t>8/29/17</a:t>
+              <a:t>9/7/17</a:t>
             </a:fld>
             <a:endParaRPr lang="en-US"/>
           </a:p>
@@ -2626,7 +2919,7 @@
           <a:bodyPr/>
           <a:lstStyle/>
           <a:p>
-            <a:fld id="{F6E92DF6-0F54-CB4B-8891-72792B1CAC15}" type="slidenum">
+            <a:fld id="{A1E86756-8814-A14C-BD76-5FEF031A5A3A}" type="slidenum">
               <a:rPr lang="en-US" smtClean="0"/>
               <a:t>‹#›</a:t>
             </a:fld>
@@ -2925,9 +3218,9 @@
             </a:lvl1pPr>
           </a:lstStyle>
           <a:p>
-            <a:fld id="{C273D10D-8B30-CE4D-869B-BCEF778BFD2B}" type="datetimeFigureOut">
+            <a:fld id="{7560429B-ADF8-BB43-9512-07006C0FD173}" type="datetimeFigureOut">
               <a:rPr lang="en-US" smtClean="0"/>
-              <a:t>8/29/17</a:t>
+              <a:t>9/7/17</a:t>
             </a:fld>
             <a:endParaRPr lang="en-US"/>
           </a:p>
@@ -2988,7 +3281,7 @@
             </a:lvl1pPr>
           </a:lstStyle>
           <a:p>
-            <a:fld id="{F6E92DF6-0F54-CB4B-8891-72792B1CAC15}" type="slidenum">
+            <a:fld id="{A1E86756-8814-A14C-BD76-5FEF031A5A3A}" type="slidenum">
               <a:rPr lang="en-US" smtClean="0"/>
               <a:t>‹#›</a:t>
             </a:fld>
@@ -3114,7 +3407,7 @@
           </a:xfrm>
         </p:spPr>
         <p:txBody>
-          <a:bodyPr tIns="0" bIns="0" anchor="b">
+          <a:bodyPr lIns="91440" tIns="0" rIns="91440" bIns="0" anchor="b">
             <a:noAutofit/>
           </a:bodyPr>
           <a:lstStyle>
@@ -3297,9 +3590,9 @@
           <a:bodyPr/>
           <a:lstStyle/>
           <a:p>
-            <a:fld id="{C273D10D-8B30-CE4D-869B-BCEF778BFD2B}" type="datetimeFigureOut">
+            <a:fld id="{7560429B-ADF8-BB43-9512-07006C0FD173}" type="datetimeFigureOut">
               <a:rPr lang="en-US" smtClean="0"/>
-              <a:t>8/29/17</a:t>
+              <a:t>9/7/17</a:t>
             </a:fld>
             <a:endParaRPr lang="en-US"/>
           </a:p>
@@ -3320,11 +3613,6 @@
           <a:bodyPr/>
           <a:lstStyle/>
           <a:p>
-            <a:r>
-              <a:rPr lang="en-US" smtClean="0"/>
-              <a:t>
-              </a:t>
-            </a:r>
             <a:endParaRPr lang="en-US" dirty="0"/>
           </a:p>
         </p:txBody>
@@ -3344,7 +3632,7 @@
           <a:bodyPr/>
           <a:lstStyle/>
           <a:p>
-            <a:fld id="{F6E92DF6-0F54-CB4B-8891-72792B1CAC15}" type="slidenum">
+            <a:fld id="{A1E86756-8814-A14C-BD76-5FEF031A5A3A}" type="slidenum">
               <a:rPr lang="en-US" smtClean="0"/>
               <a:t>‹#›</a:t>
             </a:fld>
@@ -3390,8 +3678,8 @@
         </p:nvSpPr>
         <p:spPr>
           <a:xfrm>
-            <a:off x="3175" y="6400800"/>
-            <a:ext cx="12188825" cy="457200"/>
+            <a:off x="1" y="6400800"/>
+            <a:ext cx="12192000" cy="457200"/>
           </a:xfrm>
           <a:prstGeom prst="rect">
             <a:avLst/>
@@ -3429,7 +3717,7 @@
         <p:spPr>
           <a:xfrm>
             <a:off x="15" y="6334316"/>
-            <a:ext cx="12188825" cy="64008"/>
+            <a:ext cx="12191985" cy="66484"/>
           </a:xfrm>
           <a:prstGeom prst="rect">
             <a:avLst/>
@@ -3584,9 +3872,9 @@
             </a:lvl1pPr>
           </a:lstStyle>
           <a:p>
-            <a:fld id="{C273D10D-8B30-CE4D-869B-BCEF778BFD2B}" type="datetimeFigureOut">
+            <a:fld id="{7560429B-ADF8-BB43-9512-07006C0FD173}" type="datetimeFigureOut">
               <a:rPr lang="en-US" smtClean="0"/>
-              <a:t>8/29/17</a:t>
+              <a:t>9/7/17</a:t>
             </a:fld>
             <a:endParaRPr lang="en-US"/>
           </a:p>
@@ -3658,7 +3946,7 @@
             </a:lvl1pPr>
           </a:lstStyle>
           <a:p>
-            <a:fld id="{F6E92DF6-0F54-CB4B-8891-72792B1CAC15}" type="slidenum">
+            <a:fld id="{A1E86756-8814-A14C-BD76-5FEF031A5A3A}" type="slidenum">
               <a:rPr lang="en-US" smtClean="0"/>
               <a:t>‹#›</a:t>
             </a:fld>
@@ -3707,23 +3995,23 @@
     </p:spTree>
     <p:extLst>
       <p:ext uri="{BB962C8B-B14F-4D97-AF65-F5344CB8AC3E}">
-        <p14:creationId xmlns:p14="http://schemas.microsoft.com/office/powerpoint/2010/main" val="233475621"/>
+        <p14:creationId xmlns:p14="http://schemas.microsoft.com/office/powerpoint/2010/main" val="51021005"/>
       </p:ext>
     </p:extLst>
   </p:cSld>
   <p:clrMap bg1="lt1" tx1="dk1" bg2="lt2" tx2="dk2" accent1="accent1" accent2="accent2" accent3="accent3" accent4="accent4" accent5="accent5" accent6="accent6" hlink="hlink" folHlink="folHlink"/>
   <p:sldLayoutIdLst>
-    <p:sldLayoutId id="2147483853" r:id="rId1"/>
-    <p:sldLayoutId id="2147483854" r:id="rId2"/>
-    <p:sldLayoutId id="2147483855" r:id="rId3"/>
-    <p:sldLayoutId id="2147483856" r:id="rId4"/>
-    <p:sldLayoutId id="2147483857" r:id="rId5"/>
-    <p:sldLayoutId id="2147483858" r:id="rId6"/>
-    <p:sldLayoutId id="2147483859" r:id="rId7"/>
-    <p:sldLayoutId id="2147483860" r:id="rId8"/>
-    <p:sldLayoutId id="2147483861" r:id="rId9"/>
-    <p:sldLayoutId id="2147483862" r:id="rId10"/>
-    <p:sldLayoutId id="2147483863" r:id="rId11"/>
+    <p:sldLayoutId id="2147483973" r:id="rId1"/>
+    <p:sldLayoutId id="2147483974" r:id="rId2"/>
+    <p:sldLayoutId id="2147483975" r:id="rId3"/>
+    <p:sldLayoutId id="2147483976" r:id="rId4"/>
+    <p:sldLayoutId id="2147483977" r:id="rId5"/>
+    <p:sldLayoutId id="2147483978" r:id="rId6"/>
+    <p:sldLayoutId id="2147483979" r:id="rId7"/>
+    <p:sldLayoutId id="2147483980" r:id="rId8"/>
+    <p:sldLayoutId id="2147483981" r:id="rId9"/>
+    <p:sldLayoutId id="2147483982" r:id="rId10"/>
+    <p:sldLayoutId id="2147483983" r:id="rId11"/>
   </p:sldLayoutIdLst>
   <p:txStyles>
     <p:titleStyle>
@@ -4135,7 +4423,7 @@
             </a:r>
             <a:r>
               <a:rPr lang="en-US" dirty="0" smtClean="0"/>
-              <a:t>, continued</a:t>
+              <a:t> II</a:t>
             </a:r>
             <a:endParaRPr lang="en-US" dirty="0"/>
           </a:p>
@@ -4143,7 +4431,7 @@
       </p:sp>
       <p:sp>
         <p:nvSpPr>
-          <p:cNvPr id="3" name="Subtitle 2"/>
+          <p:cNvPr id="4" name="Subtitle 3"/>
           <p:cNvSpPr>
             <a:spLocks noGrp="1"/>
           </p:cNvSpPr>
@@ -4157,27 +4445,29 @@
           <a:lstStyle/>
           <a:p>
             <a:r>
-              <a:rPr lang="en-US" dirty="0" smtClean="0"/>
+              <a:rPr lang="en-US" dirty="0"/>
               <a:t>bio5312 Fall2017</a:t>
             </a:r>
           </a:p>
           <a:p>
             <a:r>
-              <a:rPr lang="en-US" dirty="0" smtClean="0"/>
-              <a:t>Dr. </a:t>
-            </a:r>
-            <a:r>
-              <a:rPr lang="en-US" dirty="0" err="1" smtClean="0"/>
+              <a:rPr lang="en-US" dirty="0" err="1"/>
               <a:t>stephanie</a:t>
             </a:r>
             <a:r>
-              <a:rPr lang="en-US" dirty="0" smtClean="0"/>
+              <a:rPr lang="en-US" dirty="0"/>
               <a:t> j. </a:t>
             </a:r>
             <a:r>
-              <a:rPr lang="en-US" dirty="0" err="1" smtClean="0"/>
+              <a:rPr lang="en-US" dirty="0" err="1"/>
               <a:t>spielman</a:t>
             </a:r>
+            <a:r>
+              <a:rPr lang="en-US" dirty="0"/>
+              <a:t>, PhD</a:t>
+            </a:r>
+          </a:p>
+          <a:p>
             <a:endParaRPr lang="en-US" dirty="0"/>
           </a:p>
         </p:txBody>
@@ -4185,7 +4475,941 @@
     </p:spTree>
     <p:extLst>
       <p:ext uri="{BB962C8B-B14F-4D97-AF65-F5344CB8AC3E}">
-        <p14:creationId xmlns:p14="http://schemas.microsoft.com/office/powerpoint/2010/main" val="1810666658"/>
+        <p14:creationId xmlns:p14="http://schemas.microsoft.com/office/powerpoint/2010/main" val="1708919395"/>
+      </p:ext>
+    </p:extLst>
+  </p:cSld>
+  <p:clrMapOvr>
+    <a:masterClrMapping/>
+  </p:clrMapOvr>
+</p:sld>
+</file>
+
+<file path=ppt/slides/slide10.xml><?xml version="1.0" encoding="utf-8"?>
+<p:sld xmlns:a="http://schemas.openxmlformats.org/drawingml/2006/main" xmlns:r="http://schemas.openxmlformats.org/officeDocument/2006/relationships" xmlns:p="http://schemas.openxmlformats.org/presentationml/2006/main">
+  <p:cSld>
+    <p:spTree>
+      <p:nvGrpSpPr>
+        <p:cNvPr id="1" name=""/>
+        <p:cNvGrpSpPr/>
+        <p:nvPr/>
+      </p:nvGrpSpPr>
+      <p:grpSpPr>
+        <a:xfrm>
+          <a:off x="0" y="0"/>
+          <a:ext cx="0" cy="0"/>
+          <a:chOff x="0" y="0"/>
+          <a:chExt cx="0" cy="0"/>
+        </a:xfrm>
+      </p:grpSpPr>
+      <p:sp>
+        <p:nvSpPr>
+          <p:cNvPr id="2" name="Title 1"/>
+          <p:cNvSpPr>
+            <a:spLocks noGrp="1"/>
+          </p:cNvSpPr>
+          <p:nvPr>
+            <p:ph type="title"/>
+          </p:nvPr>
+        </p:nvSpPr>
+        <p:spPr/>
+        <p:txBody>
+          <a:bodyPr/>
+          <a:lstStyle/>
+          <a:p>
+            <a:r>
+              <a:rPr lang="en-US" dirty="0" smtClean="0"/>
+              <a:t>Probability rules</a:t>
+            </a:r>
+            <a:endParaRPr lang="en-US" dirty="0"/>
+          </a:p>
+        </p:txBody>
+      </p:sp>
+      <p:sp>
+        <p:nvSpPr>
+          <p:cNvPr id="3" name="Content Placeholder 2"/>
+          <p:cNvSpPr>
+            <a:spLocks noGrp="1"/>
+          </p:cNvSpPr>
+          <p:nvPr>
+            <p:ph idx="1"/>
+          </p:nvPr>
+        </p:nvSpPr>
+        <p:spPr/>
+        <p:txBody>
+          <a:bodyPr/>
+          <a:lstStyle/>
+          <a:p>
+            <a:endParaRPr lang="en-US"/>
+          </a:p>
+        </p:txBody>
+      </p:sp>
+    </p:spTree>
+    <p:extLst>
+      <p:ext uri="{BB962C8B-B14F-4D97-AF65-F5344CB8AC3E}">
+        <p14:creationId xmlns:p14="http://schemas.microsoft.com/office/powerpoint/2010/main" val="248835180"/>
+      </p:ext>
+    </p:extLst>
+  </p:cSld>
+  <p:clrMapOvr>
+    <a:masterClrMapping/>
+  </p:clrMapOvr>
+</p:sld>
+</file>
+
+<file path=ppt/slides/slide11.xml><?xml version="1.0" encoding="utf-8"?>
+<p:sld xmlns:a="http://schemas.openxmlformats.org/drawingml/2006/main" xmlns:r="http://schemas.openxmlformats.org/officeDocument/2006/relationships" xmlns:p="http://schemas.openxmlformats.org/presentationml/2006/main">
+  <p:cSld>
+    <p:spTree>
+      <p:nvGrpSpPr>
+        <p:cNvPr id="1" name=""/>
+        <p:cNvGrpSpPr/>
+        <p:nvPr/>
+      </p:nvGrpSpPr>
+      <p:grpSpPr>
+        <a:xfrm>
+          <a:off x="0" y="0"/>
+          <a:ext cx="0" cy="0"/>
+          <a:chOff x="0" y="0"/>
+          <a:chExt cx="0" cy="0"/>
+        </a:xfrm>
+      </p:grpSpPr>
+      <p:sp>
+        <p:nvSpPr>
+          <p:cNvPr id="2" name="Title 1"/>
+          <p:cNvSpPr>
+            <a:spLocks noGrp="1"/>
+          </p:cNvSpPr>
+          <p:nvPr>
+            <p:ph type="title"/>
+          </p:nvPr>
+        </p:nvSpPr>
+        <p:spPr/>
+        <p:txBody>
+          <a:bodyPr/>
+          <a:lstStyle/>
+          <a:p>
+            <a:r>
+              <a:rPr lang="en-US" dirty="0" smtClean="0"/>
+              <a:t>Example: Probability of event X </a:t>
+            </a:r>
+            <a:r>
+              <a:rPr lang="en-US" b="1" dirty="0" smtClean="0"/>
+              <a:t>and</a:t>
+            </a:r>
+            <a:r>
+              <a:rPr lang="en-US" dirty="0" smtClean="0"/>
+              <a:t> event Y?</a:t>
+            </a:r>
+            <a:endParaRPr lang="en-US" dirty="0"/>
+          </a:p>
+        </p:txBody>
+      </p:sp>
+      <p:sp>
+        <p:nvSpPr>
+          <p:cNvPr id="3" name="Content Placeholder 2"/>
+          <p:cNvSpPr>
+            <a:spLocks noGrp="1"/>
+          </p:cNvSpPr>
+          <p:nvPr>
+            <p:ph idx="1"/>
+          </p:nvPr>
+        </p:nvSpPr>
+        <p:spPr/>
+        <p:txBody>
+          <a:bodyPr/>
+          <a:lstStyle/>
+          <a:p>
+            <a:r>
+              <a:rPr lang="en-US" dirty="0" smtClean="0"/>
+              <a:t>Depends on dep/</a:t>
+            </a:r>
+            <a:r>
+              <a:rPr lang="en-US" dirty="0" err="1" smtClean="0"/>
+              <a:t>inde</a:t>
+            </a:r>
+            <a:endParaRPr lang="en-US" dirty="0"/>
+          </a:p>
+        </p:txBody>
+      </p:sp>
+    </p:spTree>
+    <p:extLst>
+      <p:ext uri="{BB962C8B-B14F-4D97-AF65-F5344CB8AC3E}">
+        <p14:creationId xmlns:p14="http://schemas.microsoft.com/office/powerpoint/2010/main" val="527286804"/>
+      </p:ext>
+    </p:extLst>
+  </p:cSld>
+  <p:clrMapOvr>
+    <a:masterClrMapping/>
+  </p:clrMapOvr>
+</p:sld>
+</file>
+
+<file path=ppt/slides/slide12.xml><?xml version="1.0" encoding="utf-8"?>
+<p:sld xmlns:a="http://schemas.openxmlformats.org/drawingml/2006/main" xmlns:r="http://schemas.openxmlformats.org/officeDocument/2006/relationships" xmlns:p="http://schemas.openxmlformats.org/presentationml/2006/main">
+  <p:cSld>
+    <p:spTree>
+      <p:nvGrpSpPr>
+        <p:cNvPr id="1" name=""/>
+        <p:cNvGrpSpPr/>
+        <p:nvPr/>
+      </p:nvGrpSpPr>
+      <p:grpSpPr>
+        <a:xfrm>
+          <a:off x="0" y="0"/>
+          <a:ext cx="0" cy="0"/>
+          <a:chOff x="0" y="0"/>
+          <a:chExt cx="0" cy="0"/>
+        </a:xfrm>
+      </p:grpSpPr>
+      <p:sp>
+        <p:nvSpPr>
+          <p:cNvPr id="2" name="Title 1"/>
+          <p:cNvSpPr>
+            <a:spLocks noGrp="1"/>
+          </p:cNvSpPr>
+          <p:nvPr>
+            <p:ph type="title"/>
+          </p:nvPr>
+        </p:nvSpPr>
+        <p:spPr/>
+        <p:txBody>
+          <a:bodyPr/>
+          <a:lstStyle/>
+          <a:p>
+            <a:r>
+              <a:rPr lang="en-US" dirty="0"/>
+              <a:t>Example: Probability of </a:t>
+            </a:r>
+            <a:r>
+              <a:rPr lang="en-US" b="1" dirty="0" smtClean="0"/>
+              <a:t>independent</a:t>
+            </a:r>
+            <a:r>
+              <a:rPr lang="en-US" i="1" dirty="0" smtClean="0"/>
+              <a:t> </a:t>
+            </a:r>
+            <a:r>
+              <a:rPr lang="en-US" dirty="0" smtClean="0"/>
+              <a:t>events </a:t>
+            </a:r>
+            <a:r>
+              <a:rPr lang="en-US" dirty="0"/>
+              <a:t>X </a:t>
+            </a:r>
+            <a:r>
+              <a:rPr lang="en-US" b="1" dirty="0"/>
+              <a:t>and</a:t>
+            </a:r>
+            <a:r>
+              <a:rPr lang="en-US" dirty="0"/>
+              <a:t> </a:t>
+            </a:r>
+            <a:r>
+              <a:rPr lang="en-US" dirty="0" smtClean="0"/>
+              <a:t>Y</a:t>
+            </a:r>
+            <a:endParaRPr lang="en-US" dirty="0"/>
+          </a:p>
+        </p:txBody>
+      </p:sp>
+      <p:sp>
+        <p:nvSpPr>
+          <p:cNvPr id="3" name="Content Placeholder 2"/>
+          <p:cNvSpPr>
+            <a:spLocks noGrp="1"/>
+          </p:cNvSpPr>
+          <p:nvPr>
+            <p:ph idx="1"/>
+          </p:nvPr>
+        </p:nvSpPr>
+        <p:spPr/>
+        <p:txBody>
+          <a:bodyPr/>
+          <a:lstStyle/>
+          <a:p>
+            <a:endParaRPr lang="en-US"/>
+          </a:p>
+        </p:txBody>
+      </p:sp>
+    </p:spTree>
+    <p:extLst>
+      <p:ext uri="{BB962C8B-B14F-4D97-AF65-F5344CB8AC3E}">
+        <p14:creationId xmlns:p14="http://schemas.microsoft.com/office/powerpoint/2010/main" val="1510854863"/>
+      </p:ext>
+    </p:extLst>
+  </p:cSld>
+  <p:clrMapOvr>
+    <a:masterClrMapping/>
+  </p:clrMapOvr>
+</p:sld>
+</file>
+
+<file path=ppt/slides/slide13.xml><?xml version="1.0" encoding="utf-8"?>
+<p:sld xmlns:a="http://schemas.openxmlformats.org/drawingml/2006/main" xmlns:r="http://schemas.openxmlformats.org/officeDocument/2006/relationships" xmlns:p="http://schemas.openxmlformats.org/presentationml/2006/main">
+  <p:cSld>
+    <p:spTree>
+      <p:nvGrpSpPr>
+        <p:cNvPr id="1" name=""/>
+        <p:cNvGrpSpPr/>
+        <p:nvPr/>
+      </p:nvGrpSpPr>
+      <p:grpSpPr>
+        <a:xfrm>
+          <a:off x="0" y="0"/>
+          <a:ext cx="0" cy="0"/>
+          <a:chOff x="0" y="0"/>
+          <a:chExt cx="0" cy="0"/>
+        </a:xfrm>
+      </p:grpSpPr>
+      <p:sp>
+        <p:nvSpPr>
+          <p:cNvPr id="2" name="Title 1"/>
+          <p:cNvSpPr>
+            <a:spLocks noGrp="1"/>
+          </p:cNvSpPr>
+          <p:nvPr>
+            <p:ph type="title"/>
+          </p:nvPr>
+        </p:nvSpPr>
+        <p:spPr/>
+        <p:txBody>
+          <a:bodyPr/>
+          <a:lstStyle/>
+          <a:p>
+            <a:r>
+              <a:rPr lang="en-US" dirty="0"/>
+              <a:t>Example: Probability of </a:t>
+            </a:r>
+            <a:r>
+              <a:rPr lang="en-US" b="1" dirty="0" smtClean="0"/>
+              <a:t>dependent</a:t>
+            </a:r>
+            <a:r>
+              <a:rPr lang="en-US" i="1" dirty="0" smtClean="0"/>
+              <a:t> </a:t>
+            </a:r>
+            <a:r>
+              <a:rPr lang="en-US" dirty="0" smtClean="0"/>
+              <a:t>events </a:t>
+            </a:r>
+            <a:r>
+              <a:rPr lang="en-US" dirty="0"/>
+              <a:t>X </a:t>
+            </a:r>
+            <a:r>
+              <a:rPr lang="en-US" b="1" dirty="0"/>
+              <a:t>and</a:t>
+            </a:r>
+            <a:r>
+              <a:rPr lang="en-US" dirty="0"/>
+              <a:t> </a:t>
+            </a:r>
+            <a:r>
+              <a:rPr lang="en-US" dirty="0" smtClean="0"/>
+              <a:t>Y</a:t>
+            </a:r>
+            <a:endParaRPr lang="en-US" dirty="0"/>
+          </a:p>
+        </p:txBody>
+      </p:sp>
+      <p:sp>
+        <p:nvSpPr>
+          <p:cNvPr id="3" name="Content Placeholder 2"/>
+          <p:cNvSpPr>
+            <a:spLocks noGrp="1"/>
+          </p:cNvSpPr>
+          <p:nvPr>
+            <p:ph idx="1"/>
+          </p:nvPr>
+        </p:nvSpPr>
+        <p:spPr/>
+        <p:txBody>
+          <a:bodyPr/>
+          <a:lstStyle/>
+          <a:p>
+            <a:endParaRPr lang="en-US"/>
+          </a:p>
+        </p:txBody>
+      </p:sp>
+      <p:sp>
+        <p:nvSpPr>
+          <p:cNvPr id="5" name="TextBox 4"/>
+          <p:cNvSpPr txBox="1"/>
+          <p:nvPr/>
+        </p:nvSpPr>
+        <p:spPr>
+          <a:xfrm>
+            <a:off x="3588327" y="969818"/>
+            <a:ext cx="184731" cy="369332"/>
+          </a:xfrm>
+          <a:prstGeom prst="rect">
+            <a:avLst/>
+          </a:prstGeom>
+          <a:noFill/>
+        </p:spPr>
+        <p:txBody>
+          <a:bodyPr wrap="none" rtlCol="0">
+            <a:spAutoFit/>
+          </a:bodyPr>
+          <a:lstStyle/>
+          <a:p>
+            <a:endParaRPr lang="en-US" dirty="0"/>
+          </a:p>
+        </p:txBody>
+      </p:sp>
+    </p:spTree>
+    <p:extLst>
+      <p:ext uri="{BB962C8B-B14F-4D97-AF65-F5344CB8AC3E}">
+        <p14:creationId xmlns:p14="http://schemas.microsoft.com/office/powerpoint/2010/main" val="870569153"/>
+      </p:ext>
+    </p:extLst>
+  </p:cSld>
+  <p:clrMapOvr>
+    <a:masterClrMapping/>
+  </p:clrMapOvr>
+</p:sld>
+</file>
+
+<file path=ppt/slides/slide14.xml><?xml version="1.0" encoding="utf-8"?>
+<p:sld xmlns:a="http://schemas.openxmlformats.org/drawingml/2006/main" xmlns:r="http://schemas.openxmlformats.org/officeDocument/2006/relationships" xmlns:p="http://schemas.openxmlformats.org/presentationml/2006/main">
+  <p:cSld>
+    <p:spTree>
+      <p:nvGrpSpPr>
+        <p:cNvPr id="1" name=""/>
+        <p:cNvGrpSpPr/>
+        <p:nvPr/>
+      </p:nvGrpSpPr>
+      <p:grpSpPr>
+        <a:xfrm>
+          <a:off x="0" y="0"/>
+          <a:ext cx="0" cy="0"/>
+          <a:chOff x="0" y="0"/>
+          <a:chExt cx="0" cy="0"/>
+        </a:xfrm>
+      </p:grpSpPr>
+      <p:sp>
+        <p:nvSpPr>
+          <p:cNvPr id="2" name="Title 1"/>
+          <p:cNvSpPr>
+            <a:spLocks noGrp="1"/>
+          </p:cNvSpPr>
+          <p:nvPr>
+            <p:ph type="title"/>
+          </p:nvPr>
+        </p:nvSpPr>
+        <p:spPr/>
+        <p:txBody>
+          <a:bodyPr/>
+          <a:lstStyle/>
+          <a:p>
+            <a:r>
+              <a:rPr lang="en-US" dirty="0" smtClean="0"/>
+              <a:t>Example: Probability of event X </a:t>
+            </a:r>
+            <a:r>
+              <a:rPr lang="en-US" b="1" dirty="0" smtClean="0"/>
+              <a:t>or </a:t>
+            </a:r>
+            <a:r>
+              <a:rPr lang="en-US" dirty="0" smtClean="0"/>
+              <a:t>event Y?</a:t>
+            </a:r>
+            <a:endParaRPr lang="en-US" dirty="0"/>
+          </a:p>
+        </p:txBody>
+      </p:sp>
+      <p:sp>
+        <p:nvSpPr>
+          <p:cNvPr id="3" name="Content Placeholder 2"/>
+          <p:cNvSpPr>
+            <a:spLocks noGrp="1"/>
+          </p:cNvSpPr>
+          <p:nvPr>
+            <p:ph idx="1"/>
+          </p:nvPr>
+        </p:nvSpPr>
+        <p:spPr/>
+        <p:txBody>
+          <a:bodyPr/>
+          <a:lstStyle/>
+          <a:p>
+            <a:r>
+              <a:rPr lang="en-US" dirty="0" smtClean="0"/>
+              <a:t>Depends on dep/</a:t>
+            </a:r>
+            <a:r>
+              <a:rPr lang="en-US" dirty="0" err="1" smtClean="0"/>
+              <a:t>inde</a:t>
+            </a:r>
+            <a:endParaRPr lang="en-US" dirty="0"/>
+          </a:p>
+        </p:txBody>
+      </p:sp>
+    </p:spTree>
+    <p:extLst>
+      <p:ext uri="{BB962C8B-B14F-4D97-AF65-F5344CB8AC3E}">
+        <p14:creationId xmlns:p14="http://schemas.microsoft.com/office/powerpoint/2010/main" val="1331573156"/>
+      </p:ext>
+    </p:extLst>
+  </p:cSld>
+  <p:clrMapOvr>
+    <a:masterClrMapping/>
+  </p:clrMapOvr>
+</p:sld>
+</file>
+
+<file path=ppt/slides/slide15.xml><?xml version="1.0" encoding="utf-8"?>
+<p:sld xmlns:a="http://schemas.openxmlformats.org/drawingml/2006/main" xmlns:r="http://schemas.openxmlformats.org/officeDocument/2006/relationships" xmlns:p="http://schemas.openxmlformats.org/presentationml/2006/main">
+  <p:cSld>
+    <p:spTree>
+      <p:nvGrpSpPr>
+        <p:cNvPr id="1" name=""/>
+        <p:cNvGrpSpPr/>
+        <p:nvPr/>
+      </p:nvGrpSpPr>
+      <p:grpSpPr>
+        <a:xfrm>
+          <a:off x="0" y="0"/>
+          <a:ext cx="0" cy="0"/>
+          <a:chOff x="0" y="0"/>
+          <a:chExt cx="0" cy="0"/>
+        </a:xfrm>
+      </p:grpSpPr>
+      <p:sp>
+        <p:nvSpPr>
+          <p:cNvPr id="2" name="Title 1"/>
+          <p:cNvSpPr>
+            <a:spLocks noGrp="1"/>
+          </p:cNvSpPr>
+          <p:nvPr>
+            <p:ph type="title"/>
+          </p:nvPr>
+        </p:nvSpPr>
+        <p:spPr/>
+        <p:txBody>
+          <a:bodyPr/>
+          <a:lstStyle/>
+          <a:p>
+            <a:r>
+              <a:rPr lang="en-US" dirty="0"/>
+              <a:t>Example: Probability of </a:t>
+            </a:r>
+            <a:r>
+              <a:rPr lang="en-US" b="1" dirty="0" smtClean="0"/>
+              <a:t>independent</a:t>
+            </a:r>
+            <a:r>
+              <a:rPr lang="en-US" i="1" dirty="0" smtClean="0"/>
+              <a:t> </a:t>
+            </a:r>
+            <a:r>
+              <a:rPr lang="en-US" dirty="0" smtClean="0"/>
+              <a:t>events </a:t>
+            </a:r>
+            <a:r>
+              <a:rPr lang="en-US" dirty="0"/>
+              <a:t>X </a:t>
+            </a:r>
+            <a:r>
+              <a:rPr lang="en-US" b="1" dirty="0" smtClean="0"/>
+              <a:t>or </a:t>
+            </a:r>
+            <a:r>
+              <a:rPr lang="en-US" dirty="0" smtClean="0"/>
+              <a:t>Y</a:t>
+            </a:r>
+            <a:endParaRPr lang="en-US" dirty="0"/>
+          </a:p>
+        </p:txBody>
+      </p:sp>
+      <p:sp>
+        <p:nvSpPr>
+          <p:cNvPr id="3" name="Content Placeholder 2"/>
+          <p:cNvSpPr>
+            <a:spLocks noGrp="1"/>
+          </p:cNvSpPr>
+          <p:nvPr>
+            <p:ph idx="1"/>
+          </p:nvPr>
+        </p:nvSpPr>
+        <p:spPr/>
+        <p:txBody>
+          <a:bodyPr/>
+          <a:lstStyle/>
+          <a:p>
+            <a:endParaRPr lang="en-US"/>
+          </a:p>
+        </p:txBody>
+      </p:sp>
+      <p:sp>
+        <p:nvSpPr>
+          <p:cNvPr id="5" name="TextBox 4"/>
+          <p:cNvSpPr txBox="1"/>
+          <p:nvPr/>
+        </p:nvSpPr>
+        <p:spPr>
+          <a:xfrm>
+            <a:off x="3588327" y="969818"/>
+            <a:ext cx="184731" cy="369332"/>
+          </a:xfrm>
+          <a:prstGeom prst="rect">
+            <a:avLst/>
+          </a:prstGeom>
+          <a:noFill/>
+        </p:spPr>
+        <p:txBody>
+          <a:bodyPr wrap="none" rtlCol="0">
+            <a:spAutoFit/>
+          </a:bodyPr>
+          <a:lstStyle/>
+          <a:p>
+            <a:endParaRPr lang="en-US" dirty="0"/>
+          </a:p>
+        </p:txBody>
+      </p:sp>
+    </p:spTree>
+    <p:extLst>
+      <p:ext uri="{BB962C8B-B14F-4D97-AF65-F5344CB8AC3E}">
+        <p14:creationId xmlns:p14="http://schemas.microsoft.com/office/powerpoint/2010/main" val="822947505"/>
+      </p:ext>
+    </p:extLst>
+  </p:cSld>
+  <p:clrMapOvr>
+    <a:masterClrMapping/>
+  </p:clrMapOvr>
+</p:sld>
+</file>
+
+<file path=ppt/slides/slide16.xml><?xml version="1.0" encoding="utf-8"?>
+<p:sld xmlns:a="http://schemas.openxmlformats.org/drawingml/2006/main" xmlns:r="http://schemas.openxmlformats.org/officeDocument/2006/relationships" xmlns:p="http://schemas.openxmlformats.org/presentationml/2006/main">
+  <p:cSld>
+    <p:spTree>
+      <p:nvGrpSpPr>
+        <p:cNvPr id="1" name=""/>
+        <p:cNvGrpSpPr/>
+        <p:nvPr/>
+      </p:nvGrpSpPr>
+      <p:grpSpPr>
+        <a:xfrm>
+          <a:off x="0" y="0"/>
+          <a:ext cx="0" cy="0"/>
+          <a:chOff x="0" y="0"/>
+          <a:chExt cx="0" cy="0"/>
+        </a:xfrm>
+      </p:grpSpPr>
+      <p:sp>
+        <p:nvSpPr>
+          <p:cNvPr id="2" name="Title 1"/>
+          <p:cNvSpPr>
+            <a:spLocks noGrp="1"/>
+          </p:cNvSpPr>
+          <p:nvPr>
+            <p:ph type="title"/>
+          </p:nvPr>
+        </p:nvSpPr>
+        <p:spPr/>
+        <p:txBody>
+          <a:bodyPr/>
+          <a:lstStyle/>
+          <a:p>
+            <a:r>
+              <a:rPr lang="en-US" dirty="0"/>
+              <a:t>Example: Probability of </a:t>
+            </a:r>
+            <a:r>
+              <a:rPr lang="en-US" b="1" dirty="0" smtClean="0"/>
+              <a:t>dependent</a:t>
+            </a:r>
+            <a:r>
+              <a:rPr lang="en-US" i="1" dirty="0" smtClean="0"/>
+              <a:t> </a:t>
+            </a:r>
+            <a:r>
+              <a:rPr lang="en-US" dirty="0" smtClean="0"/>
+              <a:t>events </a:t>
+            </a:r>
+            <a:r>
+              <a:rPr lang="en-US" dirty="0"/>
+              <a:t>X </a:t>
+            </a:r>
+            <a:r>
+              <a:rPr lang="en-US" b="1" dirty="0" smtClean="0"/>
+              <a:t>or </a:t>
+            </a:r>
+            <a:r>
+              <a:rPr lang="en-US" dirty="0" smtClean="0"/>
+              <a:t>Y</a:t>
+            </a:r>
+            <a:endParaRPr lang="en-US" dirty="0"/>
+          </a:p>
+        </p:txBody>
+      </p:sp>
+      <p:sp>
+        <p:nvSpPr>
+          <p:cNvPr id="3" name="Content Placeholder 2"/>
+          <p:cNvSpPr>
+            <a:spLocks noGrp="1"/>
+          </p:cNvSpPr>
+          <p:nvPr>
+            <p:ph idx="1"/>
+          </p:nvPr>
+        </p:nvSpPr>
+        <p:spPr/>
+        <p:txBody>
+          <a:bodyPr/>
+          <a:lstStyle/>
+          <a:p>
+            <a:endParaRPr lang="en-US"/>
+          </a:p>
+        </p:txBody>
+      </p:sp>
+      <p:sp>
+        <p:nvSpPr>
+          <p:cNvPr id="5" name="TextBox 4"/>
+          <p:cNvSpPr txBox="1"/>
+          <p:nvPr/>
+        </p:nvSpPr>
+        <p:spPr>
+          <a:xfrm>
+            <a:off x="3588327" y="969818"/>
+            <a:ext cx="184731" cy="369332"/>
+          </a:xfrm>
+          <a:prstGeom prst="rect">
+            <a:avLst/>
+          </a:prstGeom>
+          <a:noFill/>
+        </p:spPr>
+        <p:txBody>
+          <a:bodyPr wrap="none" rtlCol="0">
+            <a:spAutoFit/>
+          </a:bodyPr>
+          <a:lstStyle/>
+          <a:p>
+            <a:endParaRPr lang="en-US" dirty="0"/>
+          </a:p>
+        </p:txBody>
+      </p:sp>
+    </p:spTree>
+    <p:extLst>
+      <p:ext uri="{BB962C8B-B14F-4D97-AF65-F5344CB8AC3E}">
+        <p14:creationId xmlns:p14="http://schemas.microsoft.com/office/powerpoint/2010/main" val="1484029855"/>
+      </p:ext>
+    </p:extLst>
+  </p:cSld>
+  <p:clrMapOvr>
+    <a:masterClrMapping/>
+  </p:clrMapOvr>
+</p:sld>
+</file>
+
+<file path=ppt/slides/slide17.xml><?xml version="1.0" encoding="utf-8"?>
+<p:sld xmlns:a="http://schemas.openxmlformats.org/drawingml/2006/main" xmlns:r="http://schemas.openxmlformats.org/officeDocument/2006/relationships" xmlns:p="http://schemas.openxmlformats.org/presentationml/2006/main">
+  <p:cSld>
+    <p:spTree>
+      <p:nvGrpSpPr>
+        <p:cNvPr id="1" name=""/>
+        <p:cNvGrpSpPr/>
+        <p:nvPr/>
+      </p:nvGrpSpPr>
+      <p:grpSpPr>
+        <a:xfrm>
+          <a:off x="0" y="0"/>
+          <a:ext cx="0" cy="0"/>
+          <a:chOff x="0" y="0"/>
+          <a:chExt cx="0" cy="0"/>
+        </a:xfrm>
+      </p:grpSpPr>
+      <p:sp>
+        <p:nvSpPr>
+          <p:cNvPr id="2" name="Title 1"/>
+          <p:cNvSpPr>
+            <a:spLocks noGrp="1"/>
+          </p:cNvSpPr>
+          <p:nvPr>
+            <p:ph type="title"/>
+          </p:nvPr>
+        </p:nvSpPr>
+        <p:spPr/>
+        <p:txBody>
+          <a:bodyPr/>
+          <a:lstStyle/>
+          <a:p>
+            <a:r>
+              <a:rPr lang="en-US" dirty="0" smtClean="0"/>
+              <a:t>Conditional Probability</a:t>
+            </a:r>
+            <a:endParaRPr lang="en-US" dirty="0"/>
+          </a:p>
+        </p:txBody>
+      </p:sp>
+      <p:sp>
+        <p:nvSpPr>
+          <p:cNvPr id="3" name="Content Placeholder 2"/>
+          <p:cNvSpPr>
+            <a:spLocks noGrp="1"/>
+          </p:cNvSpPr>
+          <p:nvPr>
+            <p:ph idx="1"/>
+          </p:nvPr>
+        </p:nvSpPr>
+        <p:spPr/>
+        <p:txBody>
+          <a:bodyPr/>
+          <a:lstStyle/>
+          <a:p>
+            <a:endParaRPr lang="en-US"/>
+          </a:p>
+        </p:txBody>
+      </p:sp>
+    </p:spTree>
+    <p:extLst>
+      <p:ext uri="{BB962C8B-B14F-4D97-AF65-F5344CB8AC3E}">
+        <p14:creationId xmlns:p14="http://schemas.microsoft.com/office/powerpoint/2010/main" val="398626683"/>
+      </p:ext>
+    </p:extLst>
+  </p:cSld>
+  <p:clrMapOvr>
+    <a:masterClrMapping/>
+  </p:clrMapOvr>
+</p:sld>
+</file>
+
+<file path=ppt/slides/slide18.xml><?xml version="1.0" encoding="utf-8"?>
+<p:sld xmlns:a="http://schemas.openxmlformats.org/drawingml/2006/main" xmlns:r="http://schemas.openxmlformats.org/officeDocument/2006/relationships" xmlns:p="http://schemas.openxmlformats.org/presentationml/2006/main">
+  <p:cSld>
+    <p:spTree>
+      <p:nvGrpSpPr>
+        <p:cNvPr id="1" name=""/>
+        <p:cNvGrpSpPr/>
+        <p:nvPr/>
+      </p:nvGrpSpPr>
+      <p:grpSpPr>
+        <a:xfrm>
+          <a:off x="0" y="0"/>
+          <a:ext cx="0" cy="0"/>
+          <a:chOff x="0" y="0"/>
+          <a:chExt cx="0" cy="0"/>
+        </a:xfrm>
+      </p:grpSpPr>
+      <p:sp>
+        <p:nvSpPr>
+          <p:cNvPr id="2" name="Title 1"/>
+          <p:cNvSpPr>
+            <a:spLocks noGrp="1"/>
+          </p:cNvSpPr>
+          <p:nvPr>
+            <p:ph type="title"/>
+          </p:nvPr>
+        </p:nvSpPr>
+        <p:spPr/>
+        <p:txBody>
+          <a:bodyPr/>
+          <a:lstStyle/>
+          <a:p>
+            <a:r>
+              <a:rPr lang="en-US" dirty="0" smtClean="0"/>
+              <a:t>Example: conditional probability</a:t>
+            </a:r>
+            <a:endParaRPr lang="en-US" dirty="0"/>
+          </a:p>
+        </p:txBody>
+      </p:sp>
+      <p:sp>
+        <p:nvSpPr>
+          <p:cNvPr id="3" name="Content Placeholder 2"/>
+          <p:cNvSpPr>
+            <a:spLocks noGrp="1"/>
+          </p:cNvSpPr>
+          <p:nvPr>
+            <p:ph idx="1"/>
+          </p:nvPr>
+        </p:nvSpPr>
+        <p:spPr/>
+        <p:txBody>
+          <a:bodyPr/>
+          <a:lstStyle/>
+          <a:p>
+            <a:endParaRPr lang="en-US"/>
+          </a:p>
+        </p:txBody>
+      </p:sp>
+    </p:spTree>
+    <p:extLst>
+      <p:ext uri="{BB962C8B-B14F-4D97-AF65-F5344CB8AC3E}">
+        <p14:creationId xmlns:p14="http://schemas.microsoft.com/office/powerpoint/2010/main" val="932239266"/>
+      </p:ext>
+    </p:extLst>
+  </p:cSld>
+  <p:clrMapOvr>
+    <a:masterClrMapping/>
+  </p:clrMapOvr>
+</p:sld>
+</file>
+
+<file path=ppt/slides/slide19.xml><?xml version="1.0" encoding="utf-8"?>
+<p:sld xmlns:a="http://schemas.openxmlformats.org/drawingml/2006/main" xmlns:r="http://schemas.openxmlformats.org/officeDocument/2006/relationships" xmlns:p="http://schemas.openxmlformats.org/presentationml/2006/main">
+  <p:cSld>
+    <p:spTree>
+      <p:nvGrpSpPr>
+        <p:cNvPr id="1" name=""/>
+        <p:cNvGrpSpPr/>
+        <p:nvPr/>
+      </p:nvGrpSpPr>
+      <p:grpSpPr>
+        <a:xfrm>
+          <a:off x="0" y="0"/>
+          <a:ext cx="0" cy="0"/>
+          <a:chOff x="0" y="0"/>
+          <a:chExt cx="0" cy="0"/>
+        </a:xfrm>
+      </p:grpSpPr>
+      <p:sp>
+        <p:nvSpPr>
+          <p:cNvPr id="2" name="Title 1"/>
+          <p:cNvSpPr>
+            <a:spLocks noGrp="1"/>
+          </p:cNvSpPr>
+          <p:nvPr>
+            <p:ph type="title"/>
+          </p:nvPr>
+        </p:nvSpPr>
+        <p:spPr/>
+        <p:txBody>
+          <a:bodyPr/>
+          <a:lstStyle/>
+          <a:p>
+            <a:r>
+              <a:rPr lang="en-US" dirty="0" smtClean="0"/>
+              <a:t>Bayes Theorem</a:t>
+            </a:r>
+            <a:endParaRPr lang="en-US" dirty="0"/>
+          </a:p>
+        </p:txBody>
+      </p:sp>
+      <p:sp>
+        <p:nvSpPr>
+          <p:cNvPr id="3" name="Content Placeholder 2"/>
+          <p:cNvSpPr>
+            <a:spLocks noGrp="1"/>
+          </p:cNvSpPr>
+          <p:nvPr>
+            <p:ph idx="1"/>
+          </p:nvPr>
+        </p:nvSpPr>
+        <p:spPr/>
+        <p:txBody>
+          <a:bodyPr/>
+          <a:lstStyle/>
+          <a:p>
+            <a:endParaRPr lang="en-US"/>
+          </a:p>
+        </p:txBody>
+      </p:sp>
+    </p:spTree>
+    <p:extLst>
+      <p:ext uri="{BB962C8B-B14F-4D97-AF65-F5344CB8AC3E}">
+        <p14:creationId xmlns:p14="http://schemas.microsoft.com/office/powerpoint/2010/main" val="93551780"/>
       </p:ext>
     </p:extLst>
   </p:cSld>
@@ -4227,7 +5451,11 @@
           <a:bodyPr/>
           <a:lstStyle/>
           <a:p>
-            <a:endParaRPr lang="en-US"/>
+            <a:r>
+              <a:rPr lang="en-US" dirty="0" smtClean="0"/>
+              <a:t>Probability vocabulary</a:t>
+            </a:r>
+            <a:endParaRPr lang="en-US" dirty="0"/>
           </a:p>
         </p:txBody>
       </p:sp>
@@ -4246,14 +5474,52 @@
           <a:bodyPr/>
           <a:lstStyle/>
           <a:p>
-            <a:endParaRPr lang="en-US"/>
+            <a:r>
+              <a:rPr lang="en-US" dirty="0" smtClean="0"/>
+              <a:t>Sample space</a:t>
+            </a:r>
+          </a:p>
+          <a:p>
+            <a:r>
+              <a:rPr lang="en-US" dirty="0" smtClean="0"/>
+              <a:t>Event</a:t>
+            </a:r>
+          </a:p>
+          <a:p>
+            <a:r>
+              <a:rPr lang="en-US" dirty="0" smtClean="0"/>
+              <a:t>Probability</a:t>
+            </a:r>
+            <a:endParaRPr lang="en-US" dirty="0"/>
+          </a:p>
+          <a:p>
+            <a:r>
+              <a:rPr lang="en-US" dirty="0" smtClean="0"/>
+              <a:t>Probability distribution</a:t>
+            </a:r>
+          </a:p>
+          <a:p>
+            <a:r>
+              <a:rPr lang="en-US" dirty="0" smtClean="0"/>
+              <a:t>Independent </a:t>
+            </a:r>
+          </a:p>
+          <a:p>
+            <a:r>
+              <a:rPr lang="en-US" dirty="0" smtClean="0"/>
+              <a:t>Mutually exclusive</a:t>
+            </a:r>
+          </a:p>
+          <a:p>
+            <a:pPr lvl="1"/>
+            <a:endParaRPr lang="en-US" dirty="0"/>
           </a:p>
         </p:txBody>
       </p:sp>
     </p:spTree>
     <p:extLst>
       <p:ext uri="{BB962C8B-B14F-4D97-AF65-F5344CB8AC3E}">
-        <p14:creationId xmlns:p14="http://schemas.microsoft.com/office/powerpoint/2010/main" val="651161653"/>
+        <p14:creationId xmlns:p14="http://schemas.microsoft.com/office/powerpoint/2010/main" val="1768439443"/>
       </p:ext>
     </p:extLst>
   </p:cSld>
@@ -4263,7 +5529,7 @@
 </p:sld>
 </file>
 
-<file path=ppt/slides/slide3.xml><?xml version="1.0" encoding="utf-8"?>
+<file path=ppt/slides/slide20.xml><?xml version="1.0" encoding="utf-8"?>
 <p:sld xmlns:a="http://schemas.openxmlformats.org/drawingml/2006/main" xmlns:r="http://schemas.openxmlformats.org/officeDocument/2006/relationships" xmlns:p="http://schemas.openxmlformats.org/presentationml/2006/main">
   <p:cSld>
     <p:spTree>
@@ -4292,17 +5558,14 @@
         </p:nvSpPr>
         <p:spPr/>
         <p:txBody>
-          <a:bodyPr>
-            <a:normAutofit/>
-          </a:bodyPr>
-          <a:lstStyle/>
-          <a:p>
-            <a:pPr algn="ctr"/>
-            <a:r>
-              <a:rPr lang="en-US" sz="6000" b="1" dirty="0" smtClean="0"/>
-              <a:t>BREAK</a:t>
-            </a:r>
-            <a:endParaRPr lang="en-US" sz="6000" b="1" dirty="0"/>
+          <a:bodyPr/>
+          <a:lstStyle/>
+          <a:p>
+            <a:r>
+              <a:rPr lang="en-US" dirty="0" smtClean="0"/>
+              <a:t>Example: Bayes Theorem and disease</a:t>
+            </a:r>
+            <a:endParaRPr lang="en-US" dirty="0"/>
           </a:p>
         </p:txBody>
       </p:sp>
@@ -4328,7 +5591,7 @@
     </p:spTree>
     <p:extLst>
       <p:ext uri="{BB962C8B-B14F-4D97-AF65-F5344CB8AC3E}">
-        <p14:creationId xmlns:p14="http://schemas.microsoft.com/office/powerpoint/2010/main" val="1323097799"/>
+        <p14:creationId xmlns:p14="http://schemas.microsoft.com/office/powerpoint/2010/main" val="2046226775"/>
       </p:ext>
     </p:extLst>
   </p:cSld>
@@ -4338,7 +5601,7 @@
 </p:sld>
 </file>
 
-<file path=ppt/slides/slide4.xml><?xml version="1.0" encoding="utf-8"?>
+<file path=ppt/slides/slide21.xml><?xml version="1.0" encoding="utf-8"?>
 <p:sld xmlns:a="http://schemas.openxmlformats.org/drawingml/2006/main" xmlns:r="http://schemas.openxmlformats.org/officeDocument/2006/relationships" xmlns:p="http://schemas.openxmlformats.org/presentationml/2006/main">
   <p:cSld>
     <p:spTree>
@@ -4367,176 +5630,34 @@
         </p:nvSpPr>
         <p:spPr/>
         <p:txBody>
-          <a:bodyPr/>
-          <a:lstStyle/>
-          <a:p>
-            <a:r>
-              <a:rPr lang="en-US" dirty="0" smtClean="0"/>
-              <a:t>What is the “</a:t>
-            </a:r>
-            <a:r>
-              <a:rPr lang="en-US" dirty="0" err="1" smtClean="0"/>
-              <a:t>tidyverse</a:t>
-            </a:r>
-            <a:r>
-              <a:rPr lang="en-US" dirty="0" smtClean="0"/>
-              <a:t>”?</a:t>
-            </a:r>
-            <a:endParaRPr lang="en-US" dirty="0"/>
-          </a:p>
-        </p:txBody>
-      </p:sp>
-      <p:sp>
-        <p:nvSpPr>
-          <p:cNvPr id="3" name="Content Placeholder 2"/>
-          <p:cNvSpPr>
-            <a:spLocks noGrp="1"/>
-          </p:cNvSpPr>
-          <p:nvPr>
-            <p:ph idx="1"/>
-          </p:nvPr>
-        </p:nvSpPr>
-        <p:spPr>
-          <a:xfrm>
-            <a:off x="1097280" y="1845734"/>
-            <a:ext cx="8275320" cy="4023360"/>
-          </a:xfrm>
-        </p:spPr>
-        <p:txBody>
-          <a:bodyPr/>
-          <a:lstStyle/>
-          <a:p>
-            <a:r>
-              <a:rPr lang="en-US" dirty="0" smtClean="0"/>
-              <a:t>A collection of R packages largely developed by Hadley Wickham and others at </a:t>
-            </a:r>
-            <a:r>
-              <a:rPr lang="en-US" dirty="0" err="1" smtClean="0"/>
-              <a:t>Rstudio</a:t>
-            </a:r>
-            <a:endParaRPr lang="en-US" dirty="0" smtClean="0"/>
-          </a:p>
-          <a:p>
-            <a:endParaRPr lang="en-US" dirty="0"/>
-          </a:p>
-          <a:p>
-            <a:r>
-              <a:rPr lang="en-US" dirty="0" smtClean="0"/>
-              <a:t>Have emerged as staples of modern-day data science in the past 5—10 years</a:t>
-            </a:r>
-          </a:p>
-          <a:p>
-            <a:endParaRPr lang="en-US" dirty="0"/>
-          </a:p>
-          <a:p>
-            <a:r>
-              <a:rPr lang="en-US" dirty="0" smtClean="0"/>
-              <a:t>We will focus on:</a:t>
-            </a:r>
-          </a:p>
-          <a:p>
-            <a:pPr marL="404813" indent="-171450">
-              <a:buFont typeface="Arial" charset="0"/>
-              <a:buChar char="•"/>
-            </a:pPr>
-            <a:r>
-              <a:rPr lang="en-US" dirty="0" smtClean="0"/>
-              <a:t>Visualization/plotting with </a:t>
-            </a:r>
-            <a:r>
-              <a:rPr lang="en-US" dirty="0" smtClean="0">
-                <a:latin typeface="Monaco" charset="0"/>
-                <a:ea typeface="Monaco" charset="0"/>
-                <a:cs typeface="Monaco" charset="0"/>
-              </a:rPr>
-              <a:t>ggplot2</a:t>
-            </a:r>
-          </a:p>
-          <a:p>
-            <a:pPr marL="404813" indent="-171450">
-              <a:buFont typeface="Arial" charset="0"/>
-              <a:buChar char="•"/>
-            </a:pPr>
-            <a:r>
-              <a:rPr lang="en-US" dirty="0" smtClean="0"/>
-              <a:t>Data management and ”wrangling” with </a:t>
-            </a:r>
-            <a:r>
-              <a:rPr lang="en-US" dirty="0" err="1" smtClean="0">
-                <a:latin typeface="Monaco" charset="0"/>
-                <a:ea typeface="Monaco" charset="0"/>
-                <a:cs typeface="Monaco" charset="0"/>
-              </a:rPr>
-              <a:t>dplyr</a:t>
-            </a:r>
-            <a:r>
-              <a:rPr lang="en-US" dirty="0" smtClean="0"/>
-              <a:t> and </a:t>
-            </a:r>
-            <a:r>
-              <a:rPr lang="en-US" dirty="0" err="1" smtClean="0">
-                <a:latin typeface="Monaco" charset="0"/>
-                <a:ea typeface="Monaco" charset="0"/>
-                <a:cs typeface="Monaco" charset="0"/>
-              </a:rPr>
-              <a:t>tidyr</a:t>
-            </a:r>
-            <a:endParaRPr lang="en-US" dirty="0" smtClean="0">
-              <a:latin typeface="Monaco" charset="0"/>
-              <a:ea typeface="Monaco" charset="0"/>
-              <a:cs typeface="Monaco" charset="0"/>
-            </a:endParaRPr>
-          </a:p>
-          <a:p>
-            <a:endParaRPr lang="en-US" dirty="0" smtClean="0"/>
-          </a:p>
-        </p:txBody>
-      </p:sp>
-      <p:pic>
-        <p:nvPicPr>
-          <p:cNvPr id="4" name="Picture 3"/>
-          <p:cNvPicPr>
-            <a:picLocks noChangeAspect="1"/>
-          </p:cNvPicPr>
-          <p:nvPr/>
-        </p:nvPicPr>
-        <p:blipFill>
-          <a:blip r:embed="rId2"/>
-          <a:stretch>
-            <a:fillRect/>
-          </a:stretch>
-        </p:blipFill>
-        <p:spPr>
-          <a:xfrm>
-            <a:off x="9258300" y="1845734"/>
-            <a:ext cx="2362200" cy="2362200"/>
-          </a:xfrm>
-          <a:prstGeom prst="rect">
-            <a:avLst/>
-          </a:prstGeom>
-        </p:spPr>
-      </p:pic>
+          <a:bodyPr>
+            <a:normAutofit/>
+          </a:bodyPr>
+          <a:lstStyle/>
+          <a:p>
+            <a:pPr algn="ctr"/>
+            <a:r>
+              <a:rPr lang="en-US" sz="7200" b="1" dirty="0" smtClean="0"/>
+              <a:t>BREAK</a:t>
+            </a:r>
+            <a:endParaRPr lang="en-US" sz="7200" b="1" dirty="0"/>
+          </a:p>
+        </p:txBody>
+      </p:sp>
     </p:spTree>
     <p:extLst>
       <p:ext uri="{BB962C8B-B14F-4D97-AF65-F5344CB8AC3E}">
-        <p14:creationId xmlns:p14="http://schemas.microsoft.com/office/powerpoint/2010/main" val="286913846"/>
+        <p14:creationId xmlns:p14="http://schemas.microsoft.com/office/powerpoint/2010/main" val="1094747029"/>
       </p:ext>
     </p:extLst>
   </p:cSld>
   <p:clrMapOvr>
     <a:masterClrMapping/>
   </p:clrMapOvr>
-  <p:timing>
-    <p:tnLst>
-      <p:par>
-        <p:cTn id="1" dur="indefinite" restart="never" nodeType="tmRoot"/>
-      </p:par>
-    </p:tnLst>
-  </p:timing>
 </p:sld>
 </file>
 
-<file path=ppt/slides/slide5.xml><?xml version="1.0" encoding="utf-8"?>
+<file path=ppt/slides/slide22.xml><?xml version="1.0" encoding="utf-8"?>
 <p:sld xmlns:a="http://schemas.openxmlformats.org/drawingml/2006/main" xmlns:r="http://schemas.openxmlformats.org/officeDocument/2006/relationships" xmlns:p="http://schemas.openxmlformats.org/presentationml/2006/main">
   <p:cSld>
     <p:spTree>
@@ -4700,7 +5821,7 @@
     </p:spTree>
     <p:extLst>
       <p:ext uri="{BB962C8B-B14F-4D97-AF65-F5344CB8AC3E}">
-        <p14:creationId xmlns:p14="http://schemas.microsoft.com/office/powerpoint/2010/main" val="1015583375"/>
+        <p14:creationId xmlns:p14="http://schemas.microsoft.com/office/powerpoint/2010/main" val="988044021"/>
       </p:ext>
     </p:extLst>
   </p:cSld>
@@ -4788,7 +5909,7 @@
 </p:sld>
 </file>
 
-<file path=ppt/slides/slide6.xml><?xml version="1.0" encoding="utf-8"?>
+<file path=ppt/slides/slide23.xml><?xml version="1.0" encoding="utf-8"?>
 <p:sld xmlns:a="http://schemas.openxmlformats.org/drawingml/2006/main" xmlns:r="http://schemas.openxmlformats.org/officeDocument/2006/relationships" xmlns:p="http://schemas.openxmlformats.org/presentationml/2006/main">
   <p:cSld>
     <p:spTree>
@@ -4839,20 +5960,20 @@
           </p:nvPr>
         </p:nvPicPr>
         <p:blipFill rotWithShape="1">
-          <a:blip r:embed="rId2">
+          <a:blip r:embed="rId3">
             <a:extLst>
               <a:ext uri="{28A0092B-C50C-407E-A947-70E740481C1C}">
                 <a14:useLocalDpi xmlns:a14="http://schemas.microsoft.com/office/drawing/2010/main" val="0"/>
               </a:ext>
             </a:extLst>
           </a:blip>
-          <a:srcRect l="50702" t="38894"/>
+          <a:srcRect l="50702" t="38894" b="17714"/>
           <a:stretch/>
         </p:blipFill>
         <p:spPr>
           <a:xfrm>
-            <a:off x="6183086" y="2478338"/>
-            <a:ext cx="3971108" cy="3695627"/>
+            <a:off x="6763656" y="2029614"/>
+            <a:ext cx="4377862" cy="2893112"/>
           </a:xfrm>
         </p:spPr>
       </p:pic>
@@ -4865,20 +5986,20 @@
           <p:nvPr/>
         </p:nvPicPr>
         <p:blipFill rotWithShape="1">
-          <a:blip r:embed="rId2">
+          <a:blip r:embed="rId3">
             <a:extLst>
               <a:ext uri="{28A0092B-C50C-407E-A947-70E740481C1C}">
                 <a14:useLocalDpi xmlns:a14="http://schemas.microsoft.com/office/drawing/2010/main" val="0"/>
               </a:ext>
             </a:extLst>
           </a:blip>
-          <a:srcRect t="38639" r="47496" b="255"/>
+          <a:srcRect t="41793" r="47496" b="16495"/>
           <a:stretch/>
         </p:blipFill>
         <p:spPr>
           <a:xfrm>
-            <a:off x="1953623" y="2478338"/>
-            <a:ext cx="4229463" cy="3695627"/>
+            <a:off x="1097281" y="1959428"/>
+            <a:ext cx="5085806" cy="3033485"/>
           </a:xfrm>
           <a:prstGeom prst="rect">
             <a:avLst/>
@@ -4940,7 +6061,7 @@
     </p:spTree>
     <p:extLst>
       <p:ext uri="{BB962C8B-B14F-4D97-AF65-F5344CB8AC3E}">
-        <p14:creationId xmlns:p14="http://schemas.microsoft.com/office/powerpoint/2010/main" val="172478979"/>
+        <p14:creationId xmlns:p14="http://schemas.microsoft.com/office/powerpoint/2010/main" val="1712302343"/>
       </p:ext>
     </p:extLst>
   </p:cSld>
@@ -4957,7 +6078,7 @@
 </p:sld>
 </file>
 
-<file path=ppt/slides/slide7.xml><?xml version="1.0" encoding="utf-8"?>
+<file path=ppt/slides/slide24.xml><?xml version="1.0" encoding="utf-8"?>
 <p:sld xmlns:a="http://schemas.openxmlformats.org/drawingml/2006/main" xmlns:r="http://schemas.openxmlformats.org/officeDocument/2006/relationships" xmlns:p="http://schemas.openxmlformats.org/presentationml/2006/main">
   <p:cSld>
     <p:spTree>
@@ -5017,7 +6138,11 @@
           <a:p>
             <a:r>
               <a:rPr lang="en-US" dirty="0" smtClean="0"/>
-              <a:t>How can we convert this table into a tidy data frame?</a:t>
+              <a:t>How can we convert this table into a tidy data frame</a:t>
+            </a:r>
+            <a:r>
+              <a:rPr lang="en-US" dirty="0" smtClean="0"/>
+              <a:t>?</a:t>
             </a:r>
             <a:endParaRPr lang="en-US" dirty="0"/>
           </a:p>
@@ -5030,11 +6155,7 @@
             <a:graphicFrameLocks noGrp="1"/>
           </p:cNvGraphicFramePr>
           <p:nvPr>
-            <p:extLst>
-              <p:ext uri="{D42A27DB-BD31-4B8C-83A1-F6EECF244321}">
-                <p14:modId xmlns:p14="http://schemas.microsoft.com/office/powerpoint/2010/main" val="2000360611"/>
-              </p:ext>
-            </p:extLst>
+            <p:extLst/>
           </p:nvPr>
         </p:nvGraphicFramePr>
         <p:xfrm>
@@ -5480,11 +6601,7 @@
             <a:graphicFrameLocks noGrp="1"/>
           </p:cNvGraphicFramePr>
           <p:nvPr>
-            <p:extLst>
-              <p:ext uri="{D42A27DB-BD31-4B8C-83A1-F6EECF244321}">
-                <p14:modId xmlns:p14="http://schemas.microsoft.com/office/powerpoint/2010/main" val="681022924"/>
-              </p:ext>
-            </p:extLst>
+            <p:extLst/>
           </p:nvPr>
         </p:nvGraphicFramePr>
         <p:xfrm>
@@ -6109,7 +7226,7 @@
     </p:spTree>
     <p:extLst>
       <p:ext uri="{BB962C8B-B14F-4D97-AF65-F5344CB8AC3E}">
-        <p14:creationId xmlns:p14="http://schemas.microsoft.com/office/powerpoint/2010/main" val="1113055311"/>
+        <p14:creationId xmlns:p14="http://schemas.microsoft.com/office/powerpoint/2010/main" val="237125354"/>
       </p:ext>
     </p:extLst>
   </p:cSld>
@@ -6194,6 +7311,4911 @@
 </p:sld>
 </file>
 
+<file path=ppt/slides/slide25.xml><?xml version="1.0" encoding="utf-8"?>
+<p:sld xmlns:a="http://schemas.openxmlformats.org/drawingml/2006/main" xmlns:r="http://schemas.openxmlformats.org/officeDocument/2006/relationships" xmlns:p="http://schemas.openxmlformats.org/presentationml/2006/main">
+  <p:cSld>
+    <p:spTree>
+      <p:nvGrpSpPr>
+        <p:cNvPr id="1" name=""/>
+        <p:cNvGrpSpPr/>
+        <p:nvPr/>
+      </p:nvGrpSpPr>
+      <p:grpSpPr>
+        <a:xfrm>
+          <a:off x="0" y="0"/>
+          <a:ext cx="0" cy="0"/>
+          <a:chOff x="0" y="0"/>
+          <a:chExt cx="0" cy="0"/>
+        </a:xfrm>
+      </p:grpSpPr>
+      <p:sp>
+        <p:nvSpPr>
+          <p:cNvPr id="2" name="Title 1"/>
+          <p:cNvSpPr>
+            <a:spLocks noGrp="1"/>
+          </p:cNvSpPr>
+          <p:nvPr>
+            <p:ph type="title"/>
+          </p:nvPr>
+        </p:nvSpPr>
+        <p:spPr/>
+        <p:txBody>
+          <a:bodyPr/>
+          <a:lstStyle/>
+          <a:p>
+            <a:r>
+              <a:rPr lang="en-US" dirty="0" smtClean="0"/>
+              <a:t>The fundamental verbs of </a:t>
+            </a:r>
+            <a:r>
+              <a:rPr lang="en-US" sz="3600" dirty="0" err="1" smtClean="0">
+                <a:latin typeface="Monaco" charset="0"/>
+                <a:ea typeface="Monaco" charset="0"/>
+                <a:cs typeface="Monaco" charset="0"/>
+              </a:rPr>
+              <a:t>tidyr</a:t>
+            </a:r>
+            <a:endParaRPr lang="en-US" sz="3600" dirty="0">
+              <a:latin typeface="Monaco" charset="0"/>
+              <a:ea typeface="Monaco" charset="0"/>
+              <a:cs typeface="Monaco" charset="0"/>
+            </a:endParaRPr>
+          </a:p>
+        </p:txBody>
+      </p:sp>
+      <p:graphicFrame>
+        <p:nvGraphicFramePr>
+          <p:cNvPr id="4" name="Content Placeholder 3"/>
+          <p:cNvGraphicFramePr>
+            <a:graphicFrameLocks noGrp="1"/>
+          </p:cNvGraphicFramePr>
+          <p:nvPr>
+            <p:ph idx="1"/>
+            <p:extLst>
+              <p:ext uri="{D42A27DB-BD31-4B8C-83A1-F6EECF244321}">
+                <p14:modId xmlns:p14="http://schemas.microsoft.com/office/powerpoint/2010/main" val="1821760773"/>
+              </p:ext>
+            </p:extLst>
+          </p:nvPr>
+        </p:nvGraphicFramePr>
+        <p:xfrm>
+          <a:off x="1427018" y="2057502"/>
+          <a:ext cx="9728662" cy="1961528"/>
+        </p:xfrm>
+        <a:graphic>
+          <a:graphicData uri="http://schemas.openxmlformats.org/drawingml/2006/table">
+            <a:tbl>
+              <a:tblPr firstRow="1" bandRow="1">
+                <a:tableStyleId>{5C22544A-7EE6-4342-B048-85BDC9FD1C3A}</a:tableStyleId>
+              </a:tblPr>
+              <a:tblGrid>
+                <a:gridCol w="2216727"/>
+                <a:gridCol w="7511935"/>
+              </a:tblGrid>
+              <a:tr h="490382">
+                <a:tc>
+                  <a:txBody>
+                    <a:bodyPr/>
+                    <a:lstStyle/>
+                    <a:p>
+                      <a:pPr algn="l"/>
+                      <a:r>
+                        <a:rPr lang="en-US" b="1" dirty="0" smtClean="0">
+                          <a:solidFill>
+                            <a:schemeClr val="tx1"/>
+                          </a:solidFill>
+                          <a:latin typeface="Monaco" charset="0"/>
+                          <a:ea typeface="Monaco" charset="0"/>
+                          <a:cs typeface="Monaco" charset="0"/>
+                        </a:rPr>
+                        <a:t>gather()</a:t>
+                      </a:r>
+                      <a:endParaRPr lang="en-US" b="1" dirty="0" smtClean="0">
+                        <a:solidFill>
+                          <a:schemeClr val="tx1"/>
+                        </a:solidFill>
+                        <a:latin typeface="Monaco" charset="0"/>
+                        <a:ea typeface="Monaco" charset="0"/>
+                        <a:cs typeface="Monaco" charset="0"/>
+                      </a:endParaRPr>
+                    </a:p>
+                  </a:txBody>
+                  <a:tcPr>
+                    <a:lnR w="12700" cap="flat" cmpd="sng" algn="ctr">
+                      <a:solidFill>
+                        <a:schemeClr val="tx1"/>
+                      </a:solidFill>
+                      <a:prstDash val="solid"/>
+                      <a:round/>
+                      <a:headEnd type="none" w="med" len="med"/>
+                      <a:tailEnd type="none" w="med" len="med"/>
+                    </a:lnR>
+                    <a:lnB w="12700" cap="flat" cmpd="sng" algn="ctr">
+                      <a:solidFill>
+                        <a:schemeClr val="tx1"/>
+                      </a:solidFill>
+                      <a:prstDash val="solid"/>
+                      <a:round/>
+                      <a:headEnd type="none" w="med" len="med"/>
+                      <a:tailEnd type="none" w="med" len="med"/>
+                    </a:lnB>
+                    <a:noFill/>
+                  </a:tcPr>
+                </a:tc>
+                <a:tc>
+                  <a:txBody>
+                    <a:bodyPr/>
+                    <a:lstStyle/>
+                    <a:p>
+                      <a:r>
+                        <a:rPr lang="en-US" sz="2400" b="0" dirty="0" smtClean="0">
+                          <a:solidFill>
+                            <a:schemeClr val="tx1"/>
+                          </a:solidFill>
+                        </a:rPr>
+                        <a:t>Gather multiple</a:t>
+                      </a:r>
+                      <a:r>
+                        <a:rPr lang="en-US" sz="2400" b="0" baseline="0" dirty="0" smtClean="0">
+                          <a:solidFill>
+                            <a:schemeClr val="tx1"/>
+                          </a:solidFill>
+                        </a:rPr>
+                        <a:t> columns into </a:t>
+                      </a:r>
+                      <a:r>
+                        <a:rPr lang="en-US" sz="2400" b="0" baseline="0" dirty="0" err="1" smtClean="0">
+                          <a:solidFill>
+                            <a:schemeClr val="tx1"/>
+                          </a:solidFill>
+                        </a:rPr>
+                        <a:t>key:value</a:t>
+                      </a:r>
+                      <a:r>
+                        <a:rPr lang="en-US" sz="2400" b="0" baseline="0" dirty="0" smtClean="0">
+                          <a:solidFill>
+                            <a:schemeClr val="tx1"/>
+                          </a:solidFill>
+                        </a:rPr>
+                        <a:t> pairs</a:t>
+                      </a:r>
+                      <a:endParaRPr lang="en-US" sz="2400" b="0" dirty="0">
+                        <a:solidFill>
+                          <a:schemeClr val="tx1"/>
+                        </a:solidFill>
+                      </a:endParaRPr>
+                    </a:p>
+                  </a:txBody>
+                  <a:tcPr>
+                    <a:lnL w="12700" cap="flat" cmpd="sng" algn="ctr">
+                      <a:solidFill>
+                        <a:schemeClr val="tx1"/>
+                      </a:solidFill>
+                      <a:prstDash val="solid"/>
+                      <a:round/>
+                      <a:headEnd type="none" w="med" len="med"/>
+                      <a:tailEnd type="none" w="med" len="med"/>
+                    </a:lnL>
+                    <a:lnB w="12700" cap="flat" cmpd="sng" algn="ctr">
+                      <a:solidFill>
+                        <a:schemeClr val="tx1"/>
+                      </a:solidFill>
+                      <a:prstDash val="solid"/>
+                      <a:round/>
+                      <a:headEnd type="none" w="med" len="med"/>
+                      <a:tailEnd type="none" w="med" len="med"/>
+                    </a:lnB>
+                    <a:noFill/>
+                  </a:tcPr>
+                </a:tc>
+              </a:tr>
+              <a:tr h="490382">
+                <a:tc>
+                  <a:txBody>
+                    <a:bodyPr/>
+                    <a:lstStyle/>
+                    <a:p>
+                      <a:pPr algn="l"/>
+                      <a:r>
+                        <a:rPr lang="en-US" b="1" dirty="0" smtClean="0">
+                          <a:solidFill>
+                            <a:schemeClr val="tx1"/>
+                          </a:solidFill>
+                          <a:latin typeface="Monaco" charset="0"/>
+                          <a:ea typeface="Monaco" charset="0"/>
+                          <a:cs typeface="Monaco" charset="0"/>
+                        </a:rPr>
+                        <a:t>spread()</a:t>
+                      </a:r>
+                      <a:endParaRPr lang="en-US" b="1" dirty="0" smtClean="0">
+                        <a:solidFill>
+                          <a:schemeClr val="tx1"/>
+                        </a:solidFill>
+                        <a:latin typeface="Monaco" charset="0"/>
+                        <a:ea typeface="Monaco" charset="0"/>
+                        <a:cs typeface="Monaco" charset="0"/>
+                      </a:endParaRPr>
+                    </a:p>
+                  </a:txBody>
+                  <a:tcPr>
+                    <a:lnR w="12700" cap="flat" cmpd="sng" algn="ctr">
+                      <a:solidFill>
+                        <a:schemeClr val="tx1"/>
+                      </a:solidFill>
+                      <a:prstDash val="solid"/>
+                      <a:round/>
+                      <a:headEnd type="none" w="med" len="med"/>
+                      <a:tailEnd type="none" w="med" len="med"/>
+                    </a:lnR>
+                    <a:lnT w="12700" cap="flat" cmpd="sng" algn="ctr">
+                      <a:solidFill>
+                        <a:schemeClr val="tx1"/>
+                      </a:solidFill>
+                      <a:prstDash val="solid"/>
+                      <a:round/>
+                      <a:headEnd type="none" w="med" len="med"/>
+                      <a:tailEnd type="none" w="med" len="med"/>
+                    </a:lnT>
+                    <a:lnB w="12700" cap="flat" cmpd="sng" algn="ctr">
+                      <a:solidFill>
+                        <a:schemeClr val="tx1"/>
+                      </a:solidFill>
+                      <a:prstDash val="solid"/>
+                      <a:round/>
+                      <a:headEnd type="none" w="med" len="med"/>
+                      <a:tailEnd type="none" w="med" len="med"/>
+                    </a:lnB>
+                    <a:noFill/>
+                  </a:tcPr>
+                </a:tc>
+                <a:tc>
+                  <a:txBody>
+                    <a:bodyPr/>
+                    <a:lstStyle/>
+                    <a:p>
+                      <a:r>
+                        <a:rPr lang="en-US" sz="2400" b="0" dirty="0" smtClean="0">
+                          <a:solidFill>
+                            <a:schemeClr val="tx1"/>
+                          </a:solidFill>
+                        </a:rPr>
+                        <a:t>Spread</a:t>
+                      </a:r>
+                      <a:r>
+                        <a:rPr lang="en-US" sz="2400" b="0" baseline="0" dirty="0" smtClean="0">
+                          <a:solidFill>
+                            <a:schemeClr val="tx1"/>
+                          </a:solidFill>
+                        </a:rPr>
+                        <a:t> </a:t>
+                      </a:r>
+                      <a:r>
+                        <a:rPr lang="en-US" sz="2400" b="0" baseline="0" dirty="0" err="1" smtClean="0">
+                          <a:solidFill>
+                            <a:schemeClr val="tx1"/>
+                          </a:solidFill>
+                        </a:rPr>
+                        <a:t>key:value</a:t>
+                      </a:r>
+                      <a:r>
+                        <a:rPr lang="en-US" sz="2400" b="0" baseline="0" dirty="0" smtClean="0">
+                          <a:solidFill>
+                            <a:schemeClr val="tx1"/>
+                          </a:solidFill>
+                        </a:rPr>
+                        <a:t> pairs over multiple columns</a:t>
+                      </a:r>
+                      <a:endParaRPr lang="en-US" sz="2400" b="0" dirty="0">
+                        <a:solidFill>
+                          <a:schemeClr val="tx1"/>
+                        </a:solidFill>
+                      </a:endParaRPr>
+                    </a:p>
+                  </a:txBody>
+                  <a:tcPr>
+                    <a:lnL w="12700" cap="flat" cmpd="sng" algn="ctr">
+                      <a:solidFill>
+                        <a:schemeClr val="tx1"/>
+                      </a:solidFill>
+                      <a:prstDash val="solid"/>
+                      <a:round/>
+                      <a:headEnd type="none" w="med" len="med"/>
+                      <a:tailEnd type="none" w="med" len="med"/>
+                    </a:lnL>
+                    <a:lnT w="12700" cap="flat" cmpd="sng" algn="ctr">
+                      <a:solidFill>
+                        <a:schemeClr val="tx1"/>
+                      </a:solidFill>
+                      <a:prstDash val="solid"/>
+                      <a:round/>
+                      <a:headEnd type="none" w="med" len="med"/>
+                      <a:tailEnd type="none" w="med" len="med"/>
+                    </a:lnT>
+                    <a:lnB w="12700" cap="flat" cmpd="sng" algn="ctr">
+                      <a:solidFill>
+                        <a:schemeClr val="tx1"/>
+                      </a:solidFill>
+                      <a:prstDash val="solid"/>
+                      <a:round/>
+                      <a:headEnd type="none" w="med" len="med"/>
+                      <a:tailEnd type="none" w="med" len="med"/>
+                    </a:lnB>
+                    <a:noFill/>
+                  </a:tcPr>
+                </a:tc>
+              </a:tr>
+              <a:tr h="490382">
+                <a:tc>
+                  <a:txBody>
+                    <a:bodyPr/>
+                    <a:lstStyle/>
+                    <a:p>
+                      <a:pPr algn="l"/>
+                      <a:r>
+                        <a:rPr lang="en-US" b="1" dirty="0" smtClean="0">
+                          <a:solidFill>
+                            <a:schemeClr val="tx1"/>
+                          </a:solidFill>
+                          <a:latin typeface="Monaco" charset="0"/>
+                          <a:ea typeface="Monaco" charset="0"/>
+                          <a:cs typeface="Monaco" charset="0"/>
+                        </a:rPr>
+                        <a:t>separate()</a:t>
+                      </a:r>
+                      <a:endParaRPr lang="en-US" b="1" dirty="0" smtClean="0">
+                        <a:solidFill>
+                          <a:schemeClr val="tx1"/>
+                        </a:solidFill>
+                        <a:latin typeface="Monaco" charset="0"/>
+                        <a:ea typeface="Monaco" charset="0"/>
+                        <a:cs typeface="Monaco" charset="0"/>
+                      </a:endParaRPr>
+                    </a:p>
+                  </a:txBody>
+                  <a:tcPr>
+                    <a:lnR w="12700" cap="flat" cmpd="sng" algn="ctr">
+                      <a:solidFill>
+                        <a:schemeClr val="tx1"/>
+                      </a:solidFill>
+                      <a:prstDash val="solid"/>
+                      <a:round/>
+                      <a:headEnd type="none" w="med" len="med"/>
+                      <a:tailEnd type="none" w="med" len="med"/>
+                    </a:lnR>
+                    <a:lnT w="12700" cap="flat" cmpd="sng" algn="ctr">
+                      <a:solidFill>
+                        <a:schemeClr val="tx1"/>
+                      </a:solidFill>
+                      <a:prstDash val="solid"/>
+                      <a:round/>
+                      <a:headEnd type="none" w="med" len="med"/>
+                      <a:tailEnd type="none" w="med" len="med"/>
+                    </a:lnT>
+                    <a:lnB w="12700" cap="flat" cmpd="sng" algn="ctr">
+                      <a:solidFill>
+                        <a:schemeClr val="tx1"/>
+                      </a:solidFill>
+                      <a:prstDash val="solid"/>
+                      <a:round/>
+                      <a:headEnd type="none" w="med" len="med"/>
+                      <a:tailEnd type="none" w="med" len="med"/>
+                    </a:lnB>
+                    <a:noFill/>
+                  </a:tcPr>
+                </a:tc>
+                <a:tc>
+                  <a:txBody>
+                    <a:bodyPr/>
+                    <a:lstStyle/>
+                    <a:p>
+                      <a:r>
+                        <a:rPr lang="en-US" sz="2400" b="0" dirty="0" smtClean="0">
+                          <a:solidFill>
+                            <a:schemeClr val="tx1"/>
+                          </a:solidFill>
+                        </a:rPr>
+                        <a:t>Separate columns</a:t>
+                      </a:r>
+                      <a:endParaRPr lang="en-US" sz="2400" b="0" dirty="0">
+                        <a:solidFill>
+                          <a:schemeClr val="tx1"/>
+                        </a:solidFill>
+                      </a:endParaRPr>
+                    </a:p>
+                  </a:txBody>
+                  <a:tcPr>
+                    <a:lnL w="12700" cap="flat" cmpd="sng" algn="ctr">
+                      <a:solidFill>
+                        <a:schemeClr val="tx1"/>
+                      </a:solidFill>
+                      <a:prstDash val="solid"/>
+                      <a:round/>
+                      <a:headEnd type="none" w="med" len="med"/>
+                      <a:tailEnd type="none" w="med" len="med"/>
+                    </a:lnL>
+                    <a:lnT w="12700" cap="flat" cmpd="sng" algn="ctr">
+                      <a:solidFill>
+                        <a:schemeClr val="tx1"/>
+                      </a:solidFill>
+                      <a:prstDash val="solid"/>
+                      <a:round/>
+                      <a:headEnd type="none" w="med" len="med"/>
+                      <a:tailEnd type="none" w="med" len="med"/>
+                    </a:lnT>
+                    <a:lnB w="12700" cap="flat" cmpd="sng" algn="ctr">
+                      <a:solidFill>
+                        <a:schemeClr val="tx1"/>
+                      </a:solidFill>
+                      <a:prstDash val="solid"/>
+                      <a:round/>
+                      <a:headEnd type="none" w="med" len="med"/>
+                      <a:tailEnd type="none" w="med" len="med"/>
+                    </a:lnB>
+                    <a:noFill/>
+                  </a:tcPr>
+                </a:tc>
+              </a:tr>
+              <a:tr h="490382">
+                <a:tc>
+                  <a:txBody>
+                    <a:bodyPr/>
+                    <a:lstStyle/>
+                    <a:p>
+                      <a:pPr algn="l"/>
+                      <a:r>
+                        <a:rPr lang="en-US" b="1" dirty="0" smtClean="0">
+                          <a:solidFill>
+                            <a:schemeClr val="tx1"/>
+                          </a:solidFill>
+                          <a:latin typeface="Monaco" charset="0"/>
+                          <a:ea typeface="Monaco" charset="0"/>
+                          <a:cs typeface="Monaco" charset="0"/>
+                        </a:rPr>
+                        <a:t>unite()</a:t>
+                      </a:r>
+                      <a:endParaRPr lang="en-US" b="1" dirty="0" smtClean="0">
+                        <a:solidFill>
+                          <a:schemeClr val="tx1"/>
+                        </a:solidFill>
+                        <a:latin typeface="Monaco" charset="0"/>
+                        <a:ea typeface="Monaco" charset="0"/>
+                        <a:cs typeface="Monaco" charset="0"/>
+                      </a:endParaRPr>
+                    </a:p>
+                  </a:txBody>
+                  <a:tcPr>
+                    <a:lnR w="12700" cap="flat" cmpd="sng" algn="ctr">
+                      <a:solidFill>
+                        <a:schemeClr val="tx1"/>
+                      </a:solidFill>
+                      <a:prstDash val="solid"/>
+                      <a:round/>
+                      <a:headEnd type="none" w="med" len="med"/>
+                      <a:tailEnd type="none" w="med" len="med"/>
+                    </a:lnR>
+                    <a:lnT w="12700" cap="flat" cmpd="sng" algn="ctr">
+                      <a:solidFill>
+                        <a:schemeClr val="tx1"/>
+                      </a:solidFill>
+                      <a:prstDash val="solid"/>
+                      <a:round/>
+                      <a:headEnd type="none" w="med" len="med"/>
+                      <a:tailEnd type="none" w="med" len="med"/>
+                    </a:lnT>
+                    <a:lnB w="12700" cap="flat" cmpd="sng" algn="ctr">
+                      <a:noFill/>
+                      <a:prstDash val="solid"/>
+                      <a:round/>
+                      <a:headEnd type="none" w="med" len="med"/>
+                      <a:tailEnd type="none" w="med" len="med"/>
+                    </a:lnB>
+                    <a:noFill/>
+                  </a:tcPr>
+                </a:tc>
+                <a:tc>
+                  <a:txBody>
+                    <a:bodyPr/>
+                    <a:lstStyle/>
+                    <a:p>
+                      <a:r>
+                        <a:rPr lang="en-US" sz="2400" b="0" dirty="0" smtClean="0">
+                          <a:solidFill>
+                            <a:schemeClr val="tx1"/>
+                          </a:solidFill>
+                        </a:rPr>
+                        <a:t>Join columns</a:t>
+                      </a:r>
+                      <a:endParaRPr lang="en-US" sz="2400" b="0" dirty="0">
+                        <a:solidFill>
+                          <a:schemeClr val="tx1"/>
+                        </a:solidFill>
+                      </a:endParaRPr>
+                    </a:p>
+                  </a:txBody>
+                  <a:tcPr>
+                    <a:lnL w="12700" cap="flat" cmpd="sng" algn="ctr">
+                      <a:solidFill>
+                        <a:schemeClr val="tx1"/>
+                      </a:solidFill>
+                      <a:prstDash val="solid"/>
+                      <a:round/>
+                      <a:headEnd type="none" w="med" len="med"/>
+                      <a:tailEnd type="none" w="med" len="med"/>
+                    </a:lnL>
+                    <a:lnT w="12700" cap="flat" cmpd="sng" algn="ctr">
+                      <a:solidFill>
+                        <a:schemeClr val="tx1"/>
+                      </a:solidFill>
+                      <a:prstDash val="solid"/>
+                      <a:round/>
+                      <a:headEnd type="none" w="med" len="med"/>
+                      <a:tailEnd type="none" w="med" len="med"/>
+                    </a:lnT>
+                    <a:lnB w="12700" cap="flat" cmpd="sng" algn="ctr">
+                      <a:noFill/>
+                      <a:prstDash val="solid"/>
+                      <a:round/>
+                      <a:headEnd type="none" w="med" len="med"/>
+                      <a:tailEnd type="none" w="med" len="med"/>
+                    </a:lnB>
+                    <a:noFill/>
+                  </a:tcPr>
+                </a:tc>
+              </a:tr>
+            </a:tbl>
+          </a:graphicData>
+        </a:graphic>
+      </p:graphicFrame>
+      <p:sp>
+        <p:nvSpPr>
+          <p:cNvPr id="3" name="TextBox 2"/>
+          <p:cNvSpPr txBox="1"/>
+          <p:nvPr/>
+        </p:nvSpPr>
+        <p:spPr>
+          <a:xfrm>
+            <a:off x="3412776" y="5490176"/>
+            <a:ext cx="5427406" cy="369332"/>
+          </a:xfrm>
+          <a:prstGeom prst="rect">
+            <a:avLst/>
+          </a:prstGeom>
+          <a:noFill/>
+        </p:spPr>
+        <p:txBody>
+          <a:bodyPr wrap="square" rtlCol="0">
+            <a:spAutoFit/>
+          </a:bodyPr>
+          <a:lstStyle/>
+          <a:p>
+            <a:r>
+              <a:rPr lang="en-US" dirty="0" smtClean="0">
+                <a:solidFill>
+                  <a:srgbClr val="FF0000"/>
+                </a:solidFill>
+              </a:rPr>
+              <a:t>There are more functions but these ones are key!</a:t>
+            </a:r>
+            <a:endParaRPr lang="en-US" dirty="0">
+              <a:solidFill>
+                <a:srgbClr val="FF0000"/>
+              </a:solidFill>
+            </a:endParaRPr>
+          </a:p>
+        </p:txBody>
+      </p:sp>
+    </p:spTree>
+    <p:extLst>
+      <p:ext uri="{BB962C8B-B14F-4D97-AF65-F5344CB8AC3E}">
+        <p14:creationId xmlns:p14="http://schemas.microsoft.com/office/powerpoint/2010/main" val="1762196959"/>
+      </p:ext>
+    </p:extLst>
+  </p:cSld>
+  <p:clrMapOvr>
+    <a:masterClrMapping/>
+  </p:clrMapOvr>
+  <p:timing>
+    <p:tnLst>
+      <p:par>
+        <p:cTn id="1" dur="indefinite" restart="never" nodeType="tmRoot"/>
+      </p:par>
+    </p:tnLst>
+  </p:timing>
+</p:sld>
+</file>
+
+<file path=ppt/slides/slide26.xml><?xml version="1.0" encoding="utf-8"?>
+<p:sld xmlns:a="http://schemas.openxmlformats.org/drawingml/2006/main" xmlns:r="http://schemas.openxmlformats.org/officeDocument/2006/relationships" xmlns:p="http://schemas.openxmlformats.org/presentationml/2006/main">
+  <p:cSld>
+    <p:spTree>
+      <p:nvGrpSpPr>
+        <p:cNvPr id="1" name=""/>
+        <p:cNvGrpSpPr/>
+        <p:nvPr/>
+      </p:nvGrpSpPr>
+      <p:grpSpPr>
+        <a:xfrm>
+          <a:off x="0" y="0"/>
+          <a:ext cx="0" cy="0"/>
+          <a:chOff x="0" y="0"/>
+          <a:chExt cx="0" cy="0"/>
+        </a:xfrm>
+      </p:grpSpPr>
+      <p:sp>
+        <p:nvSpPr>
+          <p:cNvPr id="2" name="Title 1"/>
+          <p:cNvSpPr>
+            <a:spLocks noGrp="1"/>
+          </p:cNvSpPr>
+          <p:nvPr>
+            <p:ph type="title"/>
+          </p:nvPr>
+        </p:nvSpPr>
+        <p:spPr/>
+        <p:txBody>
+          <a:bodyPr/>
+          <a:lstStyle/>
+          <a:p>
+            <a:endParaRPr lang="en-US"/>
+          </a:p>
+        </p:txBody>
+      </p:sp>
+      <p:sp>
+        <p:nvSpPr>
+          <p:cNvPr id="3" name="Content Placeholder 2"/>
+          <p:cNvSpPr>
+            <a:spLocks noGrp="1"/>
+          </p:cNvSpPr>
+          <p:nvPr>
+            <p:ph idx="1"/>
+          </p:nvPr>
+        </p:nvSpPr>
+        <p:spPr/>
+        <p:txBody>
+          <a:bodyPr/>
+          <a:lstStyle/>
+          <a:p>
+            <a:endParaRPr lang="en-US"/>
+          </a:p>
+        </p:txBody>
+      </p:sp>
+    </p:spTree>
+    <p:extLst>
+      <p:ext uri="{BB962C8B-B14F-4D97-AF65-F5344CB8AC3E}">
+        <p14:creationId xmlns:p14="http://schemas.microsoft.com/office/powerpoint/2010/main" val="1011562936"/>
+      </p:ext>
+    </p:extLst>
+  </p:cSld>
+  <p:clrMapOvr>
+    <a:masterClrMapping/>
+  </p:clrMapOvr>
+  <p:timing>
+    <p:tnLst>
+      <p:par>
+        <p:cTn id="1" dur="indefinite" restart="never" nodeType="tmRoot"/>
+      </p:par>
+    </p:tnLst>
+  </p:timing>
+</p:sld>
+</file>
+
+<file path=ppt/slides/slide27.xml><?xml version="1.0" encoding="utf-8"?>
+<p:sld xmlns:a="http://schemas.openxmlformats.org/drawingml/2006/main" xmlns:r="http://schemas.openxmlformats.org/officeDocument/2006/relationships" xmlns:p="http://schemas.openxmlformats.org/presentationml/2006/main">
+  <p:cSld>
+    <p:spTree>
+      <p:nvGrpSpPr>
+        <p:cNvPr id="1" name=""/>
+        <p:cNvGrpSpPr/>
+        <p:nvPr/>
+      </p:nvGrpSpPr>
+      <p:grpSpPr>
+        <a:xfrm>
+          <a:off x="0" y="0"/>
+          <a:ext cx="0" cy="0"/>
+          <a:chOff x="0" y="0"/>
+          <a:chExt cx="0" cy="0"/>
+        </a:xfrm>
+      </p:grpSpPr>
+      <p:sp>
+        <p:nvSpPr>
+          <p:cNvPr id="2" name="Title 1"/>
+          <p:cNvSpPr>
+            <a:spLocks noGrp="1"/>
+          </p:cNvSpPr>
+          <p:nvPr>
+            <p:ph type="title"/>
+          </p:nvPr>
+        </p:nvSpPr>
+        <p:spPr/>
+        <p:txBody>
+          <a:bodyPr/>
+          <a:lstStyle/>
+          <a:p>
+            <a:r>
+              <a:rPr lang="en-US" dirty="0" smtClean="0">
+                <a:latin typeface="Monaco" charset="0"/>
+                <a:ea typeface="Monaco" charset="0"/>
+                <a:cs typeface="Monaco" charset="0"/>
+              </a:rPr>
+              <a:t>gather() </a:t>
+            </a:r>
+            <a:r>
+              <a:rPr lang="en-US" dirty="0" smtClean="0"/>
+              <a:t>makes wide tables narrow</a:t>
+            </a:r>
+            <a:endParaRPr lang="en-US" dirty="0"/>
+          </a:p>
+        </p:txBody>
+      </p:sp>
+      <p:sp>
+        <p:nvSpPr>
+          <p:cNvPr id="14" name="TextBox 13"/>
+          <p:cNvSpPr txBox="1"/>
+          <p:nvPr/>
+        </p:nvSpPr>
+        <p:spPr>
+          <a:xfrm>
+            <a:off x="15043" y="3117273"/>
+            <a:ext cx="5893071" cy="1477328"/>
+          </a:xfrm>
+          <a:prstGeom prst="rect">
+            <a:avLst/>
+          </a:prstGeom>
+          <a:noFill/>
+        </p:spPr>
+        <p:txBody>
+          <a:bodyPr wrap="square" rtlCol="0">
+            <a:spAutoFit/>
+          </a:bodyPr>
+          <a:lstStyle/>
+          <a:p>
+            <a:pPr marL="12700" lvl="1"/>
+            <a:r>
+              <a:rPr lang="is-IS" b="1" dirty="0" smtClean="0">
+                <a:latin typeface="Monaco" charset="0"/>
+                <a:ea typeface="Monaco" charset="0"/>
+                <a:cs typeface="Monaco" charset="0"/>
+              </a:rPr>
+              <a:t>data</a:t>
+            </a:r>
+            <a:endParaRPr lang="is-IS" b="1" dirty="0">
+              <a:latin typeface="Monaco" charset="0"/>
+              <a:ea typeface="Monaco" charset="0"/>
+              <a:cs typeface="Monaco" charset="0"/>
+            </a:endParaRPr>
+          </a:p>
+          <a:p>
+            <a:pPr lvl="1"/>
+            <a:r>
+              <a:rPr lang="is-IS" b="1" dirty="0" smtClean="0">
+                <a:latin typeface="Monaco" charset="0"/>
+                <a:ea typeface="Monaco" charset="0"/>
+                <a:cs typeface="Monaco" charset="0"/>
+              </a:rPr>
+              <a:t>tree treat</a:t>
+            </a:r>
+            <a:r>
+              <a:rPr lang="is-IS" b="1" dirty="0">
+                <a:latin typeface="Monaco" charset="0"/>
+                <a:ea typeface="Monaco" charset="0"/>
+                <a:cs typeface="Monaco" charset="0"/>
+              </a:rPr>
+              <a:t>  </a:t>
+            </a:r>
+            <a:r>
+              <a:rPr lang="is-IS" b="1" dirty="0" smtClean="0">
+                <a:latin typeface="Monaco" charset="0"/>
+                <a:ea typeface="Monaco" charset="0"/>
+                <a:cs typeface="Monaco" charset="0"/>
+              </a:rPr>
+              <a:t>t152</a:t>
+            </a:r>
+            <a:r>
+              <a:rPr lang="is-IS" b="1" dirty="0">
+                <a:latin typeface="Monaco" charset="0"/>
+                <a:ea typeface="Monaco" charset="0"/>
+                <a:cs typeface="Monaco" charset="0"/>
+              </a:rPr>
+              <a:t> </a:t>
+            </a:r>
+            <a:r>
+              <a:rPr lang="is-IS" b="1" dirty="0" smtClean="0">
+                <a:latin typeface="Monaco" charset="0"/>
+                <a:ea typeface="Monaco" charset="0"/>
+                <a:cs typeface="Monaco" charset="0"/>
+              </a:rPr>
+              <a:t>t174</a:t>
+            </a:r>
+            <a:r>
+              <a:rPr lang="is-IS" b="1" dirty="0">
+                <a:latin typeface="Monaco" charset="0"/>
+                <a:ea typeface="Monaco" charset="0"/>
+                <a:cs typeface="Monaco" charset="0"/>
+              </a:rPr>
+              <a:t> </a:t>
+            </a:r>
+            <a:r>
+              <a:rPr lang="is-IS" b="1" dirty="0" smtClean="0">
+                <a:latin typeface="Monaco" charset="0"/>
+                <a:ea typeface="Monaco" charset="0"/>
+                <a:cs typeface="Monaco" charset="0"/>
+              </a:rPr>
+              <a:t>t201</a:t>
+            </a:r>
+            <a:r>
+              <a:rPr lang="is-IS" b="1" dirty="0">
+                <a:latin typeface="Monaco" charset="0"/>
+                <a:ea typeface="Monaco" charset="0"/>
+                <a:cs typeface="Monaco" charset="0"/>
+              </a:rPr>
+              <a:t> </a:t>
+            </a:r>
+            <a:r>
+              <a:rPr lang="is-IS" b="1" dirty="0" smtClean="0">
+                <a:latin typeface="Monaco" charset="0"/>
+                <a:ea typeface="Monaco" charset="0"/>
+                <a:cs typeface="Monaco" charset="0"/>
+              </a:rPr>
+              <a:t>t227</a:t>
+            </a:r>
+            <a:r>
+              <a:rPr lang="is-IS" b="1" dirty="0">
+                <a:latin typeface="Monaco" charset="0"/>
+                <a:ea typeface="Monaco" charset="0"/>
+                <a:cs typeface="Monaco" charset="0"/>
+              </a:rPr>
+              <a:t> </a:t>
+            </a:r>
+            <a:r>
+              <a:rPr lang="is-IS" b="1" dirty="0" smtClean="0">
+                <a:latin typeface="Monaco" charset="0"/>
+                <a:ea typeface="Monaco" charset="0"/>
+                <a:cs typeface="Monaco" charset="0"/>
+              </a:rPr>
+              <a:t>t258</a:t>
+            </a:r>
+          </a:p>
+          <a:p>
+            <a:pPr lvl="1"/>
+            <a:r>
+              <a:rPr lang="is-IS" dirty="0" smtClean="0">
+                <a:latin typeface="Monaco" charset="0"/>
+                <a:ea typeface="Monaco" charset="0"/>
+                <a:cs typeface="Monaco" charset="0"/>
+              </a:rPr>
+              <a:t>1 </a:t>
+            </a:r>
+            <a:r>
+              <a:rPr lang="is-IS" dirty="0">
+                <a:latin typeface="Monaco" charset="0"/>
+                <a:ea typeface="Monaco" charset="0"/>
+                <a:cs typeface="Monaco" charset="0"/>
+              </a:rPr>
+              <a:t>  ozone </a:t>
+            </a:r>
+            <a:r>
+              <a:rPr lang="is-IS" dirty="0" smtClean="0">
+                <a:latin typeface="Monaco" charset="0"/>
+                <a:ea typeface="Monaco" charset="0"/>
+                <a:cs typeface="Monaco" charset="0"/>
+              </a:rPr>
+              <a:t>  4.51 </a:t>
+            </a:r>
+            <a:r>
+              <a:rPr lang="is-IS" dirty="0">
+                <a:latin typeface="Monaco" charset="0"/>
+                <a:ea typeface="Monaco" charset="0"/>
+                <a:cs typeface="Monaco" charset="0"/>
+              </a:rPr>
+              <a:t>4.98 5.41 5.90 6.15</a:t>
+            </a:r>
+          </a:p>
+          <a:p>
+            <a:pPr lvl="1"/>
+            <a:r>
+              <a:rPr lang="is-IS" dirty="0" smtClean="0">
+                <a:latin typeface="Monaco" charset="0"/>
+                <a:ea typeface="Monaco" charset="0"/>
+                <a:cs typeface="Monaco" charset="0"/>
+              </a:rPr>
+              <a:t>2 </a:t>
+            </a:r>
+            <a:r>
+              <a:rPr lang="is-IS" dirty="0">
+                <a:latin typeface="Monaco" charset="0"/>
+                <a:ea typeface="Monaco" charset="0"/>
+                <a:cs typeface="Monaco" charset="0"/>
+              </a:rPr>
+              <a:t>  ozone </a:t>
+            </a:r>
+            <a:r>
+              <a:rPr lang="is-IS" dirty="0" smtClean="0">
+                <a:latin typeface="Monaco" charset="0"/>
+                <a:ea typeface="Monaco" charset="0"/>
+                <a:cs typeface="Monaco" charset="0"/>
+              </a:rPr>
+              <a:t>  4.24 </a:t>
+            </a:r>
+            <a:r>
+              <a:rPr lang="is-IS" dirty="0">
+                <a:latin typeface="Monaco" charset="0"/>
+                <a:ea typeface="Monaco" charset="0"/>
+                <a:cs typeface="Monaco" charset="0"/>
+              </a:rPr>
+              <a:t>4.20 4.68 4.92 4.96</a:t>
+            </a:r>
+          </a:p>
+          <a:p>
+            <a:pPr lvl="1"/>
+            <a:r>
+              <a:rPr lang="is-IS" dirty="0" smtClean="0">
+                <a:latin typeface="Monaco" charset="0"/>
+                <a:ea typeface="Monaco" charset="0"/>
+                <a:cs typeface="Monaco" charset="0"/>
+              </a:rPr>
+              <a:t>3 </a:t>
+            </a:r>
+            <a:r>
+              <a:rPr lang="is-IS" dirty="0">
+                <a:latin typeface="Monaco" charset="0"/>
+                <a:ea typeface="Monaco" charset="0"/>
+                <a:cs typeface="Monaco" charset="0"/>
+              </a:rPr>
+              <a:t>  </a:t>
+            </a:r>
+            <a:r>
+              <a:rPr lang="is-IS" dirty="0" smtClean="0">
+                <a:latin typeface="Monaco" charset="0"/>
+                <a:ea typeface="Monaco" charset="0"/>
+                <a:cs typeface="Monaco" charset="0"/>
+              </a:rPr>
+              <a:t>ozone   3.98 </a:t>
+            </a:r>
+            <a:r>
+              <a:rPr lang="is-IS" dirty="0">
+                <a:latin typeface="Monaco" charset="0"/>
+                <a:ea typeface="Monaco" charset="0"/>
+                <a:cs typeface="Monaco" charset="0"/>
+              </a:rPr>
+              <a:t>4.36 4.79 4.99 </a:t>
+            </a:r>
+            <a:r>
+              <a:rPr lang="is-IS" dirty="0" smtClean="0">
+                <a:latin typeface="Monaco" charset="0"/>
+                <a:ea typeface="Monaco" charset="0"/>
+                <a:cs typeface="Monaco" charset="0"/>
+              </a:rPr>
+              <a:t>5.03</a:t>
+            </a:r>
+            <a:endParaRPr lang="is-IS" dirty="0">
+              <a:latin typeface="Monaco" charset="0"/>
+              <a:ea typeface="Monaco" charset="0"/>
+              <a:cs typeface="Monaco" charset="0"/>
+            </a:endParaRPr>
+          </a:p>
+        </p:txBody>
+      </p:sp>
+      <p:sp>
+        <p:nvSpPr>
+          <p:cNvPr id="15" name="Rectangle 14"/>
+          <p:cNvSpPr/>
+          <p:nvPr/>
+        </p:nvSpPr>
+        <p:spPr>
+          <a:xfrm>
+            <a:off x="2123457" y="3357350"/>
+            <a:ext cx="3435928" cy="334610"/>
+          </a:xfrm>
+          <a:prstGeom prst="rect">
+            <a:avLst/>
+          </a:prstGeom>
+          <a:noFill/>
+          <a:ln w="38100">
+            <a:solidFill>
+              <a:schemeClr val="accent1"/>
+            </a:solidFill>
+          </a:ln>
+        </p:spPr>
+        <p:style>
+          <a:lnRef idx="2">
+            <a:schemeClr val="accent1">
+              <a:shade val="50000"/>
+            </a:schemeClr>
+          </a:lnRef>
+          <a:fillRef idx="1">
+            <a:schemeClr val="accent1"/>
+          </a:fillRef>
+          <a:effectRef idx="0">
+            <a:schemeClr val="accent1"/>
+          </a:effectRef>
+          <a:fontRef idx="minor">
+            <a:schemeClr val="lt1"/>
+          </a:fontRef>
+        </p:style>
+        <p:txBody>
+          <a:bodyPr rtlCol="0" anchor="ctr"/>
+          <a:lstStyle/>
+          <a:p>
+            <a:pPr algn="ctr"/>
+            <a:endParaRPr lang="en-US"/>
+          </a:p>
+        </p:txBody>
+      </p:sp>
+      <p:sp>
+        <p:nvSpPr>
+          <p:cNvPr id="17" name="TextBox 16"/>
+          <p:cNvSpPr txBox="1"/>
+          <p:nvPr/>
+        </p:nvSpPr>
+        <p:spPr>
+          <a:xfrm>
+            <a:off x="7040880" y="3130128"/>
+            <a:ext cx="6813665" cy="2308324"/>
+          </a:xfrm>
+          <a:prstGeom prst="rect">
+            <a:avLst/>
+          </a:prstGeom>
+          <a:noFill/>
+        </p:spPr>
+        <p:txBody>
+          <a:bodyPr wrap="square" rtlCol="0">
+            <a:spAutoFit/>
+          </a:bodyPr>
+          <a:lstStyle/>
+          <a:p>
+            <a:pPr lvl="1"/>
+            <a:r>
+              <a:rPr lang="is-IS" b="1" dirty="0" smtClean="0">
+                <a:latin typeface="Monaco" charset="0"/>
+                <a:ea typeface="Monaco" charset="0"/>
+                <a:cs typeface="Monaco" charset="0"/>
+              </a:rPr>
+              <a:t>tree treat</a:t>
+            </a:r>
+            <a:r>
+              <a:rPr lang="is-IS" b="1" dirty="0">
+                <a:latin typeface="Monaco" charset="0"/>
+                <a:ea typeface="Monaco" charset="0"/>
+                <a:cs typeface="Monaco" charset="0"/>
+              </a:rPr>
+              <a:t>  </a:t>
+            </a:r>
+            <a:r>
+              <a:rPr lang="is-IS" b="1" dirty="0" smtClean="0">
+                <a:latin typeface="Monaco" charset="0"/>
+                <a:ea typeface="Monaco" charset="0"/>
+                <a:cs typeface="Monaco" charset="0"/>
+              </a:rPr>
+              <a:t>time</a:t>
+            </a:r>
+            <a:r>
+              <a:rPr lang="is-IS" b="1" dirty="0">
+                <a:latin typeface="Monaco" charset="0"/>
+                <a:ea typeface="Monaco" charset="0"/>
+                <a:cs typeface="Monaco" charset="0"/>
+              </a:rPr>
+              <a:t> </a:t>
+            </a:r>
+            <a:r>
+              <a:rPr lang="is-IS" b="1" dirty="0" smtClean="0">
+                <a:latin typeface="Monaco" charset="0"/>
+                <a:ea typeface="Monaco" charset="0"/>
+                <a:cs typeface="Monaco" charset="0"/>
+              </a:rPr>
+              <a:t>  measure</a:t>
+            </a:r>
+            <a:r>
+              <a:rPr lang="is-IS" b="1" dirty="0">
+                <a:latin typeface="Monaco" charset="0"/>
+                <a:ea typeface="Monaco" charset="0"/>
+                <a:cs typeface="Monaco" charset="0"/>
+              </a:rPr>
+              <a:t> </a:t>
+            </a:r>
+            <a:endParaRPr lang="is-IS" b="1" dirty="0" smtClean="0">
+              <a:latin typeface="Monaco" charset="0"/>
+              <a:ea typeface="Monaco" charset="0"/>
+              <a:cs typeface="Monaco" charset="0"/>
+            </a:endParaRPr>
+          </a:p>
+          <a:p>
+            <a:pPr lvl="1"/>
+            <a:r>
+              <a:rPr lang="is-IS" dirty="0" smtClean="0">
+                <a:latin typeface="Monaco" charset="0"/>
+                <a:ea typeface="Monaco" charset="0"/>
+                <a:cs typeface="Monaco" charset="0"/>
+              </a:rPr>
+              <a:t>1 </a:t>
+            </a:r>
+            <a:r>
+              <a:rPr lang="is-IS" dirty="0">
+                <a:latin typeface="Monaco" charset="0"/>
+                <a:ea typeface="Monaco" charset="0"/>
+                <a:cs typeface="Monaco" charset="0"/>
+              </a:rPr>
+              <a:t>  ozone </a:t>
+            </a:r>
+            <a:r>
+              <a:rPr lang="is-IS" dirty="0" smtClean="0">
+                <a:latin typeface="Monaco" charset="0"/>
+                <a:ea typeface="Monaco" charset="0"/>
+                <a:cs typeface="Monaco" charset="0"/>
+              </a:rPr>
+              <a:t>  t152   4.51</a:t>
+            </a:r>
+          </a:p>
+          <a:p>
+            <a:pPr lvl="1"/>
+            <a:r>
+              <a:rPr lang="is-IS" dirty="0">
+                <a:latin typeface="Monaco" charset="0"/>
+                <a:ea typeface="Monaco" charset="0"/>
+                <a:cs typeface="Monaco" charset="0"/>
+              </a:rPr>
+              <a:t>1</a:t>
+            </a:r>
+            <a:r>
+              <a:rPr lang="is-IS" dirty="0" smtClean="0">
+                <a:latin typeface="Monaco" charset="0"/>
+                <a:ea typeface="Monaco" charset="0"/>
+                <a:cs typeface="Monaco" charset="0"/>
+              </a:rPr>
+              <a:t>   ozone   t174   4.98</a:t>
+            </a:r>
+          </a:p>
+          <a:p>
+            <a:pPr lvl="1"/>
+            <a:r>
+              <a:rPr lang="is-IS" dirty="0">
+                <a:latin typeface="Monaco" charset="0"/>
+                <a:ea typeface="Monaco" charset="0"/>
+                <a:cs typeface="Monaco" charset="0"/>
+              </a:rPr>
+              <a:t>1</a:t>
+            </a:r>
+            <a:r>
+              <a:rPr lang="is-IS" dirty="0" smtClean="0">
+                <a:latin typeface="Monaco" charset="0"/>
+                <a:ea typeface="Monaco" charset="0"/>
+                <a:cs typeface="Monaco" charset="0"/>
+              </a:rPr>
+              <a:t>   ozone   t201   5.41</a:t>
+            </a:r>
+          </a:p>
+          <a:p>
+            <a:pPr lvl="1"/>
+            <a:r>
+              <a:rPr lang="is-IS" dirty="0" smtClean="0">
+                <a:latin typeface="Monaco" charset="0"/>
+                <a:ea typeface="Monaco" charset="0"/>
+                <a:cs typeface="Monaco" charset="0"/>
+              </a:rPr>
+              <a:t>1   ozone   t227   5.90</a:t>
+            </a:r>
+          </a:p>
+          <a:p>
+            <a:pPr lvl="1"/>
+            <a:r>
+              <a:rPr lang="is-IS" dirty="0" smtClean="0">
+                <a:latin typeface="Monaco" charset="0"/>
+                <a:ea typeface="Monaco" charset="0"/>
+                <a:cs typeface="Monaco" charset="0"/>
+              </a:rPr>
+              <a:t>1   ozone   t258   6.15</a:t>
+            </a:r>
+          </a:p>
+          <a:p>
+            <a:pPr lvl="1"/>
+            <a:r>
+              <a:rPr lang="is-IS" dirty="0" smtClean="0">
+                <a:latin typeface="Monaco" charset="0"/>
+                <a:ea typeface="Monaco" charset="0"/>
+                <a:cs typeface="Monaco" charset="0"/>
+              </a:rPr>
+              <a:t>...</a:t>
+            </a:r>
+            <a:endParaRPr lang="is-IS" dirty="0" smtClean="0">
+              <a:latin typeface="Monaco" charset="0"/>
+              <a:ea typeface="Monaco" charset="0"/>
+              <a:cs typeface="Monaco" charset="0"/>
+            </a:endParaRPr>
+          </a:p>
+          <a:p>
+            <a:pPr lvl="1"/>
+            <a:endParaRPr lang="is-IS" dirty="0">
+              <a:latin typeface="Monaco" charset="0"/>
+              <a:ea typeface="Monaco" charset="0"/>
+              <a:cs typeface="Monaco" charset="0"/>
+            </a:endParaRPr>
+          </a:p>
+        </p:txBody>
+      </p:sp>
+      <p:sp>
+        <p:nvSpPr>
+          <p:cNvPr id="18" name="Rectangle 17"/>
+          <p:cNvSpPr/>
+          <p:nvPr/>
+        </p:nvSpPr>
+        <p:spPr>
+          <a:xfrm>
+            <a:off x="9122005" y="3117273"/>
+            <a:ext cx="669531" cy="1862941"/>
+          </a:xfrm>
+          <a:prstGeom prst="rect">
+            <a:avLst/>
+          </a:prstGeom>
+          <a:noFill/>
+          <a:ln w="38100">
+            <a:solidFill>
+              <a:schemeClr val="accent1"/>
+            </a:solidFill>
+          </a:ln>
+        </p:spPr>
+        <p:style>
+          <a:lnRef idx="2">
+            <a:schemeClr val="accent1">
+              <a:shade val="50000"/>
+            </a:schemeClr>
+          </a:lnRef>
+          <a:fillRef idx="1">
+            <a:schemeClr val="accent1"/>
+          </a:fillRef>
+          <a:effectRef idx="0">
+            <a:schemeClr val="accent1"/>
+          </a:effectRef>
+          <a:fontRef idx="minor">
+            <a:schemeClr val="lt1"/>
+          </a:fontRef>
+        </p:style>
+        <p:txBody>
+          <a:bodyPr rtlCol="0" anchor="ctr"/>
+          <a:lstStyle/>
+          <a:p>
+            <a:pPr algn="ctr"/>
+            <a:endParaRPr lang="en-US"/>
+          </a:p>
+        </p:txBody>
+      </p:sp>
+      <p:sp>
+        <p:nvSpPr>
+          <p:cNvPr id="19" name="Rectangle 18"/>
+          <p:cNvSpPr/>
+          <p:nvPr/>
+        </p:nvSpPr>
+        <p:spPr>
+          <a:xfrm>
+            <a:off x="10058354" y="3117272"/>
+            <a:ext cx="1088454" cy="1862941"/>
+          </a:xfrm>
+          <a:prstGeom prst="rect">
+            <a:avLst/>
+          </a:prstGeom>
+          <a:noFill/>
+          <a:ln w="38100">
+            <a:solidFill>
+              <a:srgbClr val="7030A0"/>
+            </a:solidFill>
+          </a:ln>
+        </p:spPr>
+        <p:style>
+          <a:lnRef idx="2">
+            <a:schemeClr val="accent1">
+              <a:shade val="50000"/>
+            </a:schemeClr>
+          </a:lnRef>
+          <a:fillRef idx="1">
+            <a:schemeClr val="accent1"/>
+          </a:fillRef>
+          <a:effectRef idx="0">
+            <a:schemeClr val="accent1"/>
+          </a:effectRef>
+          <a:fontRef idx="minor">
+            <a:schemeClr val="lt1"/>
+          </a:fontRef>
+        </p:style>
+        <p:txBody>
+          <a:bodyPr rtlCol="0" anchor="ctr"/>
+          <a:lstStyle/>
+          <a:p>
+            <a:pPr algn="ctr"/>
+            <a:endParaRPr lang="en-US">
+              <a:ln w="0"/>
+              <a:solidFill>
+                <a:schemeClr val="accent1"/>
+              </a:solidFill>
+              <a:effectLst>
+                <a:outerShdw blurRad="38100" dist="25400" dir="5400000" algn="ctr" rotWithShape="0">
+                  <a:srgbClr val="6E747A">
+                    <a:alpha val="43000"/>
+                  </a:srgbClr>
+                </a:outerShdw>
+              </a:effectLst>
+            </a:endParaRPr>
+          </a:p>
+        </p:txBody>
+      </p:sp>
+      <p:sp>
+        <p:nvSpPr>
+          <p:cNvPr id="21" name="Rectangle 20"/>
+          <p:cNvSpPr/>
+          <p:nvPr/>
+        </p:nvSpPr>
+        <p:spPr>
+          <a:xfrm>
+            <a:off x="2123457" y="3725247"/>
+            <a:ext cx="3490535" cy="238929"/>
+          </a:xfrm>
+          <a:prstGeom prst="rect">
+            <a:avLst/>
+          </a:prstGeom>
+          <a:noFill/>
+          <a:ln w="38100">
+            <a:solidFill>
+              <a:srgbClr val="7030A0"/>
+            </a:solidFill>
+          </a:ln>
+        </p:spPr>
+        <p:style>
+          <a:lnRef idx="2">
+            <a:schemeClr val="accent1">
+              <a:shade val="50000"/>
+            </a:schemeClr>
+          </a:lnRef>
+          <a:fillRef idx="1">
+            <a:schemeClr val="accent1"/>
+          </a:fillRef>
+          <a:effectRef idx="0">
+            <a:schemeClr val="accent1"/>
+          </a:effectRef>
+          <a:fontRef idx="minor">
+            <a:schemeClr val="lt1"/>
+          </a:fontRef>
+        </p:style>
+        <p:txBody>
+          <a:bodyPr rtlCol="0" anchor="ctr"/>
+          <a:lstStyle/>
+          <a:p>
+            <a:pPr algn="ctr"/>
+            <a:endParaRPr lang="en-US"/>
+          </a:p>
+        </p:txBody>
+      </p:sp>
+      <p:sp>
+        <p:nvSpPr>
+          <p:cNvPr id="22" name="TextBox 21"/>
+          <p:cNvSpPr txBox="1"/>
+          <p:nvPr/>
+        </p:nvSpPr>
+        <p:spPr>
+          <a:xfrm>
+            <a:off x="2854746" y="5144357"/>
+            <a:ext cx="7067176" cy="646331"/>
+          </a:xfrm>
+          <a:prstGeom prst="rect">
+            <a:avLst/>
+          </a:prstGeom>
+          <a:noFill/>
+        </p:spPr>
+        <p:txBody>
+          <a:bodyPr wrap="square" rtlCol="0">
+            <a:spAutoFit/>
+          </a:bodyPr>
+          <a:lstStyle/>
+          <a:p>
+            <a:endParaRPr lang="is-IS" sz="1600" dirty="0">
+              <a:latin typeface="Monaco" charset="0"/>
+              <a:ea typeface="Monaco" charset="0"/>
+              <a:cs typeface="Monaco" charset="0"/>
+            </a:endParaRPr>
+          </a:p>
+          <a:p>
+            <a:r>
+              <a:rPr lang="is-IS" sz="2000" b="1" dirty="0" smtClean="0">
+                <a:latin typeface="Monaco" charset="0"/>
+                <a:ea typeface="Monaco" charset="0"/>
+                <a:cs typeface="Monaco" charset="0"/>
+              </a:rPr>
+              <a:t>data %&gt;% gather(</a:t>
+            </a:r>
+            <a:r>
+              <a:rPr lang="is-IS" sz="2000" b="1" dirty="0" smtClean="0">
+                <a:solidFill>
+                  <a:schemeClr val="accent1"/>
+                </a:solidFill>
+                <a:latin typeface="Monaco" charset="0"/>
+                <a:ea typeface="Monaco" charset="0"/>
+                <a:cs typeface="Monaco" charset="0"/>
+              </a:rPr>
+              <a:t>time</a:t>
+            </a:r>
+            <a:r>
+              <a:rPr lang="is-IS" sz="2000" b="1" dirty="0" smtClean="0">
+                <a:latin typeface="Monaco" charset="0"/>
+                <a:ea typeface="Monaco" charset="0"/>
+                <a:cs typeface="Monaco" charset="0"/>
+              </a:rPr>
+              <a:t>, </a:t>
+            </a:r>
+            <a:r>
+              <a:rPr lang="is-IS" sz="2000" b="1" dirty="0" smtClean="0">
+                <a:solidFill>
+                  <a:srgbClr val="7030A0"/>
+                </a:solidFill>
+                <a:latin typeface="Monaco" charset="0"/>
+                <a:ea typeface="Monaco" charset="0"/>
+                <a:cs typeface="Monaco" charset="0"/>
+              </a:rPr>
+              <a:t>measure</a:t>
+            </a:r>
+            <a:r>
+              <a:rPr lang="is-IS" sz="2000" b="1" dirty="0" smtClean="0">
+                <a:latin typeface="Monaco" charset="0"/>
+                <a:ea typeface="Monaco" charset="0"/>
+                <a:cs typeface="Monaco" charset="0"/>
+              </a:rPr>
+              <a:t>, t152:t258</a:t>
+            </a:r>
+            <a:r>
+              <a:rPr lang="is-IS" sz="2000" b="1" dirty="0" smtClean="0">
+                <a:latin typeface="Monaco" charset="0"/>
+                <a:ea typeface="Monaco" charset="0"/>
+                <a:cs typeface="Monaco" charset="0"/>
+              </a:rPr>
+              <a:t>)</a:t>
+            </a:r>
+            <a:endParaRPr lang="is-IS" sz="2000" b="1" dirty="0" smtClean="0">
+              <a:latin typeface="Monaco" charset="0"/>
+              <a:ea typeface="Monaco" charset="0"/>
+              <a:cs typeface="Monaco" charset="0"/>
+            </a:endParaRPr>
+          </a:p>
+        </p:txBody>
+      </p:sp>
+      <p:sp>
+        <p:nvSpPr>
+          <p:cNvPr id="23" name="TextBox 22"/>
+          <p:cNvSpPr txBox="1"/>
+          <p:nvPr/>
+        </p:nvSpPr>
+        <p:spPr>
+          <a:xfrm>
+            <a:off x="5338648" y="5713329"/>
+            <a:ext cx="878205" cy="430887"/>
+          </a:xfrm>
+          <a:prstGeom prst="rect">
+            <a:avLst/>
+          </a:prstGeom>
+          <a:noFill/>
+        </p:spPr>
+        <p:txBody>
+          <a:bodyPr wrap="square" rtlCol="0">
+            <a:spAutoFit/>
+          </a:bodyPr>
+          <a:lstStyle/>
+          <a:p>
+            <a:r>
+              <a:rPr lang="en-US" sz="2200" b="1" dirty="0" smtClean="0">
+                <a:solidFill>
+                  <a:schemeClr val="accent1"/>
+                </a:solidFill>
+              </a:rPr>
+              <a:t>KEY</a:t>
+            </a:r>
+            <a:endParaRPr lang="en-US" sz="2200" b="1" dirty="0">
+              <a:solidFill>
+                <a:schemeClr val="accent1"/>
+              </a:solidFill>
+            </a:endParaRPr>
+          </a:p>
+        </p:txBody>
+      </p:sp>
+      <p:sp>
+        <p:nvSpPr>
+          <p:cNvPr id="24" name="TextBox 23"/>
+          <p:cNvSpPr txBox="1"/>
+          <p:nvPr/>
+        </p:nvSpPr>
+        <p:spPr>
+          <a:xfrm>
+            <a:off x="6388334" y="5713330"/>
+            <a:ext cx="1075900" cy="430887"/>
+          </a:xfrm>
+          <a:prstGeom prst="rect">
+            <a:avLst/>
+          </a:prstGeom>
+          <a:noFill/>
+        </p:spPr>
+        <p:txBody>
+          <a:bodyPr wrap="square" rtlCol="0">
+            <a:spAutoFit/>
+          </a:bodyPr>
+          <a:lstStyle/>
+          <a:p>
+            <a:r>
+              <a:rPr lang="en-US" sz="2200" b="1" dirty="0" smtClean="0">
+                <a:solidFill>
+                  <a:srgbClr val="7030A0"/>
+                </a:solidFill>
+              </a:rPr>
+              <a:t>VALUE</a:t>
+            </a:r>
+            <a:endParaRPr lang="en-US" sz="2200" b="1" dirty="0">
+              <a:solidFill>
+                <a:srgbClr val="7030A0"/>
+              </a:solidFill>
+            </a:endParaRPr>
+          </a:p>
+        </p:txBody>
+      </p:sp>
+      <p:sp>
+        <p:nvSpPr>
+          <p:cNvPr id="25" name="Striped Right Arrow 24"/>
+          <p:cNvSpPr/>
+          <p:nvPr/>
+        </p:nvSpPr>
+        <p:spPr>
+          <a:xfrm>
+            <a:off x="6126480" y="3725247"/>
+            <a:ext cx="799804" cy="423672"/>
+          </a:xfrm>
+          <a:prstGeom prst="stripedRightArrow">
+            <a:avLst/>
+          </a:prstGeom>
+          <a:solidFill>
+            <a:schemeClr val="accent1">
+              <a:lumMod val="40000"/>
+              <a:lumOff val="60000"/>
+            </a:schemeClr>
+          </a:solidFill>
+        </p:spPr>
+        <p:style>
+          <a:lnRef idx="2">
+            <a:schemeClr val="accent1">
+              <a:shade val="50000"/>
+            </a:schemeClr>
+          </a:lnRef>
+          <a:fillRef idx="1">
+            <a:schemeClr val="accent1"/>
+          </a:fillRef>
+          <a:effectRef idx="0">
+            <a:schemeClr val="accent1"/>
+          </a:effectRef>
+          <a:fontRef idx="minor">
+            <a:schemeClr val="lt1"/>
+          </a:fontRef>
+        </p:style>
+        <p:txBody>
+          <a:bodyPr rtlCol="0" anchor="ctr"/>
+          <a:lstStyle/>
+          <a:p>
+            <a:pPr algn="ctr"/>
+            <a:endParaRPr lang="en-US"/>
+          </a:p>
+        </p:txBody>
+      </p:sp>
+    </p:spTree>
+    <p:extLst>
+      <p:ext uri="{BB962C8B-B14F-4D97-AF65-F5344CB8AC3E}">
+        <p14:creationId xmlns:p14="http://schemas.microsoft.com/office/powerpoint/2010/main" val="1814490084"/>
+      </p:ext>
+    </p:extLst>
+  </p:cSld>
+  <p:clrMapOvr>
+    <a:masterClrMapping/>
+  </p:clrMapOvr>
+  <p:timing>
+    <p:tnLst>
+      <p:par>
+        <p:cTn id="1" dur="indefinite" restart="never" nodeType="tmRoot">
+          <p:childTnLst>
+            <p:seq concurrent="1" nextAc="seek">
+              <p:cTn id="2" dur="indefinite" nodeType="mainSeq">
+                <p:childTnLst>
+                  <p:par>
+                    <p:cTn id="3" fill="hold">
+                      <p:stCondLst>
+                        <p:cond delay="indefinite"/>
+                      </p:stCondLst>
+                      <p:childTnLst>
+                        <p:par>
+                          <p:cTn id="4" fill="hold">
+                            <p:stCondLst>
+                              <p:cond delay="0"/>
+                            </p:stCondLst>
+                            <p:childTnLst>
+                              <p:par>
+                                <p:cTn id="5" presetID="1" presetClass="entr" presetSubtype="0" fill="hold" grpId="0" nodeType="clickEffect">
+                                  <p:stCondLst>
+                                    <p:cond delay="0"/>
+                                  </p:stCondLst>
+                                  <p:childTnLst>
+                                    <p:set>
+                                      <p:cBhvr>
+                                        <p:cTn id="6" dur="1" fill="hold">
+                                          <p:stCondLst>
+                                            <p:cond delay="0"/>
+                                          </p:stCondLst>
+                                        </p:cTn>
+                                        <p:tgtEl>
+                                          <p:spTgt spid="17"/>
+                                        </p:tgtEl>
+                                        <p:attrNameLst>
+                                          <p:attrName>style.visibility</p:attrName>
+                                        </p:attrNameLst>
+                                      </p:cBhvr>
+                                      <p:to>
+                                        <p:strVal val="visible"/>
+                                      </p:to>
+                                    </p:set>
+                                  </p:childTnLst>
+                                </p:cTn>
+                              </p:par>
+                            </p:childTnLst>
+                          </p:cTn>
+                        </p:par>
+                      </p:childTnLst>
+                    </p:cTn>
+                  </p:par>
+                  <p:par>
+                    <p:cTn id="7" fill="hold">
+                      <p:stCondLst>
+                        <p:cond delay="indefinite"/>
+                      </p:stCondLst>
+                      <p:childTnLst>
+                        <p:par>
+                          <p:cTn id="8" fill="hold">
+                            <p:stCondLst>
+                              <p:cond delay="0"/>
+                            </p:stCondLst>
+                            <p:childTnLst>
+                              <p:par>
+                                <p:cTn id="9" presetID="1" presetClass="entr" presetSubtype="0" fill="hold" grpId="0" nodeType="clickEffect">
+                                  <p:stCondLst>
+                                    <p:cond delay="0"/>
+                                  </p:stCondLst>
+                                  <p:childTnLst>
+                                    <p:set>
+                                      <p:cBhvr>
+                                        <p:cTn id="10" dur="1" fill="hold">
+                                          <p:stCondLst>
+                                            <p:cond delay="0"/>
+                                          </p:stCondLst>
+                                        </p:cTn>
+                                        <p:tgtEl>
+                                          <p:spTgt spid="15"/>
+                                        </p:tgtEl>
+                                        <p:attrNameLst>
+                                          <p:attrName>style.visibility</p:attrName>
+                                        </p:attrNameLst>
+                                      </p:cBhvr>
+                                      <p:to>
+                                        <p:strVal val="visible"/>
+                                      </p:to>
+                                    </p:set>
+                                  </p:childTnLst>
+                                </p:cTn>
+                              </p:par>
+                              <p:par>
+                                <p:cTn id="11" presetID="1" presetClass="entr" presetSubtype="0" fill="hold" grpId="0" nodeType="withEffect">
+                                  <p:stCondLst>
+                                    <p:cond delay="0"/>
+                                  </p:stCondLst>
+                                  <p:childTnLst>
+                                    <p:set>
+                                      <p:cBhvr>
+                                        <p:cTn id="12" dur="1" fill="hold">
+                                          <p:stCondLst>
+                                            <p:cond delay="0"/>
+                                          </p:stCondLst>
+                                        </p:cTn>
+                                        <p:tgtEl>
+                                          <p:spTgt spid="18"/>
+                                        </p:tgtEl>
+                                        <p:attrNameLst>
+                                          <p:attrName>style.visibility</p:attrName>
+                                        </p:attrNameLst>
+                                      </p:cBhvr>
+                                      <p:to>
+                                        <p:strVal val="visible"/>
+                                      </p:to>
+                                    </p:set>
+                                  </p:childTnLst>
+                                </p:cTn>
+                              </p:par>
+                            </p:childTnLst>
+                          </p:cTn>
+                        </p:par>
+                      </p:childTnLst>
+                    </p:cTn>
+                  </p:par>
+                  <p:par>
+                    <p:cTn id="13" fill="hold">
+                      <p:stCondLst>
+                        <p:cond delay="indefinite"/>
+                      </p:stCondLst>
+                      <p:childTnLst>
+                        <p:par>
+                          <p:cTn id="14" fill="hold">
+                            <p:stCondLst>
+                              <p:cond delay="0"/>
+                            </p:stCondLst>
+                            <p:childTnLst>
+                              <p:par>
+                                <p:cTn id="15" presetID="1" presetClass="entr" presetSubtype="0" fill="hold" grpId="0" nodeType="clickEffect">
+                                  <p:stCondLst>
+                                    <p:cond delay="0"/>
+                                  </p:stCondLst>
+                                  <p:childTnLst>
+                                    <p:set>
+                                      <p:cBhvr>
+                                        <p:cTn id="16" dur="1" fill="hold">
+                                          <p:stCondLst>
+                                            <p:cond delay="0"/>
+                                          </p:stCondLst>
+                                        </p:cTn>
+                                        <p:tgtEl>
+                                          <p:spTgt spid="21"/>
+                                        </p:tgtEl>
+                                        <p:attrNameLst>
+                                          <p:attrName>style.visibility</p:attrName>
+                                        </p:attrNameLst>
+                                      </p:cBhvr>
+                                      <p:to>
+                                        <p:strVal val="visible"/>
+                                      </p:to>
+                                    </p:set>
+                                  </p:childTnLst>
+                                </p:cTn>
+                              </p:par>
+                              <p:par>
+                                <p:cTn id="17" presetID="1" presetClass="entr" presetSubtype="0" fill="hold" grpId="0" nodeType="withEffect">
+                                  <p:stCondLst>
+                                    <p:cond delay="0"/>
+                                  </p:stCondLst>
+                                  <p:childTnLst>
+                                    <p:set>
+                                      <p:cBhvr>
+                                        <p:cTn id="18" dur="1" fill="hold">
+                                          <p:stCondLst>
+                                            <p:cond delay="0"/>
+                                          </p:stCondLst>
+                                        </p:cTn>
+                                        <p:tgtEl>
+                                          <p:spTgt spid="19"/>
+                                        </p:tgtEl>
+                                        <p:attrNameLst>
+                                          <p:attrName>style.visibility</p:attrName>
+                                        </p:attrNameLst>
+                                      </p:cBhvr>
+                                      <p:to>
+                                        <p:strVal val="visible"/>
+                                      </p:to>
+                                    </p:set>
+                                  </p:childTnLst>
+                                </p:cTn>
+                              </p:par>
+                            </p:childTnLst>
+                          </p:cTn>
+                        </p:par>
+                      </p:childTnLst>
+                    </p:cTn>
+                  </p:par>
+                  <p:par>
+                    <p:cTn id="19" fill="hold">
+                      <p:stCondLst>
+                        <p:cond delay="indefinite"/>
+                      </p:stCondLst>
+                      <p:childTnLst>
+                        <p:par>
+                          <p:cTn id="20" fill="hold">
+                            <p:stCondLst>
+                              <p:cond delay="0"/>
+                            </p:stCondLst>
+                            <p:childTnLst>
+                              <p:par>
+                                <p:cTn id="21" presetID="1" presetClass="entr" presetSubtype="0" fill="hold" grpId="0" nodeType="clickEffect">
+                                  <p:stCondLst>
+                                    <p:cond delay="0"/>
+                                  </p:stCondLst>
+                                  <p:childTnLst>
+                                    <p:set>
+                                      <p:cBhvr>
+                                        <p:cTn id="22" dur="1" fill="hold">
+                                          <p:stCondLst>
+                                            <p:cond delay="0"/>
+                                          </p:stCondLst>
+                                        </p:cTn>
+                                        <p:tgtEl>
+                                          <p:spTgt spid="22"/>
+                                        </p:tgtEl>
+                                        <p:attrNameLst>
+                                          <p:attrName>style.visibility</p:attrName>
+                                        </p:attrNameLst>
+                                      </p:cBhvr>
+                                      <p:to>
+                                        <p:strVal val="visible"/>
+                                      </p:to>
+                                    </p:set>
+                                  </p:childTnLst>
+                                </p:cTn>
+                              </p:par>
+                            </p:childTnLst>
+                          </p:cTn>
+                        </p:par>
+                      </p:childTnLst>
+                    </p:cTn>
+                  </p:par>
+                  <p:par>
+                    <p:cTn id="23" fill="hold">
+                      <p:stCondLst>
+                        <p:cond delay="indefinite"/>
+                      </p:stCondLst>
+                      <p:childTnLst>
+                        <p:par>
+                          <p:cTn id="24" fill="hold">
+                            <p:stCondLst>
+                              <p:cond delay="0"/>
+                            </p:stCondLst>
+                            <p:childTnLst>
+                              <p:par>
+                                <p:cTn id="25" presetID="1" presetClass="entr" presetSubtype="0" fill="hold" grpId="0" nodeType="clickEffect">
+                                  <p:stCondLst>
+                                    <p:cond delay="0"/>
+                                  </p:stCondLst>
+                                  <p:childTnLst>
+                                    <p:set>
+                                      <p:cBhvr>
+                                        <p:cTn id="26" dur="1" fill="hold">
+                                          <p:stCondLst>
+                                            <p:cond delay="0"/>
+                                          </p:stCondLst>
+                                        </p:cTn>
+                                        <p:tgtEl>
+                                          <p:spTgt spid="23"/>
+                                        </p:tgtEl>
+                                        <p:attrNameLst>
+                                          <p:attrName>style.visibility</p:attrName>
+                                        </p:attrNameLst>
+                                      </p:cBhvr>
+                                      <p:to>
+                                        <p:strVal val="visible"/>
+                                      </p:to>
+                                    </p:set>
+                                  </p:childTnLst>
+                                </p:cTn>
+                              </p:par>
+                              <p:par>
+                                <p:cTn id="27" presetID="1" presetClass="entr" presetSubtype="0" fill="hold" grpId="0" nodeType="withEffect">
+                                  <p:stCondLst>
+                                    <p:cond delay="0"/>
+                                  </p:stCondLst>
+                                  <p:childTnLst>
+                                    <p:set>
+                                      <p:cBhvr>
+                                        <p:cTn id="28" dur="1" fill="hold">
+                                          <p:stCondLst>
+                                            <p:cond delay="0"/>
+                                          </p:stCondLst>
+                                        </p:cTn>
+                                        <p:tgtEl>
+                                          <p:spTgt spid="24"/>
+                                        </p:tgtEl>
+                                        <p:attrNameLst>
+                                          <p:attrName>style.visibility</p:attrName>
+                                        </p:attrNameLst>
+                                      </p:cBhvr>
+                                      <p:to>
+                                        <p:strVal val="visible"/>
+                                      </p:to>
+                                    </p:set>
+                                  </p:childTnLst>
+                                </p:cTn>
+                              </p:par>
+                            </p:childTnLst>
+                          </p:cTn>
+                        </p:par>
+                      </p:childTnLst>
+                    </p:cTn>
+                  </p:par>
+                </p:childTnLst>
+              </p:cTn>
+              <p:prevCondLst>
+                <p:cond evt="onPrev" delay="0">
+                  <p:tgtEl>
+                    <p:sldTgt/>
+                  </p:tgtEl>
+                </p:cond>
+              </p:prevCondLst>
+              <p:nextCondLst>
+                <p:cond evt="onNext" delay="0">
+                  <p:tgtEl>
+                    <p:sldTgt/>
+                  </p:tgtEl>
+                </p:cond>
+              </p:nextCondLst>
+            </p:seq>
+          </p:childTnLst>
+        </p:cTn>
+      </p:par>
+    </p:tnLst>
+    <p:bldLst>
+      <p:bldP spid="15" grpId="0" animBg="1"/>
+      <p:bldP spid="17" grpId="0"/>
+      <p:bldP spid="18" grpId="0" animBg="1"/>
+      <p:bldP spid="19" grpId="0" animBg="1"/>
+      <p:bldP spid="21" grpId="0" animBg="1"/>
+      <p:bldP spid="22" grpId="0"/>
+      <p:bldP spid="23" grpId="0"/>
+      <p:bldP spid="24" grpId="0"/>
+    </p:bldLst>
+  </p:timing>
+</p:sld>
+</file>
+
+<file path=ppt/slides/slide28.xml><?xml version="1.0" encoding="utf-8"?>
+<p:sld xmlns:a="http://schemas.openxmlformats.org/drawingml/2006/main" xmlns:r="http://schemas.openxmlformats.org/officeDocument/2006/relationships" xmlns:p="http://schemas.openxmlformats.org/presentationml/2006/main">
+  <p:cSld>
+    <p:spTree>
+      <p:nvGrpSpPr>
+        <p:cNvPr id="1" name=""/>
+        <p:cNvGrpSpPr/>
+        <p:nvPr/>
+      </p:nvGrpSpPr>
+      <p:grpSpPr>
+        <a:xfrm>
+          <a:off x="0" y="0"/>
+          <a:ext cx="0" cy="0"/>
+          <a:chOff x="0" y="0"/>
+          <a:chExt cx="0" cy="0"/>
+        </a:xfrm>
+      </p:grpSpPr>
+      <p:sp>
+        <p:nvSpPr>
+          <p:cNvPr id="2" name="Title 1"/>
+          <p:cNvSpPr>
+            <a:spLocks noGrp="1"/>
+          </p:cNvSpPr>
+          <p:nvPr>
+            <p:ph type="title"/>
+          </p:nvPr>
+        </p:nvSpPr>
+        <p:spPr/>
+        <p:txBody>
+          <a:bodyPr/>
+          <a:lstStyle/>
+          <a:p>
+            <a:r>
+              <a:rPr lang="en-US" dirty="0" smtClean="0">
+                <a:latin typeface="Monaco" charset="0"/>
+                <a:ea typeface="Monaco" charset="0"/>
+                <a:cs typeface="Monaco" charset="0"/>
+              </a:rPr>
+              <a:t>spread() </a:t>
+            </a:r>
+            <a:r>
+              <a:rPr lang="en-US" dirty="0"/>
+              <a:t>makes </a:t>
+            </a:r>
+            <a:r>
+              <a:rPr lang="en-US" dirty="0" smtClean="0"/>
+              <a:t>narrow tables wide</a:t>
+            </a:r>
+            <a:endParaRPr lang="en-US" dirty="0"/>
+          </a:p>
+        </p:txBody>
+      </p:sp>
+      <p:sp>
+        <p:nvSpPr>
+          <p:cNvPr id="6" name="TextBox 5"/>
+          <p:cNvSpPr txBox="1"/>
+          <p:nvPr/>
+        </p:nvSpPr>
+        <p:spPr>
+          <a:xfrm>
+            <a:off x="2854746" y="5144357"/>
+            <a:ext cx="7067176" cy="646331"/>
+          </a:xfrm>
+          <a:prstGeom prst="rect">
+            <a:avLst/>
+          </a:prstGeom>
+          <a:noFill/>
+        </p:spPr>
+        <p:txBody>
+          <a:bodyPr wrap="square" rtlCol="0">
+            <a:spAutoFit/>
+          </a:bodyPr>
+          <a:lstStyle/>
+          <a:p>
+            <a:endParaRPr lang="is-IS" sz="1600" dirty="0">
+              <a:latin typeface="Monaco" charset="0"/>
+              <a:ea typeface="Monaco" charset="0"/>
+              <a:cs typeface="Monaco" charset="0"/>
+            </a:endParaRPr>
+          </a:p>
+          <a:p>
+            <a:r>
+              <a:rPr lang="is-IS" sz="2000" b="1" dirty="0" smtClean="0">
+                <a:latin typeface="Monaco" charset="0"/>
+                <a:ea typeface="Monaco" charset="0"/>
+                <a:cs typeface="Monaco" charset="0"/>
+              </a:rPr>
+              <a:t>data %&gt;% spread(</a:t>
+            </a:r>
+            <a:r>
+              <a:rPr lang="is-IS" sz="2000" b="1" dirty="0" smtClean="0">
+                <a:solidFill>
+                  <a:schemeClr val="accent1"/>
+                </a:solidFill>
+                <a:latin typeface="Monaco" charset="0"/>
+                <a:ea typeface="Monaco" charset="0"/>
+                <a:cs typeface="Monaco" charset="0"/>
+              </a:rPr>
+              <a:t>time</a:t>
+            </a:r>
+            <a:r>
+              <a:rPr lang="is-IS" sz="2000" b="1" dirty="0" smtClean="0">
+                <a:latin typeface="Monaco" charset="0"/>
+                <a:ea typeface="Monaco" charset="0"/>
+                <a:cs typeface="Monaco" charset="0"/>
+              </a:rPr>
+              <a:t>, </a:t>
+            </a:r>
+            <a:r>
+              <a:rPr lang="is-IS" sz="2000" b="1" dirty="0" smtClean="0">
+                <a:solidFill>
+                  <a:srgbClr val="7030A0"/>
+                </a:solidFill>
+                <a:latin typeface="Monaco" charset="0"/>
+                <a:ea typeface="Monaco" charset="0"/>
+                <a:cs typeface="Monaco" charset="0"/>
+              </a:rPr>
+              <a:t>measure</a:t>
+            </a:r>
+            <a:r>
+              <a:rPr lang="is-IS" sz="2000" b="1" dirty="0" smtClean="0">
+                <a:latin typeface="Monaco" charset="0"/>
+                <a:ea typeface="Monaco" charset="0"/>
+                <a:cs typeface="Monaco" charset="0"/>
+              </a:rPr>
+              <a:t>)</a:t>
+            </a:r>
+            <a:endParaRPr lang="is-IS" sz="2000" b="1" dirty="0" smtClean="0">
+              <a:latin typeface="Monaco" charset="0"/>
+              <a:ea typeface="Monaco" charset="0"/>
+              <a:cs typeface="Monaco" charset="0"/>
+            </a:endParaRPr>
+          </a:p>
+        </p:txBody>
+      </p:sp>
+      <p:sp>
+        <p:nvSpPr>
+          <p:cNvPr id="7" name="TextBox 6"/>
+          <p:cNvSpPr txBox="1"/>
+          <p:nvPr/>
+        </p:nvSpPr>
+        <p:spPr>
+          <a:xfrm>
+            <a:off x="421716" y="2836033"/>
+            <a:ext cx="6813665" cy="2308324"/>
+          </a:xfrm>
+          <a:prstGeom prst="rect">
+            <a:avLst/>
+          </a:prstGeom>
+          <a:noFill/>
+        </p:spPr>
+        <p:txBody>
+          <a:bodyPr wrap="square" rtlCol="0">
+            <a:spAutoFit/>
+          </a:bodyPr>
+          <a:lstStyle/>
+          <a:p>
+            <a:pPr lvl="1"/>
+            <a:r>
+              <a:rPr lang="is-IS" b="1" dirty="0" smtClean="0">
+                <a:latin typeface="Monaco" charset="0"/>
+                <a:ea typeface="Monaco" charset="0"/>
+                <a:cs typeface="Monaco" charset="0"/>
+              </a:rPr>
+              <a:t>tree treat</a:t>
+            </a:r>
+            <a:r>
+              <a:rPr lang="is-IS" b="1" dirty="0">
+                <a:latin typeface="Monaco" charset="0"/>
+                <a:ea typeface="Monaco" charset="0"/>
+                <a:cs typeface="Monaco" charset="0"/>
+              </a:rPr>
+              <a:t>  </a:t>
+            </a:r>
+            <a:r>
+              <a:rPr lang="is-IS" b="1" dirty="0" smtClean="0">
+                <a:latin typeface="Monaco" charset="0"/>
+                <a:ea typeface="Monaco" charset="0"/>
+                <a:cs typeface="Monaco" charset="0"/>
+              </a:rPr>
+              <a:t>time</a:t>
+            </a:r>
+            <a:r>
+              <a:rPr lang="is-IS" b="1" dirty="0">
+                <a:latin typeface="Monaco" charset="0"/>
+                <a:ea typeface="Monaco" charset="0"/>
+                <a:cs typeface="Monaco" charset="0"/>
+              </a:rPr>
+              <a:t> </a:t>
+            </a:r>
+            <a:r>
+              <a:rPr lang="is-IS" b="1" dirty="0" smtClean="0">
+                <a:latin typeface="Monaco" charset="0"/>
+                <a:ea typeface="Monaco" charset="0"/>
+                <a:cs typeface="Monaco" charset="0"/>
+              </a:rPr>
+              <a:t>  measure</a:t>
+            </a:r>
+            <a:r>
+              <a:rPr lang="is-IS" b="1" dirty="0">
+                <a:latin typeface="Monaco" charset="0"/>
+                <a:ea typeface="Monaco" charset="0"/>
+                <a:cs typeface="Monaco" charset="0"/>
+              </a:rPr>
+              <a:t> </a:t>
+            </a:r>
+            <a:endParaRPr lang="is-IS" b="1" dirty="0" smtClean="0">
+              <a:latin typeface="Monaco" charset="0"/>
+              <a:ea typeface="Monaco" charset="0"/>
+              <a:cs typeface="Monaco" charset="0"/>
+            </a:endParaRPr>
+          </a:p>
+          <a:p>
+            <a:pPr lvl="1"/>
+            <a:r>
+              <a:rPr lang="is-IS" dirty="0" smtClean="0">
+                <a:latin typeface="Monaco" charset="0"/>
+                <a:ea typeface="Monaco" charset="0"/>
+                <a:cs typeface="Monaco" charset="0"/>
+              </a:rPr>
+              <a:t>1 </a:t>
+            </a:r>
+            <a:r>
+              <a:rPr lang="is-IS" dirty="0">
+                <a:latin typeface="Monaco" charset="0"/>
+                <a:ea typeface="Monaco" charset="0"/>
+                <a:cs typeface="Monaco" charset="0"/>
+              </a:rPr>
+              <a:t>  ozone </a:t>
+            </a:r>
+            <a:r>
+              <a:rPr lang="is-IS" dirty="0" smtClean="0">
+                <a:latin typeface="Monaco" charset="0"/>
+                <a:ea typeface="Monaco" charset="0"/>
+                <a:cs typeface="Monaco" charset="0"/>
+              </a:rPr>
+              <a:t>  t152   4.51</a:t>
+            </a:r>
+          </a:p>
+          <a:p>
+            <a:pPr lvl="1"/>
+            <a:r>
+              <a:rPr lang="is-IS" dirty="0">
+                <a:latin typeface="Monaco" charset="0"/>
+                <a:ea typeface="Monaco" charset="0"/>
+                <a:cs typeface="Monaco" charset="0"/>
+              </a:rPr>
+              <a:t>1</a:t>
+            </a:r>
+            <a:r>
+              <a:rPr lang="is-IS" dirty="0" smtClean="0">
+                <a:latin typeface="Monaco" charset="0"/>
+                <a:ea typeface="Monaco" charset="0"/>
+                <a:cs typeface="Monaco" charset="0"/>
+              </a:rPr>
+              <a:t>   ozone   t174   4.98</a:t>
+            </a:r>
+          </a:p>
+          <a:p>
+            <a:pPr lvl="1"/>
+            <a:r>
+              <a:rPr lang="is-IS" dirty="0">
+                <a:latin typeface="Monaco" charset="0"/>
+                <a:ea typeface="Monaco" charset="0"/>
+                <a:cs typeface="Monaco" charset="0"/>
+              </a:rPr>
+              <a:t>1</a:t>
+            </a:r>
+            <a:r>
+              <a:rPr lang="is-IS" dirty="0" smtClean="0">
+                <a:latin typeface="Monaco" charset="0"/>
+                <a:ea typeface="Monaco" charset="0"/>
+                <a:cs typeface="Monaco" charset="0"/>
+              </a:rPr>
+              <a:t>   ozone   t201   5.41</a:t>
+            </a:r>
+          </a:p>
+          <a:p>
+            <a:pPr lvl="1"/>
+            <a:r>
+              <a:rPr lang="is-IS" dirty="0" smtClean="0">
+                <a:latin typeface="Monaco" charset="0"/>
+                <a:ea typeface="Monaco" charset="0"/>
+                <a:cs typeface="Monaco" charset="0"/>
+              </a:rPr>
+              <a:t>1   ozone   t227   5.90</a:t>
+            </a:r>
+          </a:p>
+          <a:p>
+            <a:pPr lvl="1"/>
+            <a:r>
+              <a:rPr lang="is-IS" dirty="0" smtClean="0">
+                <a:latin typeface="Monaco" charset="0"/>
+                <a:ea typeface="Monaco" charset="0"/>
+                <a:cs typeface="Monaco" charset="0"/>
+              </a:rPr>
+              <a:t>1   ozone   t258   6.15</a:t>
+            </a:r>
+          </a:p>
+          <a:p>
+            <a:pPr lvl="1"/>
+            <a:r>
+              <a:rPr lang="is-IS" dirty="0" smtClean="0">
+                <a:latin typeface="Monaco" charset="0"/>
+                <a:ea typeface="Monaco" charset="0"/>
+                <a:cs typeface="Monaco" charset="0"/>
+              </a:rPr>
+              <a:t>...</a:t>
+            </a:r>
+            <a:endParaRPr lang="is-IS" dirty="0" smtClean="0">
+              <a:latin typeface="Monaco" charset="0"/>
+              <a:ea typeface="Monaco" charset="0"/>
+              <a:cs typeface="Monaco" charset="0"/>
+            </a:endParaRPr>
+          </a:p>
+          <a:p>
+            <a:pPr lvl="1"/>
+            <a:endParaRPr lang="is-IS" dirty="0">
+              <a:latin typeface="Monaco" charset="0"/>
+              <a:ea typeface="Monaco" charset="0"/>
+              <a:cs typeface="Monaco" charset="0"/>
+            </a:endParaRPr>
+          </a:p>
+        </p:txBody>
+      </p:sp>
+      <p:sp>
+        <p:nvSpPr>
+          <p:cNvPr id="8" name="Rectangle 7"/>
+          <p:cNvSpPr/>
+          <p:nvPr/>
+        </p:nvSpPr>
+        <p:spPr>
+          <a:xfrm>
+            <a:off x="2557433" y="2836033"/>
+            <a:ext cx="669531" cy="1862941"/>
+          </a:xfrm>
+          <a:prstGeom prst="rect">
+            <a:avLst/>
+          </a:prstGeom>
+          <a:noFill/>
+          <a:ln w="38100">
+            <a:solidFill>
+              <a:schemeClr val="accent1"/>
+            </a:solidFill>
+          </a:ln>
+        </p:spPr>
+        <p:style>
+          <a:lnRef idx="2">
+            <a:schemeClr val="accent1">
+              <a:shade val="50000"/>
+            </a:schemeClr>
+          </a:lnRef>
+          <a:fillRef idx="1">
+            <a:schemeClr val="accent1"/>
+          </a:fillRef>
+          <a:effectRef idx="0">
+            <a:schemeClr val="accent1"/>
+          </a:effectRef>
+          <a:fontRef idx="minor">
+            <a:schemeClr val="lt1"/>
+          </a:fontRef>
+        </p:style>
+        <p:txBody>
+          <a:bodyPr rtlCol="0" anchor="ctr"/>
+          <a:lstStyle/>
+          <a:p>
+            <a:pPr algn="ctr"/>
+            <a:endParaRPr lang="en-US"/>
+          </a:p>
+        </p:txBody>
+      </p:sp>
+      <p:sp>
+        <p:nvSpPr>
+          <p:cNvPr id="9" name="Rectangle 8"/>
+          <p:cNvSpPr/>
+          <p:nvPr/>
+        </p:nvSpPr>
+        <p:spPr>
+          <a:xfrm>
+            <a:off x="3493782" y="2836032"/>
+            <a:ext cx="1088454" cy="1862941"/>
+          </a:xfrm>
+          <a:prstGeom prst="rect">
+            <a:avLst/>
+          </a:prstGeom>
+          <a:noFill/>
+          <a:ln w="38100">
+            <a:solidFill>
+              <a:srgbClr val="7030A0"/>
+            </a:solidFill>
+          </a:ln>
+        </p:spPr>
+        <p:style>
+          <a:lnRef idx="2">
+            <a:schemeClr val="accent1">
+              <a:shade val="50000"/>
+            </a:schemeClr>
+          </a:lnRef>
+          <a:fillRef idx="1">
+            <a:schemeClr val="accent1"/>
+          </a:fillRef>
+          <a:effectRef idx="0">
+            <a:schemeClr val="accent1"/>
+          </a:effectRef>
+          <a:fontRef idx="minor">
+            <a:schemeClr val="lt1"/>
+          </a:fontRef>
+        </p:style>
+        <p:txBody>
+          <a:bodyPr rtlCol="0" anchor="ctr"/>
+          <a:lstStyle/>
+          <a:p>
+            <a:pPr algn="ctr"/>
+            <a:endParaRPr lang="en-US">
+              <a:ln w="0"/>
+              <a:solidFill>
+                <a:schemeClr val="accent1"/>
+              </a:solidFill>
+              <a:effectLst>
+                <a:outerShdw blurRad="38100" dist="25400" dir="5400000" algn="ctr" rotWithShape="0">
+                  <a:srgbClr val="6E747A">
+                    <a:alpha val="43000"/>
+                  </a:srgbClr>
+                </a:outerShdw>
+              </a:effectLst>
+            </a:endParaRPr>
+          </a:p>
+        </p:txBody>
+      </p:sp>
+      <p:sp>
+        <p:nvSpPr>
+          <p:cNvPr id="12" name="Rectangle 11"/>
+          <p:cNvSpPr/>
+          <p:nvPr/>
+        </p:nvSpPr>
+        <p:spPr>
+          <a:xfrm>
+            <a:off x="8060235" y="3388595"/>
+            <a:ext cx="3490535" cy="238929"/>
+          </a:xfrm>
+          <a:prstGeom prst="rect">
+            <a:avLst/>
+          </a:prstGeom>
+          <a:noFill/>
+          <a:ln w="38100">
+            <a:solidFill>
+              <a:srgbClr val="7030A0"/>
+            </a:solidFill>
+          </a:ln>
+        </p:spPr>
+        <p:style>
+          <a:lnRef idx="2">
+            <a:schemeClr val="accent1">
+              <a:shade val="50000"/>
+            </a:schemeClr>
+          </a:lnRef>
+          <a:fillRef idx="1">
+            <a:schemeClr val="accent1"/>
+          </a:fillRef>
+          <a:effectRef idx="0">
+            <a:schemeClr val="accent1"/>
+          </a:effectRef>
+          <a:fontRef idx="minor">
+            <a:schemeClr val="lt1"/>
+          </a:fontRef>
+        </p:style>
+        <p:txBody>
+          <a:bodyPr rtlCol="0" anchor="ctr"/>
+          <a:lstStyle/>
+          <a:p>
+            <a:pPr algn="ctr"/>
+            <a:endParaRPr lang="en-US"/>
+          </a:p>
+        </p:txBody>
+      </p:sp>
+      <p:sp>
+        <p:nvSpPr>
+          <p:cNvPr id="13" name="Striped Right Arrow 12"/>
+          <p:cNvSpPr/>
+          <p:nvPr/>
+        </p:nvSpPr>
+        <p:spPr>
+          <a:xfrm>
+            <a:off x="5125702" y="3508059"/>
+            <a:ext cx="799804" cy="423672"/>
+          </a:xfrm>
+          <a:prstGeom prst="stripedRightArrow">
+            <a:avLst/>
+          </a:prstGeom>
+          <a:solidFill>
+            <a:schemeClr val="accent1">
+              <a:lumMod val="40000"/>
+              <a:lumOff val="60000"/>
+            </a:schemeClr>
+          </a:solidFill>
+        </p:spPr>
+        <p:style>
+          <a:lnRef idx="2">
+            <a:schemeClr val="accent1">
+              <a:shade val="50000"/>
+            </a:schemeClr>
+          </a:lnRef>
+          <a:fillRef idx="1">
+            <a:schemeClr val="accent1"/>
+          </a:fillRef>
+          <a:effectRef idx="0">
+            <a:schemeClr val="accent1"/>
+          </a:effectRef>
+          <a:fontRef idx="minor">
+            <a:schemeClr val="lt1"/>
+          </a:fontRef>
+        </p:style>
+        <p:txBody>
+          <a:bodyPr rtlCol="0" anchor="ctr"/>
+          <a:lstStyle/>
+          <a:p>
+            <a:pPr algn="ctr"/>
+            <a:endParaRPr lang="en-US"/>
+          </a:p>
+        </p:txBody>
+      </p:sp>
+      <p:sp>
+        <p:nvSpPr>
+          <p:cNvPr id="15" name="TextBox 14"/>
+          <p:cNvSpPr txBox="1"/>
+          <p:nvPr/>
+        </p:nvSpPr>
+        <p:spPr>
+          <a:xfrm>
+            <a:off x="6126480" y="3068303"/>
+            <a:ext cx="5893071" cy="1200329"/>
+          </a:xfrm>
+          <a:prstGeom prst="rect">
+            <a:avLst/>
+          </a:prstGeom>
+          <a:noFill/>
+        </p:spPr>
+        <p:txBody>
+          <a:bodyPr wrap="square" rtlCol="0">
+            <a:spAutoFit/>
+          </a:bodyPr>
+          <a:lstStyle/>
+          <a:p>
+            <a:pPr lvl="1"/>
+            <a:r>
+              <a:rPr lang="is-IS" b="1" dirty="0" smtClean="0">
+                <a:latin typeface="Monaco" charset="0"/>
+                <a:ea typeface="Monaco" charset="0"/>
+                <a:cs typeface="Monaco" charset="0"/>
+              </a:rPr>
+              <a:t>tree treat</a:t>
+            </a:r>
+            <a:r>
+              <a:rPr lang="is-IS" b="1" dirty="0">
+                <a:latin typeface="Monaco" charset="0"/>
+                <a:ea typeface="Monaco" charset="0"/>
+                <a:cs typeface="Monaco" charset="0"/>
+              </a:rPr>
+              <a:t>  </a:t>
+            </a:r>
+            <a:r>
+              <a:rPr lang="is-IS" b="1" dirty="0" smtClean="0">
+                <a:latin typeface="Monaco" charset="0"/>
+                <a:ea typeface="Monaco" charset="0"/>
+                <a:cs typeface="Monaco" charset="0"/>
+              </a:rPr>
+              <a:t>t152</a:t>
+            </a:r>
+            <a:r>
+              <a:rPr lang="is-IS" b="1" dirty="0">
+                <a:latin typeface="Monaco" charset="0"/>
+                <a:ea typeface="Monaco" charset="0"/>
+                <a:cs typeface="Monaco" charset="0"/>
+              </a:rPr>
+              <a:t> </a:t>
+            </a:r>
+            <a:r>
+              <a:rPr lang="is-IS" b="1" dirty="0" smtClean="0">
+                <a:latin typeface="Monaco" charset="0"/>
+                <a:ea typeface="Monaco" charset="0"/>
+                <a:cs typeface="Monaco" charset="0"/>
+              </a:rPr>
+              <a:t>t174</a:t>
+            </a:r>
+            <a:r>
+              <a:rPr lang="is-IS" b="1" dirty="0">
+                <a:latin typeface="Monaco" charset="0"/>
+                <a:ea typeface="Monaco" charset="0"/>
+                <a:cs typeface="Monaco" charset="0"/>
+              </a:rPr>
+              <a:t> </a:t>
+            </a:r>
+            <a:r>
+              <a:rPr lang="is-IS" b="1" dirty="0" smtClean="0">
+                <a:latin typeface="Monaco" charset="0"/>
+                <a:ea typeface="Monaco" charset="0"/>
+                <a:cs typeface="Monaco" charset="0"/>
+              </a:rPr>
+              <a:t>t201</a:t>
+            </a:r>
+            <a:r>
+              <a:rPr lang="is-IS" b="1" dirty="0">
+                <a:latin typeface="Monaco" charset="0"/>
+                <a:ea typeface="Monaco" charset="0"/>
+                <a:cs typeface="Monaco" charset="0"/>
+              </a:rPr>
+              <a:t> </a:t>
+            </a:r>
+            <a:r>
+              <a:rPr lang="is-IS" b="1" dirty="0" smtClean="0">
+                <a:latin typeface="Monaco" charset="0"/>
+                <a:ea typeface="Monaco" charset="0"/>
+                <a:cs typeface="Monaco" charset="0"/>
+              </a:rPr>
+              <a:t>t227</a:t>
+            </a:r>
+            <a:r>
+              <a:rPr lang="is-IS" b="1" dirty="0">
+                <a:latin typeface="Monaco" charset="0"/>
+                <a:ea typeface="Monaco" charset="0"/>
+                <a:cs typeface="Monaco" charset="0"/>
+              </a:rPr>
+              <a:t> </a:t>
+            </a:r>
+            <a:r>
+              <a:rPr lang="is-IS" b="1" dirty="0" smtClean="0">
+                <a:latin typeface="Monaco" charset="0"/>
+                <a:ea typeface="Monaco" charset="0"/>
+                <a:cs typeface="Monaco" charset="0"/>
+              </a:rPr>
+              <a:t>t258</a:t>
+            </a:r>
+          </a:p>
+          <a:p>
+            <a:pPr lvl="1"/>
+            <a:r>
+              <a:rPr lang="is-IS" dirty="0" smtClean="0">
+                <a:latin typeface="Monaco" charset="0"/>
+                <a:ea typeface="Monaco" charset="0"/>
+                <a:cs typeface="Monaco" charset="0"/>
+              </a:rPr>
+              <a:t>1 </a:t>
+            </a:r>
+            <a:r>
+              <a:rPr lang="is-IS" dirty="0">
+                <a:latin typeface="Monaco" charset="0"/>
+                <a:ea typeface="Monaco" charset="0"/>
+                <a:cs typeface="Monaco" charset="0"/>
+              </a:rPr>
+              <a:t>  ozone </a:t>
+            </a:r>
+            <a:r>
+              <a:rPr lang="is-IS" dirty="0" smtClean="0">
+                <a:latin typeface="Monaco" charset="0"/>
+                <a:ea typeface="Monaco" charset="0"/>
+                <a:cs typeface="Monaco" charset="0"/>
+              </a:rPr>
+              <a:t>  4.51 </a:t>
+            </a:r>
+            <a:r>
+              <a:rPr lang="is-IS" dirty="0">
+                <a:latin typeface="Monaco" charset="0"/>
+                <a:ea typeface="Monaco" charset="0"/>
+                <a:cs typeface="Monaco" charset="0"/>
+              </a:rPr>
+              <a:t>4.98 5.41 5.90 6.15</a:t>
+            </a:r>
+          </a:p>
+          <a:p>
+            <a:pPr lvl="1"/>
+            <a:r>
+              <a:rPr lang="is-IS" dirty="0" smtClean="0">
+                <a:latin typeface="Monaco" charset="0"/>
+                <a:ea typeface="Monaco" charset="0"/>
+                <a:cs typeface="Monaco" charset="0"/>
+              </a:rPr>
+              <a:t>2 </a:t>
+            </a:r>
+            <a:r>
+              <a:rPr lang="is-IS" dirty="0">
+                <a:latin typeface="Monaco" charset="0"/>
+                <a:ea typeface="Monaco" charset="0"/>
+                <a:cs typeface="Monaco" charset="0"/>
+              </a:rPr>
+              <a:t>  ozone </a:t>
+            </a:r>
+            <a:r>
+              <a:rPr lang="is-IS" dirty="0" smtClean="0">
+                <a:latin typeface="Monaco" charset="0"/>
+                <a:ea typeface="Monaco" charset="0"/>
+                <a:cs typeface="Monaco" charset="0"/>
+              </a:rPr>
+              <a:t>  4.24 </a:t>
+            </a:r>
+            <a:r>
+              <a:rPr lang="is-IS" dirty="0">
+                <a:latin typeface="Monaco" charset="0"/>
+                <a:ea typeface="Monaco" charset="0"/>
+                <a:cs typeface="Monaco" charset="0"/>
+              </a:rPr>
+              <a:t>4.20 4.68 4.92 4.96</a:t>
+            </a:r>
+          </a:p>
+          <a:p>
+            <a:pPr lvl="1"/>
+            <a:r>
+              <a:rPr lang="is-IS" dirty="0" smtClean="0">
+                <a:latin typeface="Monaco" charset="0"/>
+                <a:ea typeface="Monaco" charset="0"/>
+                <a:cs typeface="Monaco" charset="0"/>
+              </a:rPr>
+              <a:t>3 </a:t>
+            </a:r>
+            <a:r>
+              <a:rPr lang="is-IS" dirty="0">
+                <a:latin typeface="Monaco" charset="0"/>
+                <a:ea typeface="Monaco" charset="0"/>
+                <a:cs typeface="Monaco" charset="0"/>
+              </a:rPr>
+              <a:t>  </a:t>
+            </a:r>
+            <a:r>
+              <a:rPr lang="is-IS" dirty="0" smtClean="0">
+                <a:latin typeface="Monaco" charset="0"/>
+                <a:ea typeface="Monaco" charset="0"/>
+                <a:cs typeface="Monaco" charset="0"/>
+              </a:rPr>
+              <a:t>ozone   3.98 </a:t>
+            </a:r>
+            <a:r>
+              <a:rPr lang="is-IS" dirty="0">
+                <a:latin typeface="Monaco" charset="0"/>
+                <a:ea typeface="Monaco" charset="0"/>
+                <a:cs typeface="Monaco" charset="0"/>
+              </a:rPr>
+              <a:t>4.36 4.79 4.99 </a:t>
+            </a:r>
+            <a:r>
+              <a:rPr lang="is-IS" dirty="0" smtClean="0">
+                <a:latin typeface="Monaco" charset="0"/>
+                <a:ea typeface="Monaco" charset="0"/>
+                <a:cs typeface="Monaco" charset="0"/>
+              </a:rPr>
+              <a:t>5.03</a:t>
+            </a:r>
+            <a:endParaRPr lang="is-IS" dirty="0">
+              <a:latin typeface="Monaco" charset="0"/>
+              <a:ea typeface="Monaco" charset="0"/>
+              <a:cs typeface="Monaco" charset="0"/>
+            </a:endParaRPr>
+          </a:p>
+        </p:txBody>
+      </p:sp>
+      <p:sp>
+        <p:nvSpPr>
+          <p:cNvPr id="16" name="Rectangle 15"/>
+          <p:cNvSpPr/>
+          <p:nvPr/>
+        </p:nvSpPr>
+        <p:spPr>
+          <a:xfrm>
+            <a:off x="8203958" y="3043492"/>
+            <a:ext cx="3435928" cy="334610"/>
+          </a:xfrm>
+          <a:prstGeom prst="rect">
+            <a:avLst/>
+          </a:prstGeom>
+          <a:noFill/>
+          <a:ln w="38100">
+            <a:solidFill>
+              <a:schemeClr val="accent1"/>
+            </a:solidFill>
+          </a:ln>
+        </p:spPr>
+        <p:style>
+          <a:lnRef idx="2">
+            <a:schemeClr val="accent1">
+              <a:shade val="50000"/>
+            </a:schemeClr>
+          </a:lnRef>
+          <a:fillRef idx="1">
+            <a:schemeClr val="accent1"/>
+          </a:fillRef>
+          <a:effectRef idx="0">
+            <a:schemeClr val="accent1"/>
+          </a:effectRef>
+          <a:fontRef idx="minor">
+            <a:schemeClr val="lt1"/>
+          </a:fontRef>
+        </p:style>
+        <p:txBody>
+          <a:bodyPr rtlCol="0" anchor="ctr"/>
+          <a:lstStyle/>
+          <a:p>
+            <a:pPr algn="ctr"/>
+            <a:endParaRPr lang="en-US"/>
+          </a:p>
+        </p:txBody>
+      </p:sp>
+    </p:spTree>
+    <p:extLst>
+      <p:ext uri="{BB962C8B-B14F-4D97-AF65-F5344CB8AC3E}">
+        <p14:creationId xmlns:p14="http://schemas.microsoft.com/office/powerpoint/2010/main" val="833058136"/>
+      </p:ext>
+    </p:extLst>
+  </p:cSld>
+  <p:clrMapOvr>
+    <a:masterClrMapping/>
+  </p:clrMapOvr>
+  <p:timing>
+    <p:tnLst>
+      <p:par>
+        <p:cTn id="1" dur="indefinite" restart="never" nodeType="tmRoot">
+          <p:childTnLst>
+            <p:seq concurrent="1" nextAc="seek">
+              <p:cTn id="2" dur="indefinite" nodeType="mainSeq">
+                <p:childTnLst>
+                  <p:par>
+                    <p:cTn id="3" fill="hold">
+                      <p:stCondLst>
+                        <p:cond delay="indefinite"/>
+                      </p:stCondLst>
+                      <p:childTnLst>
+                        <p:par>
+                          <p:cTn id="4" fill="hold">
+                            <p:stCondLst>
+                              <p:cond delay="0"/>
+                            </p:stCondLst>
+                            <p:childTnLst>
+                              <p:par>
+                                <p:cTn id="5" presetID="1" presetClass="entr" presetSubtype="0" fill="hold" grpId="0" nodeType="clickEffect">
+                                  <p:stCondLst>
+                                    <p:cond delay="0"/>
+                                  </p:stCondLst>
+                                  <p:childTnLst>
+                                    <p:set>
+                                      <p:cBhvr>
+                                        <p:cTn id="6" dur="1" fill="hold">
+                                          <p:stCondLst>
+                                            <p:cond delay="0"/>
+                                          </p:stCondLst>
+                                        </p:cTn>
+                                        <p:tgtEl>
+                                          <p:spTgt spid="6"/>
+                                        </p:tgtEl>
+                                        <p:attrNameLst>
+                                          <p:attrName>style.visibility</p:attrName>
+                                        </p:attrNameLst>
+                                      </p:cBhvr>
+                                      <p:to>
+                                        <p:strVal val="visible"/>
+                                      </p:to>
+                                    </p:set>
+                                  </p:childTnLst>
+                                </p:cTn>
+                              </p:par>
+                            </p:childTnLst>
+                          </p:cTn>
+                        </p:par>
+                      </p:childTnLst>
+                    </p:cTn>
+                  </p:par>
+                  <p:par>
+                    <p:cTn id="7" fill="hold">
+                      <p:stCondLst>
+                        <p:cond delay="indefinite"/>
+                      </p:stCondLst>
+                      <p:childTnLst>
+                        <p:par>
+                          <p:cTn id="8" fill="hold">
+                            <p:stCondLst>
+                              <p:cond delay="0"/>
+                            </p:stCondLst>
+                            <p:childTnLst>
+                              <p:par>
+                                <p:cTn id="9" presetID="1" presetClass="entr" presetSubtype="0" fill="hold" grpId="0" nodeType="clickEffect">
+                                  <p:stCondLst>
+                                    <p:cond delay="0"/>
+                                  </p:stCondLst>
+                                  <p:childTnLst>
+                                    <p:set>
+                                      <p:cBhvr>
+                                        <p:cTn id="10" dur="1" fill="hold">
+                                          <p:stCondLst>
+                                            <p:cond delay="0"/>
+                                          </p:stCondLst>
+                                        </p:cTn>
+                                        <p:tgtEl>
+                                          <p:spTgt spid="7"/>
+                                        </p:tgtEl>
+                                        <p:attrNameLst>
+                                          <p:attrName>style.visibility</p:attrName>
+                                        </p:attrNameLst>
+                                      </p:cBhvr>
+                                      <p:to>
+                                        <p:strVal val="visible"/>
+                                      </p:to>
+                                    </p:set>
+                                  </p:childTnLst>
+                                </p:cTn>
+                              </p:par>
+                              <p:par>
+                                <p:cTn id="11" presetID="1" presetClass="entr" presetSubtype="0" fill="hold" grpId="0" nodeType="withEffect">
+                                  <p:stCondLst>
+                                    <p:cond delay="0"/>
+                                  </p:stCondLst>
+                                  <p:childTnLst>
+                                    <p:set>
+                                      <p:cBhvr>
+                                        <p:cTn id="12" dur="1" fill="hold">
+                                          <p:stCondLst>
+                                            <p:cond delay="0"/>
+                                          </p:stCondLst>
+                                        </p:cTn>
+                                        <p:tgtEl>
+                                          <p:spTgt spid="8"/>
+                                        </p:tgtEl>
+                                        <p:attrNameLst>
+                                          <p:attrName>style.visibility</p:attrName>
+                                        </p:attrNameLst>
+                                      </p:cBhvr>
+                                      <p:to>
+                                        <p:strVal val="visible"/>
+                                      </p:to>
+                                    </p:set>
+                                  </p:childTnLst>
+                                </p:cTn>
+                              </p:par>
+                              <p:par>
+                                <p:cTn id="13" presetID="1" presetClass="entr" presetSubtype="0" fill="hold" grpId="0" nodeType="withEffect">
+                                  <p:stCondLst>
+                                    <p:cond delay="0"/>
+                                  </p:stCondLst>
+                                  <p:childTnLst>
+                                    <p:set>
+                                      <p:cBhvr>
+                                        <p:cTn id="14" dur="1" fill="hold">
+                                          <p:stCondLst>
+                                            <p:cond delay="0"/>
+                                          </p:stCondLst>
+                                        </p:cTn>
+                                        <p:tgtEl>
+                                          <p:spTgt spid="9"/>
+                                        </p:tgtEl>
+                                        <p:attrNameLst>
+                                          <p:attrName>style.visibility</p:attrName>
+                                        </p:attrNameLst>
+                                      </p:cBhvr>
+                                      <p:to>
+                                        <p:strVal val="visible"/>
+                                      </p:to>
+                                    </p:set>
+                                  </p:childTnLst>
+                                </p:cTn>
+                              </p:par>
+                            </p:childTnLst>
+                          </p:cTn>
+                        </p:par>
+                      </p:childTnLst>
+                    </p:cTn>
+                  </p:par>
+                  <p:par>
+                    <p:cTn id="15" fill="hold">
+                      <p:stCondLst>
+                        <p:cond delay="indefinite"/>
+                      </p:stCondLst>
+                      <p:childTnLst>
+                        <p:par>
+                          <p:cTn id="16" fill="hold">
+                            <p:stCondLst>
+                              <p:cond delay="0"/>
+                            </p:stCondLst>
+                            <p:childTnLst>
+                              <p:par>
+                                <p:cTn id="17" presetID="1" presetClass="entr" presetSubtype="0" fill="hold" grpId="0" nodeType="clickEffect">
+                                  <p:stCondLst>
+                                    <p:cond delay="0"/>
+                                  </p:stCondLst>
+                                  <p:childTnLst>
+                                    <p:set>
+                                      <p:cBhvr>
+                                        <p:cTn id="18" dur="1" fill="hold">
+                                          <p:stCondLst>
+                                            <p:cond delay="0"/>
+                                          </p:stCondLst>
+                                        </p:cTn>
+                                        <p:tgtEl>
+                                          <p:spTgt spid="12"/>
+                                        </p:tgtEl>
+                                        <p:attrNameLst>
+                                          <p:attrName>style.visibility</p:attrName>
+                                        </p:attrNameLst>
+                                      </p:cBhvr>
+                                      <p:to>
+                                        <p:strVal val="visible"/>
+                                      </p:to>
+                                    </p:set>
+                                  </p:childTnLst>
+                                </p:cTn>
+                              </p:par>
+                            </p:childTnLst>
+                          </p:cTn>
+                        </p:par>
+                      </p:childTnLst>
+                    </p:cTn>
+                  </p:par>
+                  <p:par>
+                    <p:cTn id="19" fill="hold">
+                      <p:stCondLst>
+                        <p:cond delay="indefinite"/>
+                      </p:stCondLst>
+                      <p:childTnLst>
+                        <p:par>
+                          <p:cTn id="20" fill="hold">
+                            <p:stCondLst>
+                              <p:cond delay="0"/>
+                            </p:stCondLst>
+                            <p:childTnLst>
+                              <p:par>
+                                <p:cTn id="21" presetID="1" presetClass="entr" presetSubtype="0" fill="hold" grpId="0" nodeType="clickEffect">
+                                  <p:stCondLst>
+                                    <p:cond delay="0"/>
+                                  </p:stCondLst>
+                                  <p:childTnLst>
+                                    <p:set>
+                                      <p:cBhvr>
+                                        <p:cTn id="22" dur="1" fill="hold">
+                                          <p:stCondLst>
+                                            <p:cond delay="0"/>
+                                          </p:stCondLst>
+                                        </p:cTn>
+                                        <p:tgtEl>
+                                          <p:spTgt spid="16"/>
+                                        </p:tgtEl>
+                                        <p:attrNameLst>
+                                          <p:attrName>style.visibility</p:attrName>
+                                        </p:attrNameLst>
+                                      </p:cBhvr>
+                                      <p:to>
+                                        <p:strVal val="visible"/>
+                                      </p:to>
+                                    </p:set>
+                                  </p:childTnLst>
+                                </p:cTn>
+                              </p:par>
+                            </p:childTnLst>
+                          </p:cTn>
+                        </p:par>
+                      </p:childTnLst>
+                    </p:cTn>
+                  </p:par>
+                </p:childTnLst>
+              </p:cTn>
+              <p:prevCondLst>
+                <p:cond evt="onPrev" delay="0">
+                  <p:tgtEl>
+                    <p:sldTgt/>
+                  </p:tgtEl>
+                </p:cond>
+              </p:prevCondLst>
+              <p:nextCondLst>
+                <p:cond evt="onNext" delay="0">
+                  <p:tgtEl>
+                    <p:sldTgt/>
+                  </p:tgtEl>
+                </p:cond>
+              </p:nextCondLst>
+            </p:seq>
+          </p:childTnLst>
+        </p:cTn>
+      </p:par>
+    </p:tnLst>
+    <p:bldLst>
+      <p:bldP spid="6" grpId="0"/>
+      <p:bldP spid="7" grpId="0"/>
+      <p:bldP spid="8" grpId="0" animBg="1"/>
+      <p:bldP spid="9" grpId="0" animBg="1"/>
+      <p:bldP spid="12" grpId="0" animBg="1"/>
+      <p:bldP spid="16" grpId="0" animBg="1"/>
+    </p:bldLst>
+  </p:timing>
+</p:sld>
+</file>
+
+<file path=ppt/slides/slide29.xml><?xml version="1.0" encoding="utf-8"?>
+<p:sld xmlns:a="http://schemas.openxmlformats.org/drawingml/2006/main" xmlns:r="http://schemas.openxmlformats.org/officeDocument/2006/relationships" xmlns:p="http://schemas.openxmlformats.org/presentationml/2006/main">
+  <p:cSld>
+    <p:spTree>
+      <p:nvGrpSpPr>
+        <p:cNvPr id="1" name=""/>
+        <p:cNvGrpSpPr/>
+        <p:nvPr/>
+      </p:nvGrpSpPr>
+      <p:grpSpPr>
+        <a:xfrm>
+          <a:off x="0" y="0"/>
+          <a:ext cx="0" cy="0"/>
+          <a:chOff x="0" y="0"/>
+          <a:chExt cx="0" cy="0"/>
+        </a:xfrm>
+      </p:grpSpPr>
+      <p:sp>
+        <p:nvSpPr>
+          <p:cNvPr id="2" name="Title 1"/>
+          <p:cNvSpPr>
+            <a:spLocks noGrp="1"/>
+          </p:cNvSpPr>
+          <p:nvPr>
+            <p:ph type="title"/>
+          </p:nvPr>
+        </p:nvSpPr>
+        <p:spPr/>
+        <p:txBody>
+          <a:bodyPr/>
+          <a:lstStyle/>
+          <a:p>
+            <a:r>
+              <a:rPr lang="en-US" dirty="0" smtClean="0">
+                <a:latin typeface="Monaco" charset="0"/>
+                <a:ea typeface="Monaco" charset="0"/>
+                <a:cs typeface="Monaco" charset="0"/>
+              </a:rPr>
+              <a:t>separate() </a:t>
+            </a:r>
+            <a:r>
+              <a:rPr lang="en-US" dirty="0" smtClean="0"/>
+              <a:t>separates columns</a:t>
+            </a:r>
+            <a:endParaRPr lang="en-US" dirty="0"/>
+          </a:p>
+        </p:txBody>
+      </p:sp>
+      <p:sp>
+        <p:nvSpPr>
+          <p:cNvPr id="4" name="TextBox 3"/>
+          <p:cNvSpPr txBox="1"/>
+          <p:nvPr/>
+        </p:nvSpPr>
+        <p:spPr>
+          <a:xfrm>
+            <a:off x="107817" y="2208236"/>
+            <a:ext cx="6813665" cy="2308324"/>
+          </a:xfrm>
+          <a:prstGeom prst="rect">
+            <a:avLst/>
+          </a:prstGeom>
+          <a:noFill/>
+        </p:spPr>
+        <p:txBody>
+          <a:bodyPr wrap="square" rtlCol="0">
+            <a:spAutoFit/>
+          </a:bodyPr>
+          <a:lstStyle/>
+          <a:p>
+            <a:pPr lvl="1"/>
+            <a:r>
+              <a:rPr lang="is-IS" b="1" dirty="0" smtClean="0">
+                <a:latin typeface="Monaco" charset="0"/>
+                <a:ea typeface="Monaco" charset="0"/>
+                <a:cs typeface="Monaco" charset="0"/>
+              </a:rPr>
+              <a:t>tree treat</a:t>
+            </a:r>
+            <a:r>
+              <a:rPr lang="is-IS" b="1" dirty="0">
+                <a:latin typeface="Monaco" charset="0"/>
+                <a:ea typeface="Monaco" charset="0"/>
+                <a:cs typeface="Monaco" charset="0"/>
+              </a:rPr>
+              <a:t>  </a:t>
+            </a:r>
+            <a:r>
+              <a:rPr lang="is-IS" b="1" dirty="0" smtClean="0">
+                <a:latin typeface="Monaco" charset="0"/>
+                <a:ea typeface="Monaco" charset="0"/>
+                <a:cs typeface="Monaco" charset="0"/>
+              </a:rPr>
+              <a:t>time</a:t>
+            </a:r>
+            <a:r>
+              <a:rPr lang="is-IS" b="1" dirty="0">
+                <a:latin typeface="Monaco" charset="0"/>
+                <a:ea typeface="Monaco" charset="0"/>
+                <a:cs typeface="Monaco" charset="0"/>
+              </a:rPr>
+              <a:t> </a:t>
+            </a:r>
+            <a:r>
+              <a:rPr lang="is-IS" b="1" dirty="0" smtClean="0">
+                <a:latin typeface="Monaco" charset="0"/>
+                <a:ea typeface="Monaco" charset="0"/>
+                <a:cs typeface="Monaco" charset="0"/>
+              </a:rPr>
+              <a:t>  measure</a:t>
+            </a:r>
+            <a:r>
+              <a:rPr lang="is-IS" b="1" dirty="0">
+                <a:latin typeface="Monaco" charset="0"/>
+                <a:ea typeface="Monaco" charset="0"/>
+                <a:cs typeface="Monaco" charset="0"/>
+              </a:rPr>
+              <a:t> </a:t>
+            </a:r>
+            <a:endParaRPr lang="is-IS" b="1" dirty="0" smtClean="0">
+              <a:latin typeface="Monaco" charset="0"/>
+              <a:ea typeface="Monaco" charset="0"/>
+              <a:cs typeface="Monaco" charset="0"/>
+            </a:endParaRPr>
+          </a:p>
+          <a:p>
+            <a:pPr lvl="1"/>
+            <a:r>
+              <a:rPr lang="is-IS" dirty="0" smtClean="0">
+                <a:latin typeface="Monaco" charset="0"/>
+                <a:ea typeface="Monaco" charset="0"/>
+                <a:cs typeface="Monaco" charset="0"/>
+              </a:rPr>
+              <a:t>1 </a:t>
+            </a:r>
+            <a:r>
+              <a:rPr lang="is-IS" dirty="0">
+                <a:latin typeface="Monaco" charset="0"/>
+                <a:ea typeface="Monaco" charset="0"/>
+                <a:cs typeface="Monaco" charset="0"/>
+              </a:rPr>
+              <a:t>  ozone </a:t>
+            </a:r>
+            <a:r>
+              <a:rPr lang="is-IS" dirty="0" smtClean="0">
+                <a:latin typeface="Monaco" charset="0"/>
+                <a:ea typeface="Monaco" charset="0"/>
+                <a:cs typeface="Monaco" charset="0"/>
+              </a:rPr>
+              <a:t>  t152   4.51</a:t>
+            </a:r>
+          </a:p>
+          <a:p>
+            <a:pPr lvl="1"/>
+            <a:r>
+              <a:rPr lang="is-IS" dirty="0">
+                <a:latin typeface="Monaco" charset="0"/>
+                <a:ea typeface="Monaco" charset="0"/>
+                <a:cs typeface="Monaco" charset="0"/>
+              </a:rPr>
+              <a:t>1</a:t>
+            </a:r>
+            <a:r>
+              <a:rPr lang="is-IS" dirty="0" smtClean="0">
+                <a:latin typeface="Monaco" charset="0"/>
+                <a:ea typeface="Monaco" charset="0"/>
+                <a:cs typeface="Monaco" charset="0"/>
+              </a:rPr>
+              <a:t>   ozone   t174   4.98</a:t>
+            </a:r>
+          </a:p>
+          <a:p>
+            <a:pPr lvl="1"/>
+            <a:r>
+              <a:rPr lang="is-IS" dirty="0">
+                <a:latin typeface="Monaco" charset="0"/>
+                <a:ea typeface="Monaco" charset="0"/>
+                <a:cs typeface="Monaco" charset="0"/>
+              </a:rPr>
+              <a:t>1</a:t>
+            </a:r>
+            <a:r>
+              <a:rPr lang="is-IS" dirty="0" smtClean="0">
+                <a:latin typeface="Monaco" charset="0"/>
+                <a:ea typeface="Monaco" charset="0"/>
+                <a:cs typeface="Monaco" charset="0"/>
+              </a:rPr>
+              <a:t>   ozone   t201   5.41</a:t>
+            </a:r>
+          </a:p>
+          <a:p>
+            <a:pPr lvl="1"/>
+            <a:r>
+              <a:rPr lang="is-IS" dirty="0" smtClean="0">
+                <a:latin typeface="Monaco" charset="0"/>
+                <a:ea typeface="Monaco" charset="0"/>
+                <a:cs typeface="Monaco" charset="0"/>
+              </a:rPr>
+              <a:t>1   ozone   t227   5.90</a:t>
+            </a:r>
+          </a:p>
+          <a:p>
+            <a:pPr lvl="1"/>
+            <a:r>
+              <a:rPr lang="is-IS" dirty="0" smtClean="0">
+                <a:latin typeface="Monaco" charset="0"/>
+                <a:ea typeface="Monaco" charset="0"/>
+                <a:cs typeface="Monaco" charset="0"/>
+              </a:rPr>
+              <a:t>1   ozone   t258   6.15</a:t>
+            </a:r>
+          </a:p>
+          <a:p>
+            <a:pPr lvl="1"/>
+            <a:r>
+              <a:rPr lang="is-IS" dirty="0" smtClean="0">
+                <a:latin typeface="Monaco" charset="0"/>
+                <a:ea typeface="Monaco" charset="0"/>
+                <a:cs typeface="Monaco" charset="0"/>
+              </a:rPr>
+              <a:t>...</a:t>
+            </a:r>
+            <a:endParaRPr lang="is-IS" dirty="0" smtClean="0">
+              <a:latin typeface="Monaco" charset="0"/>
+              <a:ea typeface="Monaco" charset="0"/>
+              <a:cs typeface="Monaco" charset="0"/>
+            </a:endParaRPr>
+          </a:p>
+          <a:p>
+            <a:pPr lvl="1"/>
+            <a:endParaRPr lang="is-IS" dirty="0">
+              <a:latin typeface="Monaco" charset="0"/>
+              <a:ea typeface="Monaco" charset="0"/>
+              <a:cs typeface="Monaco" charset="0"/>
+            </a:endParaRPr>
+          </a:p>
+        </p:txBody>
+      </p:sp>
+      <p:sp>
+        <p:nvSpPr>
+          <p:cNvPr id="5" name="TextBox 4"/>
+          <p:cNvSpPr txBox="1"/>
+          <p:nvPr/>
+        </p:nvSpPr>
+        <p:spPr>
+          <a:xfrm>
+            <a:off x="5692513" y="2392901"/>
+            <a:ext cx="5893071" cy="1200329"/>
+          </a:xfrm>
+          <a:prstGeom prst="rect">
+            <a:avLst/>
+          </a:prstGeom>
+          <a:noFill/>
+        </p:spPr>
+        <p:txBody>
+          <a:bodyPr wrap="square" rtlCol="0">
+            <a:spAutoFit/>
+          </a:bodyPr>
+          <a:lstStyle/>
+          <a:p>
+            <a:pPr lvl="1"/>
+            <a:r>
+              <a:rPr lang="is-IS" b="1" dirty="0" smtClean="0">
+                <a:latin typeface="Monaco" charset="0"/>
+                <a:ea typeface="Monaco" charset="0"/>
+                <a:cs typeface="Monaco" charset="0"/>
+              </a:rPr>
+              <a:t>tree treat</a:t>
+            </a:r>
+            <a:r>
+              <a:rPr lang="is-IS" b="1" dirty="0">
+                <a:latin typeface="Monaco" charset="0"/>
+                <a:ea typeface="Monaco" charset="0"/>
+                <a:cs typeface="Monaco" charset="0"/>
+              </a:rPr>
+              <a:t>  </a:t>
+            </a:r>
+            <a:r>
+              <a:rPr lang="is-IS" b="1" dirty="0" smtClean="0">
+                <a:latin typeface="Monaco" charset="0"/>
+                <a:ea typeface="Monaco" charset="0"/>
+                <a:cs typeface="Monaco" charset="0"/>
+              </a:rPr>
+              <a:t>t152</a:t>
+            </a:r>
+            <a:r>
+              <a:rPr lang="is-IS" b="1" dirty="0">
+                <a:latin typeface="Monaco" charset="0"/>
+                <a:ea typeface="Monaco" charset="0"/>
+                <a:cs typeface="Monaco" charset="0"/>
+              </a:rPr>
+              <a:t> </a:t>
+            </a:r>
+            <a:r>
+              <a:rPr lang="is-IS" b="1" dirty="0" smtClean="0">
+                <a:latin typeface="Monaco" charset="0"/>
+                <a:ea typeface="Monaco" charset="0"/>
+                <a:cs typeface="Monaco" charset="0"/>
+              </a:rPr>
+              <a:t>t174</a:t>
+            </a:r>
+            <a:r>
+              <a:rPr lang="is-IS" b="1" dirty="0">
+                <a:latin typeface="Monaco" charset="0"/>
+                <a:ea typeface="Monaco" charset="0"/>
+                <a:cs typeface="Monaco" charset="0"/>
+              </a:rPr>
+              <a:t> </a:t>
+            </a:r>
+            <a:r>
+              <a:rPr lang="is-IS" b="1" dirty="0" smtClean="0">
+                <a:latin typeface="Monaco" charset="0"/>
+                <a:ea typeface="Monaco" charset="0"/>
+                <a:cs typeface="Monaco" charset="0"/>
+              </a:rPr>
+              <a:t>t201</a:t>
+            </a:r>
+            <a:r>
+              <a:rPr lang="is-IS" b="1" dirty="0">
+                <a:latin typeface="Monaco" charset="0"/>
+                <a:ea typeface="Monaco" charset="0"/>
+                <a:cs typeface="Monaco" charset="0"/>
+              </a:rPr>
+              <a:t> </a:t>
+            </a:r>
+            <a:r>
+              <a:rPr lang="is-IS" b="1" dirty="0" smtClean="0">
+                <a:latin typeface="Monaco" charset="0"/>
+                <a:ea typeface="Monaco" charset="0"/>
+                <a:cs typeface="Monaco" charset="0"/>
+              </a:rPr>
+              <a:t>t227</a:t>
+            </a:r>
+            <a:r>
+              <a:rPr lang="is-IS" b="1" dirty="0">
+                <a:latin typeface="Monaco" charset="0"/>
+                <a:ea typeface="Monaco" charset="0"/>
+                <a:cs typeface="Monaco" charset="0"/>
+              </a:rPr>
+              <a:t> </a:t>
+            </a:r>
+            <a:r>
+              <a:rPr lang="is-IS" b="1" dirty="0" smtClean="0">
+                <a:latin typeface="Monaco" charset="0"/>
+                <a:ea typeface="Monaco" charset="0"/>
+                <a:cs typeface="Monaco" charset="0"/>
+              </a:rPr>
+              <a:t>t258</a:t>
+            </a:r>
+          </a:p>
+          <a:p>
+            <a:pPr lvl="1"/>
+            <a:r>
+              <a:rPr lang="is-IS" dirty="0" smtClean="0">
+                <a:latin typeface="Monaco" charset="0"/>
+                <a:ea typeface="Monaco" charset="0"/>
+                <a:cs typeface="Monaco" charset="0"/>
+              </a:rPr>
+              <a:t>1 </a:t>
+            </a:r>
+            <a:r>
+              <a:rPr lang="is-IS" dirty="0">
+                <a:latin typeface="Monaco" charset="0"/>
+                <a:ea typeface="Monaco" charset="0"/>
+                <a:cs typeface="Monaco" charset="0"/>
+              </a:rPr>
+              <a:t>  ozone </a:t>
+            </a:r>
+            <a:r>
+              <a:rPr lang="is-IS" dirty="0" smtClean="0">
+                <a:latin typeface="Monaco" charset="0"/>
+                <a:ea typeface="Monaco" charset="0"/>
+                <a:cs typeface="Monaco" charset="0"/>
+              </a:rPr>
+              <a:t>  4.51 </a:t>
+            </a:r>
+            <a:r>
+              <a:rPr lang="is-IS" dirty="0">
+                <a:latin typeface="Monaco" charset="0"/>
+                <a:ea typeface="Monaco" charset="0"/>
+                <a:cs typeface="Monaco" charset="0"/>
+              </a:rPr>
+              <a:t>4.98 5.41 5.90 6.15</a:t>
+            </a:r>
+          </a:p>
+          <a:p>
+            <a:pPr lvl="1"/>
+            <a:r>
+              <a:rPr lang="is-IS" dirty="0" smtClean="0">
+                <a:latin typeface="Monaco" charset="0"/>
+                <a:ea typeface="Monaco" charset="0"/>
+                <a:cs typeface="Monaco" charset="0"/>
+              </a:rPr>
+              <a:t>2 </a:t>
+            </a:r>
+            <a:r>
+              <a:rPr lang="is-IS" dirty="0">
+                <a:latin typeface="Monaco" charset="0"/>
+                <a:ea typeface="Monaco" charset="0"/>
+                <a:cs typeface="Monaco" charset="0"/>
+              </a:rPr>
+              <a:t>  ozone </a:t>
+            </a:r>
+            <a:r>
+              <a:rPr lang="is-IS" dirty="0" smtClean="0">
+                <a:latin typeface="Monaco" charset="0"/>
+                <a:ea typeface="Monaco" charset="0"/>
+                <a:cs typeface="Monaco" charset="0"/>
+              </a:rPr>
+              <a:t>  4.24 </a:t>
+            </a:r>
+            <a:r>
+              <a:rPr lang="is-IS" dirty="0">
+                <a:latin typeface="Monaco" charset="0"/>
+                <a:ea typeface="Monaco" charset="0"/>
+                <a:cs typeface="Monaco" charset="0"/>
+              </a:rPr>
+              <a:t>4.20 4.68 4.92 4.96</a:t>
+            </a:r>
+          </a:p>
+          <a:p>
+            <a:pPr lvl="1"/>
+            <a:r>
+              <a:rPr lang="is-IS" dirty="0" smtClean="0">
+                <a:latin typeface="Monaco" charset="0"/>
+                <a:ea typeface="Monaco" charset="0"/>
+                <a:cs typeface="Monaco" charset="0"/>
+              </a:rPr>
+              <a:t>3 </a:t>
+            </a:r>
+            <a:r>
+              <a:rPr lang="is-IS" dirty="0">
+                <a:latin typeface="Monaco" charset="0"/>
+                <a:ea typeface="Monaco" charset="0"/>
+                <a:cs typeface="Monaco" charset="0"/>
+              </a:rPr>
+              <a:t>  </a:t>
+            </a:r>
+            <a:r>
+              <a:rPr lang="is-IS" dirty="0" smtClean="0">
+                <a:latin typeface="Monaco" charset="0"/>
+                <a:ea typeface="Monaco" charset="0"/>
+                <a:cs typeface="Monaco" charset="0"/>
+              </a:rPr>
+              <a:t>ozone   3.98 </a:t>
+            </a:r>
+            <a:r>
+              <a:rPr lang="is-IS" dirty="0">
+                <a:latin typeface="Monaco" charset="0"/>
+                <a:ea typeface="Monaco" charset="0"/>
+                <a:cs typeface="Monaco" charset="0"/>
+              </a:rPr>
+              <a:t>4.36 4.79 4.99 </a:t>
+            </a:r>
+            <a:r>
+              <a:rPr lang="is-IS" dirty="0" smtClean="0">
+                <a:latin typeface="Monaco" charset="0"/>
+                <a:ea typeface="Monaco" charset="0"/>
+                <a:cs typeface="Monaco" charset="0"/>
+              </a:rPr>
+              <a:t>5.03</a:t>
+            </a:r>
+            <a:endParaRPr lang="is-IS" dirty="0">
+              <a:latin typeface="Monaco" charset="0"/>
+              <a:ea typeface="Monaco" charset="0"/>
+              <a:cs typeface="Monaco" charset="0"/>
+            </a:endParaRPr>
+          </a:p>
+        </p:txBody>
+      </p:sp>
+    </p:spTree>
+    <p:extLst>
+      <p:ext uri="{BB962C8B-B14F-4D97-AF65-F5344CB8AC3E}">
+        <p14:creationId xmlns:p14="http://schemas.microsoft.com/office/powerpoint/2010/main" val="1890351627"/>
+      </p:ext>
+    </p:extLst>
+  </p:cSld>
+  <p:clrMapOvr>
+    <a:masterClrMapping/>
+  </p:clrMapOvr>
+  <p:timing>
+    <p:tnLst>
+      <p:par>
+        <p:cTn id="1" dur="indefinite" restart="never" nodeType="tmRoot">
+          <p:childTnLst>
+            <p:seq concurrent="1" nextAc="seek">
+              <p:cTn id="2" dur="indefinite" nodeType="mainSeq">
+                <p:childTnLst>
+                  <p:par>
+                    <p:cTn id="3" fill="hold">
+                      <p:stCondLst>
+                        <p:cond delay="indefinite"/>
+                      </p:stCondLst>
+                      <p:childTnLst>
+                        <p:par>
+                          <p:cTn id="4" fill="hold">
+                            <p:stCondLst>
+                              <p:cond delay="0"/>
+                            </p:stCondLst>
+                            <p:childTnLst>
+                              <p:par>
+                                <p:cTn id="5" presetID="1" presetClass="entr" presetSubtype="0" fill="hold" grpId="0" nodeType="clickEffect">
+                                  <p:stCondLst>
+                                    <p:cond delay="0"/>
+                                  </p:stCondLst>
+                                  <p:childTnLst>
+                                    <p:set>
+                                      <p:cBhvr>
+                                        <p:cTn id="6" dur="1" fill="hold">
+                                          <p:stCondLst>
+                                            <p:cond delay="0"/>
+                                          </p:stCondLst>
+                                        </p:cTn>
+                                        <p:tgtEl>
+                                          <p:spTgt spid="4"/>
+                                        </p:tgtEl>
+                                        <p:attrNameLst>
+                                          <p:attrName>style.visibility</p:attrName>
+                                        </p:attrNameLst>
+                                      </p:cBhvr>
+                                      <p:to>
+                                        <p:strVal val="visible"/>
+                                      </p:to>
+                                    </p:set>
+                                  </p:childTnLst>
+                                </p:cTn>
+                              </p:par>
+                            </p:childTnLst>
+                          </p:cTn>
+                        </p:par>
+                      </p:childTnLst>
+                    </p:cTn>
+                  </p:par>
+                </p:childTnLst>
+              </p:cTn>
+              <p:prevCondLst>
+                <p:cond evt="onPrev" delay="0">
+                  <p:tgtEl>
+                    <p:sldTgt/>
+                  </p:tgtEl>
+                </p:cond>
+              </p:prevCondLst>
+              <p:nextCondLst>
+                <p:cond evt="onNext" delay="0">
+                  <p:tgtEl>
+                    <p:sldTgt/>
+                  </p:tgtEl>
+                </p:cond>
+              </p:nextCondLst>
+            </p:seq>
+          </p:childTnLst>
+        </p:cTn>
+      </p:par>
+    </p:tnLst>
+    <p:bldLst>
+      <p:bldP spid="4" grpId="0"/>
+    </p:bldLst>
+  </p:timing>
+</p:sld>
+</file>
+
+<file path=ppt/slides/slide3.xml><?xml version="1.0" encoding="utf-8"?>
+<p:sld xmlns:a="http://schemas.openxmlformats.org/drawingml/2006/main" xmlns:r="http://schemas.openxmlformats.org/officeDocument/2006/relationships" xmlns:p="http://schemas.openxmlformats.org/presentationml/2006/main">
+  <p:cSld>
+    <p:spTree>
+      <p:nvGrpSpPr>
+        <p:cNvPr id="1" name=""/>
+        <p:cNvGrpSpPr/>
+        <p:nvPr/>
+      </p:nvGrpSpPr>
+      <p:grpSpPr>
+        <a:xfrm>
+          <a:off x="0" y="0"/>
+          <a:ext cx="0" cy="0"/>
+          <a:chOff x="0" y="0"/>
+          <a:chExt cx="0" cy="0"/>
+        </a:xfrm>
+      </p:grpSpPr>
+      <p:sp>
+        <p:nvSpPr>
+          <p:cNvPr id="2" name="Title 1"/>
+          <p:cNvSpPr>
+            <a:spLocks noGrp="1"/>
+          </p:cNvSpPr>
+          <p:nvPr>
+            <p:ph type="title"/>
+          </p:nvPr>
+        </p:nvSpPr>
+        <p:spPr/>
+        <p:txBody>
+          <a:bodyPr/>
+          <a:lstStyle/>
+          <a:p>
+            <a:r>
+              <a:rPr lang="en-US" dirty="0" smtClean="0"/>
+              <a:t>Sample space</a:t>
+            </a:r>
+            <a:endParaRPr lang="en-US" dirty="0"/>
+          </a:p>
+        </p:txBody>
+      </p:sp>
+      <p:sp>
+        <p:nvSpPr>
+          <p:cNvPr id="3" name="Content Placeholder 2"/>
+          <p:cNvSpPr>
+            <a:spLocks noGrp="1"/>
+          </p:cNvSpPr>
+          <p:nvPr>
+            <p:ph idx="1"/>
+          </p:nvPr>
+        </p:nvSpPr>
+        <p:spPr/>
+        <p:txBody>
+          <a:bodyPr/>
+          <a:lstStyle/>
+          <a:p>
+            <a:endParaRPr lang="en-US"/>
+          </a:p>
+        </p:txBody>
+      </p:sp>
+    </p:spTree>
+    <p:extLst>
+      <p:ext uri="{BB962C8B-B14F-4D97-AF65-F5344CB8AC3E}">
+        <p14:creationId xmlns:p14="http://schemas.microsoft.com/office/powerpoint/2010/main" val="1231993469"/>
+      </p:ext>
+    </p:extLst>
+  </p:cSld>
+  <p:clrMapOvr>
+    <a:masterClrMapping/>
+  </p:clrMapOvr>
+</p:sld>
+</file>
+
+<file path=ppt/slides/slide30.xml><?xml version="1.0" encoding="utf-8"?>
+<p:sld xmlns:a="http://schemas.openxmlformats.org/drawingml/2006/main" xmlns:r="http://schemas.openxmlformats.org/officeDocument/2006/relationships" xmlns:p="http://schemas.openxmlformats.org/presentationml/2006/main">
+  <p:cSld>
+    <p:spTree>
+      <p:nvGrpSpPr>
+        <p:cNvPr id="1" name=""/>
+        <p:cNvGrpSpPr/>
+        <p:nvPr/>
+      </p:nvGrpSpPr>
+      <p:grpSpPr>
+        <a:xfrm>
+          <a:off x="0" y="0"/>
+          <a:ext cx="0" cy="0"/>
+          <a:chOff x="0" y="0"/>
+          <a:chExt cx="0" cy="0"/>
+        </a:xfrm>
+      </p:grpSpPr>
+      <p:sp>
+        <p:nvSpPr>
+          <p:cNvPr id="2" name="Title 1"/>
+          <p:cNvSpPr>
+            <a:spLocks noGrp="1"/>
+          </p:cNvSpPr>
+          <p:nvPr>
+            <p:ph type="title"/>
+          </p:nvPr>
+        </p:nvSpPr>
+        <p:spPr/>
+        <p:txBody>
+          <a:bodyPr/>
+          <a:lstStyle/>
+          <a:p>
+            <a:r>
+              <a:rPr lang="en-US" dirty="0" smtClean="0">
+                <a:latin typeface="Monaco" charset="0"/>
+                <a:ea typeface="Monaco" charset="0"/>
+                <a:cs typeface="Monaco" charset="0"/>
+              </a:rPr>
+              <a:t>unite() </a:t>
+            </a:r>
+            <a:r>
+              <a:rPr lang="mr-IN" dirty="0" smtClean="0"/>
+              <a:t>…</a:t>
+            </a:r>
+            <a:r>
+              <a:rPr lang="en-US" dirty="0" smtClean="0"/>
+              <a:t>unites columns</a:t>
+            </a:r>
+            <a:endParaRPr lang="en-US" dirty="0"/>
+          </a:p>
+        </p:txBody>
+      </p:sp>
+      <p:sp>
+        <p:nvSpPr>
+          <p:cNvPr id="4" name="TextBox 3"/>
+          <p:cNvSpPr txBox="1"/>
+          <p:nvPr/>
+        </p:nvSpPr>
+        <p:spPr>
+          <a:xfrm>
+            <a:off x="107817" y="2208236"/>
+            <a:ext cx="6813665" cy="2308324"/>
+          </a:xfrm>
+          <a:prstGeom prst="rect">
+            <a:avLst/>
+          </a:prstGeom>
+          <a:noFill/>
+        </p:spPr>
+        <p:txBody>
+          <a:bodyPr wrap="square" rtlCol="0">
+            <a:spAutoFit/>
+          </a:bodyPr>
+          <a:lstStyle/>
+          <a:p>
+            <a:pPr lvl="1"/>
+            <a:r>
+              <a:rPr lang="is-IS" b="1" dirty="0" smtClean="0">
+                <a:latin typeface="Monaco" charset="0"/>
+                <a:ea typeface="Monaco" charset="0"/>
+                <a:cs typeface="Monaco" charset="0"/>
+              </a:rPr>
+              <a:t>tree treat</a:t>
+            </a:r>
+            <a:r>
+              <a:rPr lang="is-IS" b="1" dirty="0">
+                <a:latin typeface="Monaco" charset="0"/>
+                <a:ea typeface="Monaco" charset="0"/>
+                <a:cs typeface="Monaco" charset="0"/>
+              </a:rPr>
+              <a:t>  </a:t>
+            </a:r>
+            <a:r>
+              <a:rPr lang="is-IS" b="1" dirty="0" smtClean="0">
+                <a:latin typeface="Monaco" charset="0"/>
+                <a:ea typeface="Monaco" charset="0"/>
+                <a:cs typeface="Monaco" charset="0"/>
+              </a:rPr>
+              <a:t>time</a:t>
+            </a:r>
+            <a:r>
+              <a:rPr lang="is-IS" b="1" dirty="0">
+                <a:latin typeface="Monaco" charset="0"/>
+                <a:ea typeface="Monaco" charset="0"/>
+                <a:cs typeface="Monaco" charset="0"/>
+              </a:rPr>
+              <a:t> </a:t>
+            </a:r>
+            <a:r>
+              <a:rPr lang="is-IS" b="1" dirty="0" smtClean="0">
+                <a:latin typeface="Monaco" charset="0"/>
+                <a:ea typeface="Monaco" charset="0"/>
+                <a:cs typeface="Monaco" charset="0"/>
+              </a:rPr>
+              <a:t>  measure</a:t>
+            </a:r>
+            <a:r>
+              <a:rPr lang="is-IS" b="1" dirty="0">
+                <a:latin typeface="Monaco" charset="0"/>
+                <a:ea typeface="Monaco" charset="0"/>
+                <a:cs typeface="Monaco" charset="0"/>
+              </a:rPr>
+              <a:t> </a:t>
+            </a:r>
+            <a:endParaRPr lang="is-IS" b="1" dirty="0" smtClean="0">
+              <a:latin typeface="Monaco" charset="0"/>
+              <a:ea typeface="Monaco" charset="0"/>
+              <a:cs typeface="Monaco" charset="0"/>
+            </a:endParaRPr>
+          </a:p>
+          <a:p>
+            <a:pPr lvl="1"/>
+            <a:r>
+              <a:rPr lang="is-IS" dirty="0" smtClean="0">
+                <a:latin typeface="Monaco" charset="0"/>
+                <a:ea typeface="Monaco" charset="0"/>
+                <a:cs typeface="Monaco" charset="0"/>
+              </a:rPr>
+              <a:t>1 </a:t>
+            </a:r>
+            <a:r>
+              <a:rPr lang="is-IS" dirty="0">
+                <a:latin typeface="Monaco" charset="0"/>
+                <a:ea typeface="Monaco" charset="0"/>
+                <a:cs typeface="Monaco" charset="0"/>
+              </a:rPr>
+              <a:t>  ozone </a:t>
+            </a:r>
+            <a:r>
+              <a:rPr lang="is-IS" dirty="0" smtClean="0">
+                <a:latin typeface="Monaco" charset="0"/>
+                <a:ea typeface="Monaco" charset="0"/>
+                <a:cs typeface="Monaco" charset="0"/>
+              </a:rPr>
+              <a:t>  t152   4.51</a:t>
+            </a:r>
+          </a:p>
+          <a:p>
+            <a:pPr lvl="1"/>
+            <a:r>
+              <a:rPr lang="is-IS" dirty="0">
+                <a:latin typeface="Monaco" charset="0"/>
+                <a:ea typeface="Monaco" charset="0"/>
+                <a:cs typeface="Monaco" charset="0"/>
+              </a:rPr>
+              <a:t>1</a:t>
+            </a:r>
+            <a:r>
+              <a:rPr lang="is-IS" dirty="0" smtClean="0">
+                <a:latin typeface="Monaco" charset="0"/>
+                <a:ea typeface="Monaco" charset="0"/>
+                <a:cs typeface="Monaco" charset="0"/>
+              </a:rPr>
+              <a:t>   ozone   t174   4.98</a:t>
+            </a:r>
+          </a:p>
+          <a:p>
+            <a:pPr lvl="1"/>
+            <a:r>
+              <a:rPr lang="is-IS" dirty="0">
+                <a:latin typeface="Monaco" charset="0"/>
+                <a:ea typeface="Monaco" charset="0"/>
+                <a:cs typeface="Monaco" charset="0"/>
+              </a:rPr>
+              <a:t>1</a:t>
+            </a:r>
+            <a:r>
+              <a:rPr lang="is-IS" dirty="0" smtClean="0">
+                <a:latin typeface="Monaco" charset="0"/>
+                <a:ea typeface="Monaco" charset="0"/>
+                <a:cs typeface="Monaco" charset="0"/>
+              </a:rPr>
+              <a:t>   ozone   t201   5.41</a:t>
+            </a:r>
+          </a:p>
+          <a:p>
+            <a:pPr lvl="1"/>
+            <a:r>
+              <a:rPr lang="is-IS" dirty="0" smtClean="0">
+                <a:latin typeface="Monaco" charset="0"/>
+                <a:ea typeface="Monaco" charset="0"/>
+                <a:cs typeface="Monaco" charset="0"/>
+              </a:rPr>
+              <a:t>1   ozone   t227   5.90</a:t>
+            </a:r>
+          </a:p>
+          <a:p>
+            <a:pPr lvl="1"/>
+            <a:r>
+              <a:rPr lang="is-IS" dirty="0" smtClean="0">
+                <a:latin typeface="Monaco" charset="0"/>
+                <a:ea typeface="Monaco" charset="0"/>
+                <a:cs typeface="Monaco" charset="0"/>
+              </a:rPr>
+              <a:t>1   ozone   t258   6.15</a:t>
+            </a:r>
+          </a:p>
+          <a:p>
+            <a:pPr lvl="1"/>
+            <a:r>
+              <a:rPr lang="is-IS" dirty="0" smtClean="0">
+                <a:latin typeface="Monaco" charset="0"/>
+                <a:ea typeface="Monaco" charset="0"/>
+                <a:cs typeface="Monaco" charset="0"/>
+              </a:rPr>
+              <a:t>...</a:t>
+            </a:r>
+            <a:endParaRPr lang="is-IS" dirty="0" smtClean="0">
+              <a:latin typeface="Monaco" charset="0"/>
+              <a:ea typeface="Monaco" charset="0"/>
+              <a:cs typeface="Monaco" charset="0"/>
+            </a:endParaRPr>
+          </a:p>
+          <a:p>
+            <a:pPr lvl="1"/>
+            <a:endParaRPr lang="is-IS" dirty="0">
+              <a:latin typeface="Monaco" charset="0"/>
+              <a:ea typeface="Monaco" charset="0"/>
+              <a:cs typeface="Monaco" charset="0"/>
+            </a:endParaRPr>
+          </a:p>
+        </p:txBody>
+      </p:sp>
+      <p:sp>
+        <p:nvSpPr>
+          <p:cNvPr id="5" name="TextBox 4"/>
+          <p:cNvSpPr txBox="1"/>
+          <p:nvPr/>
+        </p:nvSpPr>
+        <p:spPr>
+          <a:xfrm>
+            <a:off x="5692513" y="2392901"/>
+            <a:ext cx="5893071" cy="1200329"/>
+          </a:xfrm>
+          <a:prstGeom prst="rect">
+            <a:avLst/>
+          </a:prstGeom>
+          <a:noFill/>
+        </p:spPr>
+        <p:txBody>
+          <a:bodyPr wrap="square" rtlCol="0">
+            <a:spAutoFit/>
+          </a:bodyPr>
+          <a:lstStyle/>
+          <a:p>
+            <a:pPr lvl="1"/>
+            <a:r>
+              <a:rPr lang="is-IS" b="1" dirty="0" smtClean="0">
+                <a:latin typeface="Monaco" charset="0"/>
+                <a:ea typeface="Monaco" charset="0"/>
+                <a:cs typeface="Monaco" charset="0"/>
+              </a:rPr>
+              <a:t>tree treat</a:t>
+            </a:r>
+            <a:r>
+              <a:rPr lang="is-IS" b="1" dirty="0">
+                <a:latin typeface="Monaco" charset="0"/>
+                <a:ea typeface="Monaco" charset="0"/>
+                <a:cs typeface="Monaco" charset="0"/>
+              </a:rPr>
+              <a:t>  </a:t>
+            </a:r>
+            <a:r>
+              <a:rPr lang="is-IS" b="1" dirty="0" smtClean="0">
+                <a:latin typeface="Monaco" charset="0"/>
+                <a:ea typeface="Monaco" charset="0"/>
+                <a:cs typeface="Monaco" charset="0"/>
+              </a:rPr>
+              <a:t>t152</a:t>
+            </a:r>
+            <a:r>
+              <a:rPr lang="is-IS" b="1" dirty="0">
+                <a:latin typeface="Monaco" charset="0"/>
+                <a:ea typeface="Monaco" charset="0"/>
+                <a:cs typeface="Monaco" charset="0"/>
+              </a:rPr>
+              <a:t> </a:t>
+            </a:r>
+            <a:r>
+              <a:rPr lang="is-IS" b="1" dirty="0" smtClean="0">
+                <a:latin typeface="Monaco" charset="0"/>
+                <a:ea typeface="Monaco" charset="0"/>
+                <a:cs typeface="Monaco" charset="0"/>
+              </a:rPr>
+              <a:t>t174</a:t>
+            </a:r>
+            <a:r>
+              <a:rPr lang="is-IS" b="1" dirty="0">
+                <a:latin typeface="Monaco" charset="0"/>
+                <a:ea typeface="Monaco" charset="0"/>
+                <a:cs typeface="Monaco" charset="0"/>
+              </a:rPr>
+              <a:t> </a:t>
+            </a:r>
+            <a:r>
+              <a:rPr lang="is-IS" b="1" dirty="0" smtClean="0">
+                <a:latin typeface="Monaco" charset="0"/>
+                <a:ea typeface="Monaco" charset="0"/>
+                <a:cs typeface="Monaco" charset="0"/>
+              </a:rPr>
+              <a:t>t201</a:t>
+            </a:r>
+            <a:r>
+              <a:rPr lang="is-IS" b="1" dirty="0">
+                <a:latin typeface="Monaco" charset="0"/>
+                <a:ea typeface="Monaco" charset="0"/>
+                <a:cs typeface="Monaco" charset="0"/>
+              </a:rPr>
+              <a:t> </a:t>
+            </a:r>
+            <a:r>
+              <a:rPr lang="is-IS" b="1" dirty="0" smtClean="0">
+                <a:latin typeface="Monaco" charset="0"/>
+                <a:ea typeface="Monaco" charset="0"/>
+                <a:cs typeface="Monaco" charset="0"/>
+              </a:rPr>
+              <a:t>t227</a:t>
+            </a:r>
+            <a:r>
+              <a:rPr lang="is-IS" b="1" dirty="0">
+                <a:latin typeface="Monaco" charset="0"/>
+                <a:ea typeface="Monaco" charset="0"/>
+                <a:cs typeface="Monaco" charset="0"/>
+              </a:rPr>
+              <a:t> </a:t>
+            </a:r>
+            <a:r>
+              <a:rPr lang="is-IS" b="1" dirty="0" smtClean="0">
+                <a:latin typeface="Monaco" charset="0"/>
+                <a:ea typeface="Monaco" charset="0"/>
+                <a:cs typeface="Monaco" charset="0"/>
+              </a:rPr>
+              <a:t>t258</a:t>
+            </a:r>
+          </a:p>
+          <a:p>
+            <a:pPr lvl="1"/>
+            <a:r>
+              <a:rPr lang="is-IS" dirty="0" smtClean="0">
+                <a:latin typeface="Monaco" charset="0"/>
+                <a:ea typeface="Monaco" charset="0"/>
+                <a:cs typeface="Monaco" charset="0"/>
+              </a:rPr>
+              <a:t>1 </a:t>
+            </a:r>
+            <a:r>
+              <a:rPr lang="is-IS" dirty="0">
+                <a:latin typeface="Monaco" charset="0"/>
+                <a:ea typeface="Monaco" charset="0"/>
+                <a:cs typeface="Monaco" charset="0"/>
+              </a:rPr>
+              <a:t>  ozone </a:t>
+            </a:r>
+            <a:r>
+              <a:rPr lang="is-IS" dirty="0" smtClean="0">
+                <a:latin typeface="Monaco" charset="0"/>
+                <a:ea typeface="Monaco" charset="0"/>
+                <a:cs typeface="Monaco" charset="0"/>
+              </a:rPr>
+              <a:t>  4.51 </a:t>
+            </a:r>
+            <a:r>
+              <a:rPr lang="is-IS" dirty="0">
+                <a:latin typeface="Monaco" charset="0"/>
+                <a:ea typeface="Monaco" charset="0"/>
+                <a:cs typeface="Monaco" charset="0"/>
+              </a:rPr>
+              <a:t>4.98 5.41 5.90 6.15</a:t>
+            </a:r>
+          </a:p>
+          <a:p>
+            <a:pPr lvl="1"/>
+            <a:r>
+              <a:rPr lang="is-IS" dirty="0" smtClean="0">
+                <a:latin typeface="Monaco" charset="0"/>
+                <a:ea typeface="Monaco" charset="0"/>
+                <a:cs typeface="Monaco" charset="0"/>
+              </a:rPr>
+              <a:t>2 </a:t>
+            </a:r>
+            <a:r>
+              <a:rPr lang="is-IS" dirty="0">
+                <a:latin typeface="Monaco" charset="0"/>
+                <a:ea typeface="Monaco" charset="0"/>
+                <a:cs typeface="Monaco" charset="0"/>
+              </a:rPr>
+              <a:t>  ozone </a:t>
+            </a:r>
+            <a:r>
+              <a:rPr lang="is-IS" dirty="0" smtClean="0">
+                <a:latin typeface="Monaco" charset="0"/>
+                <a:ea typeface="Monaco" charset="0"/>
+                <a:cs typeface="Monaco" charset="0"/>
+              </a:rPr>
+              <a:t>  4.24 </a:t>
+            </a:r>
+            <a:r>
+              <a:rPr lang="is-IS" dirty="0">
+                <a:latin typeface="Monaco" charset="0"/>
+                <a:ea typeface="Monaco" charset="0"/>
+                <a:cs typeface="Monaco" charset="0"/>
+              </a:rPr>
+              <a:t>4.20 4.68 4.92 4.96</a:t>
+            </a:r>
+          </a:p>
+          <a:p>
+            <a:pPr lvl="1"/>
+            <a:r>
+              <a:rPr lang="is-IS" dirty="0" smtClean="0">
+                <a:latin typeface="Monaco" charset="0"/>
+                <a:ea typeface="Monaco" charset="0"/>
+                <a:cs typeface="Monaco" charset="0"/>
+              </a:rPr>
+              <a:t>3 </a:t>
+            </a:r>
+            <a:r>
+              <a:rPr lang="is-IS" dirty="0">
+                <a:latin typeface="Monaco" charset="0"/>
+                <a:ea typeface="Monaco" charset="0"/>
+                <a:cs typeface="Monaco" charset="0"/>
+              </a:rPr>
+              <a:t>  </a:t>
+            </a:r>
+            <a:r>
+              <a:rPr lang="is-IS" dirty="0" smtClean="0">
+                <a:latin typeface="Monaco" charset="0"/>
+                <a:ea typeface="Monaco" charset="0"/>
+                <a:cs typeface="Monaco" charset="0"/>
+              </a:rPr>
+              <a:t>ozone   3.98 </a:t>
+            </a:r>
+            <a:r>
+              <a:rPr lang="is-IS" dirty="0">
+                <a:latin typeface="Monaco" charset="0"/>
+                <a:ea typeface="Monaco" charset="0"/>
+                <a:cs typeface="Monaco" charset="0"/>
+              </a:rPr>
+              <a:t>4.36 4.79 4.99 </a:t>
+            </a:r>
+            <a:r>
+              <a:rPr lang="is-IS" dirty="0" smtClean="0">
+                <a:latin typeface="Monaco" charset="0"/>
+                <a:ea typeface="Monaco" charset="0"/>
+                <a:cs typeface="Monaco" charset="0"/>
+              </a:rPr>
+              <a:t>5.03</a:t>
+            </a:r>
+            <a:endParaRPr lang="is-IS" dirty="0">
+              <a:latin typeface="Monaco" charset="0"/>
+              <a:ea typeface="Monaco" charset="0"/>
+              <a:cs typeface="Monaco" charset="0"/>
+            </a:endParaRPr>
+          </a:p>
+        </p:txBody>
+      </p:sp>
+    </p:spTree>
+    <p:extLst>
+      <p:ext uri="{BB962C8B-B14F-4D97-AF65-F5344CB8AC3E}">
+        <p14:creationId xmlns:p14="http://schemas.microsoft.com/office/powerpoint/2010/main" val="1900575097"/>
+      </p:ext>
+    </p:extLst>
+  </p:cSld>
+  <p:clrMapOvr>
+    <a:masterClrMapping/>
+  </p:clrMapOvr>
+  <p:timing>
+    <p:tnLst>
+      <p:par>
+        <p:cTn id="1" dur="indefinite" restart="never" nodeType="tmRoot">
+          <p:childTnLst>
+            <p:seq concurrent="1" nextAc="seek">
+              <p:cTn id="2" dur="indefinite" nodeType="mainSeq">
+                <p:childTnLst>
+                  <p:par>
+                    <p:cTn id="3" fill="hold">
+                      <p:stCondLst>
+                        <p:cond delay="indefinite"/>
+                      </p:stCondLst>
+                      <p:childTnLst>
+                        <p:par>
+                          <p:cTn id="4" fill="hold">
+                            <p:stCondLst>
+                              <p:cond delay="0"/>
+                            </p:stCondLst>
+                            <p:childTnLst>
+                              <p:par>
+                                <p:cTn id="5" presetID="1" presetClass="entr" presetSubtype="0" fill="hold" grpId="0" nodeType="clickEffect">
+                                  <p:stCondLst>
+                                    <p:cond delay="0"/>
+                                  </p:stCondLst>
+                                  <p:childTnLst>
+                                    <p:set>
+                                      <p:cBhvr>
+                                        <p:cTn id="6" dur="1" fill="hold">
+                                          <p:stCondLst>
+                                            <p:cond delay="0"/>
+                                          </p:stCondLst>
+                                        </p:cTn>
+                                        <p:tgtEl>
+                                          <p:spTgt spid="4"/>
+                                        </p:tgtEl>
+                                        <p:attrNameLst>
+                                          <p:attrName>style.visibility</p:attrName>
+                                        </p:attrNameLst>
+                                      </p:cBhvr>
+                                      <p:to>
+                                        <p:strVal val="visible"/>
+                                      </p:to>
+                                    </p:set>
+                                  </p:childTnLst>
+                                </p:cTn>
+                              </p:par>
+                            </p:childTnLst>
+                          </p:cTn>
+                        </p:par>
+                      </p:childTnLst>
+                    </p:cTn>
+                  </p:par>
+                </p:childTnLst>
+              </p:cTn>
+              <p:prevCondLst>
+                <p:cond evt="onPrev" delay="0">
+                  <p:tgtEl>
+                    <p:sldTgt/>
+                  </p:tgtEl>
+                </p:cond>
+              </p:prevCondLst>
+              <p:nextCondLst>
+                <p:cond evt="onNext" delay="0">
+                  <p:tgtEl>
+                    <p:sldTgt/>
+                  </p:tgtEl>
+                </p:cond>
+              </p:nextCondLst>
+            </p:seq>
+          </p:childTnLst>
+        </p:cTn>
+      </p:par>
+    </p:tnLst>
+    <p:bldLst>
+      <p:bldP spid="4" grpId="0"/>
+    </p:bldLst>
+  </p:timing>
+</p:sld>
+</file>
+
+<file path=ppt/slides/slide31.xml><?xml version="1.0" encoding="utf-8"?>
+<p:sld xmlns:a="http://schemas.openxmlformats.org/drawingml/2006/main" xmlns:r="http://schemas.openxmlformats.org/officeDocument/2006/relationships" xmlns:p="http://schemas.openxmlformats.org/presentationml/2006/main">
+  <p:cSld>
+    <p:spTree>
+      <p:nvGrpSpPr>
+        <p:cNvPr id="1" name=""/>
+        <p:cNvGrpSpPr/>
+        <p:nvPr/>
+      </p:nvGrpSpPr>
+      <p:grpSpPr>
+        <a:xfrm>
+          <a:off x="0" y="0"/>
+          <a:ext cx="0" cy="0"/>
+          <a:chOff x="0" y="0"/>
+          <a:chExt cx="0" cy="0"/>
+        </a:xfrm>
+      </p:grpSpPr>
+      <p:sp>
+        <p:nvSpPr>
+          <p:cNvPr id="2" name="Title 1"/>
+          <p:cNvSpPr>
+            <a:spLocks noGrp="1"/>
+          </p:cNvSpPr>
+          <p:nvPr>
+            <p:ph type="title"/>
+          </p:nvPr>
+        </p:nvSpPr>
+        <p:spPr/>
+        <p:txBody>
+          <a:bodyPr/>
+          <a:lstStyle/>
+          <a:p>
+            <a:r>
+              <a:rPr lang="en-US" dirty="0" smtClean="0"/>
+              <a:t>Brief return to </a:t>
+            </a:r>
+            <a:r>
+              <a:rPr lang="en-US" dirty="0" err="1" smtClean="0"/>
+              <a:t>dplyr</a:t>
+            </a:r>
+            <a:endParaRPr lang="en-US" dirty="0"/>
+          </a:p>
+        </p:txBody>
+      </p:sp>
+      <p:sp>
+        <p:nvSpPr>
+          <p:cNvPr id="3" name="Content Placeholder 2"/>
+          <p:cNvSpPr>
+            <a:spLocks noGrp="1"/>
+          </p:cNvSpPr>
+          <p:nvPr>
+            <p:ph idx="1"/>
+          </p:nvPr>
+        </p:nvSpPr>
+        <p:spPr/>
+        <p:txBody>
+          <a:bodyPr/>
+          <a:lstStyle/>
+          <a:p>
+            <a:r>
+              <a:rPr lang="en-US" dirty="0" smtClean="0"/>
+              <a:t>Joining related data frames</a:t>
+            </a:r>
+          </a:p>
+          <a:p>
+            <a:endParaRPr lang="en-US" dirty="0"/>
+          </a:p>
+          <a:p>
+            <a:r>
+              <a:rPr lang="en-US" dirty="0" err="1" smtClean="0"/>
+              <a:t>inner_join</a:t>
+            </a:r>
+            <a:r>
+              <a:rPr lang="en-US" dirty="0" smtClean="0"/>
+              <a:t>()</a:t>
+            </a:r>
+          </a:p>
+          <a:p>
+            <a:r>
+              <a:rPr lang="en-US" dirty="0" err="1" smtClean="0"/>
+              <a:t>outer_join</a:t>
+            </a:r>
+            <a:r>
+              <a:rPr lang="en-US" dirty="0" smtClean="0"/>
+              <a:t>()</a:t>
+            </a:r>
+          </a:p>
+          <a:p>
+            <a:r>
+              <a:rPr lang="en-US" dirty="0" err="1" smtClean="0"/>
+              <a:t>left_join</a:t>
+            </a:r>
+            <a:r>
+              <a:rPr lang="en-US" dirty="0" smtClean="0"/>
+              <a:t>()</a:t>
+            </a:r>
+            <a:endParaRPr lang="en-US" dirty="0"/>
+          </a:p>
+        </p:txBody>
+      </p:sp>
+    </p:spTree>
+    <p:extLst>
+      <p:ext uri="{BB962C8B-B14F-4D97-AF65-F5344CB8AC3E}">
+        <p14:creationId xmlns:p14="http://schemas.microsoft.com/office/powerpoint/2010/main" val="471739372"/>
+      </p:ext>
+    </p:extLst>
+  </p:cSld>
+  <p:clrMapOvr>
+    <a:masterClrMapping/>
+  </p:clrMapOvr>
+  <p:timing>
+    <p:tnLst>
+      <p:par>
+        <p:cTn id="1" dur="indefinite" restart="never" nodeType="tmRoot"/>
+      </p:par>
+    </p:tnLst>
+  </p:timing>
+</p:sld>
+</file>
+
+<file path=ppt/slides/slide32.xml><?xml version="1.0" encoding="utf-8"?>
+<p:sld xmlns:a="http://schemas.openxmlformats.org/drawingml/2006/main" xmlns:r="http://schemas.openxmlformats.org/officeDocument/2006/relationships" xmlns:p="http://schemas.openxmlformats.org/presentationml/2006/main">
+  <p:cSld>
+    <p:spTree>
+      <p:nvGrpSpPr>
+        <p:cNvPr id="1" name=""/>
+        <p:cNvGrpSpPr/>
+        <p:nvPr/>
+      </p:nvGrpSpPr>
+      <p:grpSpPr>
+        <a:xfrm>
+          <a:off x="0" y="0"/>
+          <a:ext cx="0" cy="0"/>
+          <a:chOff x="0" y="0"/>
+          <a:chExt cx="0" cy="0"/>
+        </a:xfrm>
+      </p:grpSpPr>
+      <p:sp>
+        <p:nvSpPr>
+          <p:cNvPr id="2" name="Title 1"/>
+          <p:cNvSpPr>
+            <a:spLocks noGrp="1"/>
+          </p:cNvSpPr>
+          <p:nvPr>
+            <p:ph type="title"/>
+          </p:nvPr>
+        </p:nvSpPr>
+        <p:spPr/>
+        <p:txBody>
+          <a:bodyPr/>
+          <a:lstStyle/>
+          <a:p>
+            <a:r>
+              <a:rPr lang="en-US" dirty="0" smtClean="0"/>
+              <a:t>ggplot2 </a:t>
+            </a:r>
+            <a:r>
+              <a:rPr lang="en-US" dirty="0" err="1" smtClean="0"/>
+              <a:t>moar</a:t>
+            </a:r>
+            <a:r>
+              <a:rPr lang="en-US" dirty="0" smtClean="0"/>
+              <a:t>: facets</a:t>
+            </a:r>
+            <a:endParaRPr lang="en-US" dirty="0"/>
+          </a:p>
+        </p:txBody>
+      </p:sp>
+      <p:sp>
+        <p:nvSpPr>
+          <p:cNvPr id="3" name="Content Placeholder 2"/>
+          <p:cNvSpPr>
+            <a:spLocks noGrp="1"/>
+          </p:cNvSpPr>
+          <p:nvPr>
+            <p:ph idx="1"/>
+          </p:nvPr>
+        </p:nvSpPr>
+        <p:spPr/>
+        <p:txBody>
+          <a:bodyPr/>
+          <a:lstStyle/>
+          <a:p>
+            <a:endParaRPr lang="en-US"/>
+          </a:p>
+        </p:txBody>
+      </p:sp>
+    </p:spTree>
+    <p:extLst>
+      <p:ext uri="{BB962C8B-B14F-4D97-AF65-F5344CB8AC3E}">
+        <p14:creationId xmlns:p14="http://schemas.microsoft.com/office/powerpoint/2010/main" val="1076695904"/>
+      </p:ext>
+    </p:extLst>
+  </p:cSld>
+  <p:clrMapOvr>
+    <a:masterClrMapping/>
+  </p:clrMapOvr>
+  <p:timing>
+    <p:tnLst>
+      <p:par>
+        <p:cTn id="1" dur="indefinite" restart="never" nodeType="tmRoot"/>
+      </p:par>
+    </p:tnLst>
+  </p:timing>
+</p:sld>
+</file>
+
+<file path=ppt/slides/slide33.xml><?xml version="1.0" encoding="utf-8"?>
+<p:sld xmlns:a="http://schemas.openxmlformats.org/drawingml/2006/main" xmlns:r="http://schemas.openxmlformats.org/officeDocument/2006/relationships" xmlns:p="http://schemas.openxmlformats.org/presentationml/2006/main">
+  <p:cSld>
+    <p:spTree>
+      <p:nvGrpSpPr>
+        <p:cNvPr id="1" name=""/>
+        <p:cNvGrpSpPr/>
+        <p:nvPr/>
+      </p:nvGrpSpPr>
+      <p:grpSpPr>
+        <a:xfrm>
+          <a:off x="0" y="0"/>
+          <a:ext cx="0" cy="0"/>
+          <a:chOff x="0" y="0"/>
+          <a:chExt cx="0" cy="0"/>
+        </a:xfrm>
+      </p:grpSpPr>
+      <p:sp>
+        <p:nvSpPr>
+          <p:cNvPr id="2" name="Title 1"/>
+          <p:cNvSpPr>
+            <a:spLocks noGrp="1"/>
+          </p:cNvSpPr>
+          <p:nvPr>
+            <p:ph type="title"/>
+          </p:nvPr>
+        </p:nvSpPr>
+        <p:spPr/>
+        <p:txBody>
+          <a:bodyPr/>
+          <a:lstStyle/>
+          <a:p>
+            <a:r>
+              <a:rPr lang="en-US" dirty="0" smtClean="0"/>
+              <a:t>ggplot2 </a:t>
+            </a:r>
+            <a:r>
+              <a:rPr lang="en-US" dirty="0" err="1" smtClean="0"/>
+              <a:t>moar</a:t>
+            </a:r>
+            <a:r>
+              <a:rPr lang="en-US" dirty="0" smtClean="0"/>
+              <a:t>: stats and scales</a:t>
+            </a:r>
+            <a:endParaRPr lang="en-US" dirty="0"/>
+          </a:p>
+        </p:txBody>
+      </p:sp>
+      <p:sp>
+        <p:nvSpPr>
+          <p:cNvPr id="3" name="Content Placeholder 2"/>
+          <p:cNvSpPr>
+            <a:spLocks noGrp="1"/>
+          </p:cNvSpPr>
+          <p:nvPr>
+            <p:ph idx="1"/>
+          </p:nvPr>
+        </p:nvSpPr>
+        <p:spPr/>
+        <p:txBody>
+          <a:bodyPr/>
+          <a:lstStyle/>
+          <a:p>
+            <a:r>
+              <a:rPr lang="en-US" dirty="0" smtClean="0"/>
+              <a:t>scalexlog10 </a:t>
+            </a:r>
+            <a:r>
+              <a:rPr lang="en-US" dirty="0" err="1" smtClean="0"/>
+              <a:t>etc</a:t>
+            </a:r>
+            <a:endParaRPr lang="en-US" dirty="0"/>
+          </a:p>
+        </p:txBody>
+      </p:sp>
+    </p:spTree>
+    <p:extLst>
+      <p:ext uri="{BB962C8B-B14F-4D97-AF65-F5344CB8AC3E}">
+        <p14:creationId xmlns:p14="http://schemas.microsoft.com/office/powerpoint/2010/main" val="786350675"/>
+      </p:ext>
+    </p:extLst>
+  </p:cSld>
+  <p:clrMapOvr>
+    <a:masterClrMapping/>
+  </p:clrMapOvr>
+  <p:timing>
+    <p:tnLst>
+      <p:par>
+        <p:cTn id="1" dur="indefinite" restart="never" nodeType="tmRoot"/>
+      </p:par>
+    </p:tnLst>
+  </p:timing>
+</p:sld>
+</file>
+
+<file path=ppt/slides/slide34.xml><?xml version="1.0" encoding="utf-8"?>
+<p:sld xmlns:a="http://schemas.openxmlformats.org/drawingml/2006/main" xmlns:r="http://schemas.openxmlformats.org/officeDocument/2006/relationships" xmlns:p="http://schemas.openxmlformats.org/presentationml/2006/main">
+  <p:cSld>
+    <p:spTree>
+      <p:nvGrpSpPr>
+        <p:cNvPr id="1" name=""/>
+        <p:cNvGrpSpPr/>
+        <p:nvPr/>
+      </p:nvGrpSpPr>
+      <p:grpSpPr>
+        <a:xfrm>
+          <a:off x="0" y="0"/>
+          <a:ext cx="0" cy="0"/>
+          <a:chOff x="0" y="0"/>
+          <a:chExt cx="0" cy="0"/>
+        </a:xfrm>
+      </p:grpSpPr>
+      <p:sp>
+        <p:nvSpPr>
+          <p:cNvPr id="2" name="Title 1"/>
+          <p:cNvSpPr>
+            <a:spLocks noGrp="1"/>
+          </p:cNvSpPr>
+          <p:nvPr>
+            <p:ph type="title"/>
+          </p:nvPr>
+        </p:nvSpPr>
+        <p:spPr/>
+        <p:txBody>
+          <a:bodyPr/>
+          <a:lstStyle/>
+          <a:p>
+            <a:r>
+              <a:rPr lang="en-US" dirty="0" smtClean="0"/>
+              <a:t>coordinates and axes</a:t>
+            </a:r>
+            <a:endParaRPr lang="en-US" dirty="0"/>
+          </a:p>
+        </p:txBody>
+      </p:sp>
+      <p:sp>
+        <p:nvSpPr>
+          <p:cNvPr id="3" name="Content Placeholder 2"/>
+          <p:cNvSpPr>
+            <a:spLocks noGrp="1"/>
+          </p:cNvSpPr>
+          <p:nvPr>
+            <p:ph idx="1"/>
+          </p:nvPr>
+        </p:nvSpPr>
+        <p:spPr/>
+        <p:txBody>
+          <a:bodyPr/>
+          <a:lstStyle/>
+          <a:p>
+            <a:r>
+              <a:rPr lang="en-US" dirty="0" err="1" smtClean="0"/>
+              <a:t>xlim</a:t>
+            </a:r>
+            <a:r>
+              <a:rPr lang="en-US" dirty="0" smtClean="0"/>
+              <a:t>, </a:t>
+            </a:r>
+            <a:r>
+              <a:rPr lang="en-US" dirty="0" err="1" smtClean="0"/>
+              <a:t>coord</a:t>
+            </a:r>
+            <a:endParaRPr lang="en-US" dirty="0"/>
+          </a:p>
+        </p:txBody>
+      </p:sp>
+    </p:spTree>
+    <p:extLst>
+      <p:ext uri="{BB962C8B-B14F-4D97-AF65-F5344CB8AC3E}">
+        <p14:creationId xmlns:p14="http://schemas.microsoft.com/office/powerpoint/2010/main" val="1667898715"/>
+      </p:ext>
+    </p:extLst>
+  </p:cSld>
+  <p:clrMapOvr>
+    <a:masterClrMapping/>
+  </p:clrMapOvr>
+  <p:timing>
+    <p:tnLst>
+      <p:par>
+        <p:cTn id="1" dur="indefinite" restart="never" nodeType="tmRoot"/>
+      </p:par>
+    </p:tnLst>
+  </p:timing>
+</p:sld>
+</file>
+
+<file path=ppt/slides/slide4.xml><?xml version="1.0" encoding="utf-8"?>
+<p:sld xmlns:a="http://schemas.openxmlformats.org/drawingml/2006/main" xmlns:r="http://schemas.openxmlformats.org/officeDocument/2006/relationships" xmlns:p="http://schemas.openxmlformats.org/presentationml/2006/main">
+  <p:cSld>
+    <p:spTree>
+      <p:nvGrpSpPr>
+        <p:cNvPr id="1" name=""/>
+        <p:cNvGrpSpPr/>
+        <p:nvPr/>
+      </p:nvGrpSpPr>
+      <p:grpSpPr>
+        <a:xfrm>
+          <a:off x="0" y="0"/>
+          <a:ext cx="0" cy="0"/>
+          <a:chOff x="0" y="0"/>
+          <a:chExt cx="0" cy="0"/>
+        </a:xfrm>
+      </p:grpSpPr>
+      <p:sp>
+        <p:nvSpPr>
+          <p:cNvPr id="2" name="Title 1"/>
+          <p:cNvSpPr>
+            <a:spLocks noGrp="1"/>
+          </p:cNvSpPr>
+          <p:nvPr>
+            <p:ph type="title"/>
+          </p:nvPr>
+        </p:nvSpPr>
+        <p:spPr/>
+        <p:txBody>
+          <a:bodyPr/>
+          <a:lstStyle/>
+          <a:p>
+            <a:r>
+              <a:rPr lang="en-US" dirty="0" smtClean="0"/>
+              <a:t>Event</a:t>
+            </a:r>
+            <a:endParaRPr lang="en-US" dirty="0"/>
+          </a:p>
+        </p:txBody>
+      </p:sp>
+      <p:sp>
+        <p:nvSpPr>
+          <p:cNvPr id="3" name="Content Placeholder 2"/>
+          <p:cNvSpPr>
+            <a:spLocks noGrp="1"/>
+          </p:cNvSpPr>
+          <p:nvPr>
+            <p:ph idx="1"/>
+          </p:nvPr>
+        </p:nvSpPr>
+        <p:spPr/>
+        <p:txBody>
+          <a:bodyPr/>
+          <a:lstStyle/>
+          <a:p>
+            <a:endParaRPr lang="en-US"/>
+          </a:p>
+        </p:txBody>
+      </p:sp>
+    </p:spTree>
+    <p:extLst>
+      <p:ext uri="{BB962C8B-B14F-4D97-AF65-F5344CB8AC3E}">
+        <p14:creationId xmlns:p14="http://schemas.microsoft.com/office/powerpoint/2010/main" val="465824808"/>
+      </p:ext>
+    </p:extLst>
+  </p:cSld>
+  <p:clrMapOvr>
+    <a:masterClrMapping/>
+  </p:clrMapOvr>
+</p:sld>
+</file>
+
+<file path=ppt/slides/slide5.xml><?xml version="1.0" encoding="utf-8"?>
+<p:sld xmlns:a="http://schemas.openxmlformats.org/drawingml/2006/main" xmlns:r="http://schemas.openxmlformats.org/officeDocument/2006/relationships" xmlns:p="http://schemas.openxmlformats.org/presentationml/2006/main">
+  <p:cSld>
+    <p:spTree>
+      <p:nvGrpSpPr>
+        <p:cNvPr id="1" name=""/>
+        <p:cNvGrpSpPr/>
+        <p:nvPr/>
+      </p:nvGrpSpPr>
+      <p:grpSpPr>
+        <a:xfrm>
+          <a:off x="0" y="0"/>
+          <a:ext cx="0" cy="0"/>
+          <a:chOff x="0" y="0"/>
+          <a:chExt cx="0" cy="0"/>
+        </a:xfrm>
+      </p:grpSpPr>
+      <p:sp>
+        <p:nvSpPr>
+          <p:cNvPr id="2" name="Title 1"/>
+          <p:cNvSpPr>
+            <a:spLocks noGrp="1"/>
+          </p:cNvSpPr>
+          <p:nvPr>
+            <p:ph type="title"/>
+          </p:nvPr>
+        </p:nvSpPr>
+        <p:spPr/>
+        <p:txBody>
+          <a:bodyPr/>
+          <a:lstStyle/>
+          <a:p>
+            <a:r>
+              <a:rPr lang="en-US" dirty="0" smtClean="0"/>
+              <a:t>Probability</a:t>
+            </a:r>
+            <a:endParaRPr lang="en-US" dirty="0"/>
+          </a:p>
+        </p:txBody>
+      </p:sp>
+      <p:sp>
+        <p:nvSpPr>
+          <p:cNvPr id="3" name="Content Placeholder 2"/>
+          <p:cNvSpPr>
+            <a:spLocks noGrp="1"/>
+          </p:cNvSpPr>
+          <p:nvPr>
+            <p:ph idx="1"/>
+          </p:nvPr>
+        </p:nvSpPr>
+        <p:spPr/>
+        <p:txBody>
+          <a:bodyPr/>
+          <a:lstStyle/>
+          <a:p>
+            <a:endParaRPr lang="en-US"/>
+          </a:p>
+        </p:txBody>
+      </p:sp>
+    </p:spTree>
+    <p:extLst>
+      <p:ext uri="{BB962C8B-B14F-4D97-AF65-F5344CB8AC3E}">
+        <p14:creationId xmlns:p14="http://schemas.microsoft.com/office/powerpoint/2010/main" val="2098305512"/>
+      </p:ext>
+    </p:extLst>
+  </p:cSld>
+  <p:clrMapOvr>
+    <a:masterClrMapping/>
+  </p:clrMapOvr>
+</p:sld>
+</file>
+
+<file path=ppt/slides/slide6.xml><?xml version="1.0" encoding="utf-8"?>
+<p:sld xmlns:a="http://schemas.openxmlformats.org/drawingml/2006/main" xmlns:r="http://schemas.openxmlformats.org/officeDocument/2006/relationships" xmlns:p="http://schemas.openxmlformats.org/presentationml/2006/main">
+  <p:cSld>
+    <p:spTree>
+      <p:nvGrpSpPr>
+        <p:cNvPr id="1" name=""/>
+        <p:cNvGrpSpPr/>
+        <p:nvPr/>
+      </p:nvGrpSpPr>
+      <p:grpSpPr>
+        <a:xfrm>
+          <a:off x="0" y="0"/>
+          <a:ext cx="0" cy="0"/>
+          <a:chOff x="0" y="0"/>
+          <a:chExt cx="0" cy="0"/>
+        </a:xfrm>
+      </p:grpSpPr>
+      <p:sp>
+        <p:nvSpPr>
+          <p:cNvPr id="2" name="Title 1"/>
+          <p:cNvSpPr>
+            <a:spLocks noGrp="1"/>
+          </p:cNvSpPr>
+          <p:nvPr>
+            <p:ph type="title"/>
+          </p:nvPr>
+        </p:nvSpPr>
+        <p:spPr/>
+        <p:txBody>
+          <a:bodyPr/>
+          <a:lstStyle/>
+          <a:p>
+            <a:r>
+              <a:rPr lang="en-US" dirty="0" smtClean="0"/>
+              <a:t>Probability distribution</a:t>
+            </a:r>
+            <a:endParaRPr lang="en-US" dirty="0"/>
+          </a:p>
+        </p:txBody>
+      </p:sp>
+      <p:sp>
+        <p:nvSpPr>
+          <p:cNvPr id="3" name="Content Placeholder 2"/>
+          <p:cNvSpPr>
+            <a:spLocks noGrp="1"/>
+          </p:cNvSpPr>
+          <p:nvPr>
+            <p:ph idx="1"/>
+          </p:nvPr>
+        </p:nvSpPr>
+        <p:spPr/>
+        <p:txBody>
+          <a:bodyPr/>
+          <a:lstStyle/>
+          <a:p>
+            <a:endParaRPr lang="en-US"/>
+          </a:p>
+        </p:txBody>
+      </p:sp>
+    </p:spTree>
+    <p:extLst>
+      <p:ext uri="{BB962C8B-B14F-4D97-AF65-F5344CB8AC3E}">
+        <p14:creationId xmlns:p14="http://schemas.microsoft.com/office/powerpoint/2010/main" val="832165849"/>
+      </p:ext>
+    </p:extLst>
+  </p:cSld>
+  <p:clrMapOvr>
+    <a:masterClrMapping/>
+  </p:clrMapOvr>
+</p:sld>
+</file>
+
+<file path=ppt/slides/slide7.xml><?xml version="1.0" encoding="utf-8"?>
+<p:sld xmlns:a="http://schemas.openxmlformats.org/drawingml/2006/main" xmlns:r="http://schemas.openxmlformats.org/officeDocument/2006/relationships" xmlns:p="http://schemas.openxmlformats.org/presentationml/2006/main">
+  <p:cSld>
+    <p:spTree>
+      <p:nvGrpSpPr>
+        <p:cNvPr id="1" name=""/>
+        <p:cNvGrpSpPr/>
+        <p:nvPr/>
+      </p:nvGrpSpPr>
+      <p:grpSpPr>
+        <a:xfrm>
+          <a:off x="0" y="0"/>
+          <a:ext cx="0" cy="0"/>
+          <a:chOff x="0" y="0"/>
+          <a:chExt cx="0" cy="0"/>
+        </a:xfrm>
+      </p:grpSpPr>
+      <p:sp>
+        <p:nvSpPr>
+          <p:cNvPr id="2" name="Title 1"/>
+          <p:cNvSpPr>
+            <a:spLocks noGrp="1"/>
+          </p:cNvSpPr>
+          <p:nvPr>
+            <p:ph type="title"/>
+          </p:nvPr>
+        </p:nvSpPr>
+        <p:spPr/>
+        <p:txBody>
+          <a:bodyPr/>
+          <a:lstStyle/>
+          <a:p>
+            <a:r>
+              <a:rPr lang="en-US" dirty="0" smtClean="0"/>
+              <a:t>Mutually exclusive</a:t>
+            </a:r>
+            <a:endParaRPr lang="en-US" dirty="0"/>
+          </a:p>
+        </p:txBody>
+      </p:sp>
+      <p:sp>
+        <p:nvSpPr>
+          <p:cNvPr id="3" name="Content Placeholder 2"/>
+          <p:cNvSpPr>
+            <a:spLocks noGrp="1"/>
+          </p:cNvSpPr>
+          <p:nvPr>
+            <p:ph idx="1"/>
+          </p:nvPr>
+        </p:nvSpPr>
+        <p:spPr/>
+        <p:txBody>
+          <a:bodyPr/>
+          <a:lstStyle/>
+          <a:p>
+            <a:endParaRPr lang="en-US"/>
+          </a:p>
+        </p:txBody>
+      </p:sp>
+    </p:spTree>
+    <p:extLst>
+      <p:ext uri="{BB962C8B-B14F-4D97-AF65-F5344CB8AC3E}">
+        <p14:creationId xmlns:p14="http://schemas.microsoft.com/office/powerpoint/2010/main" val="849236524"/>
+      </p:ext>
+    </p:extLst>
+  </p:cSld>
+  <p:clrMapOvr>
+    <a:masterClrMapping/>
+  </p:clrMapOvr>
+</p:sld>
+</file>
+
 <file path=ppt/slides/slide8.xml><?xml version="1.0" encoding="utf-8"?>
 <p:sld xmlns:a="http://schemas.openxmlformats.org/drawingml/2006/main" xmlns:r="http://schemas.openxmlformats.org/officeDocument/2006/relationships" xmlns:p="http://schemas.openxmlformats.org/presentationml/2006/main">
   <p:cSld>
@@ -6228,7 +12250,7 @@
           <a:p>
             <a:r>
               <a:rPr lang="en-US" dirty="0" smtClean="0"/>
-              <a:t>Working with tidy data</a:t>
+              <a:t>Independent</a:t>
             </a:r>
             <a:endParaRPr lang="en-US" dirty="0"/>
           </a:p>
@@ -6249,187 +12271,161 @@
           <a:bodyPr/>
           <a:lstStyle/>
           <a:p>
-            <a:pPr>
-              <a:lnSpc>
-                <a:spcPct val="100000"/>
-              </a:lnSpc>
-              <a:spcBef>
-                <a:spcPts val="0"/>
-              </a:spcBef>
-              <a:spcAft>
-                <a:spcPts val="0"/>
-              </a:spcAft>
-              <a:buClrTx/>
-              <a:buSzTx/>
-            </a:pPr>
-            <a:r>
-              <a:rPr lang="en-US" dirty="0" smtClean="0"/>
-              <a:t>The package </a:t>
-            </a:r>
-            <a:r>
-              <a:rPr lang="en-US" dirty="0" err="1" smtClean="0">
-                <a:latin typeface="Monaco" charset="0"/>
-                <a:ea typeface="Monaco" charset="0"/>
-                <a:cs typeface="Monaco" charset="0"/>
-              </a:rPr>
-              <a:t>dplyr</a:t>
-            </a:r>
-            <a:r>
-              <a:rPr lang="en-US" dirty="0" smtClean="0"/>
-              <a:t> can manipulate and manage tidy data</a:t>
-            </a:r>
-          </a:p>
-          <a:p>
-            <a:pPr>
-              <a:lnSpc>
-                <a:spcPct val="100000"/>
-              </a:lnSpc>
-              <a:spcBef>
-                <a:spcPts val="0"/>
-              </a:spcBef>
-              <a:spcAft>
-                <a:spcPts val="0"/>
-              </a:spcAft>
-              <a:buClrTx/>
-              <a:buSzTx/>
-            </a:pPr>
-            <a:endParaRPr lang="en-US" dirty="0" smtClean="0"/>
-          </a:p>
-          <a:p>
-            <a:pPr>
-              <a:lnSpc>
-                <a:spcPct val="100000"/>
-              </a:lnSpc>
-              <a:spcBef>
-                <a:spcPts val="0"/>
-              </a:spcBef>
-              <a:spcAft>
-                <a:spcPts val="0"/>
-              </a:spcAft>
-              <a:buClrTx/>
-              <a:buSzTx/>
-            </a:pPr>
-            <a:r>
-              <a:rPr lang="en-US" dirty="0" smtClean="0"/>
-              <a:t>The package </a:t>
-            </a:r>
-            <a:r>
-              <a:rPr lang="en-US" dirty="0" err="1" smtClean="0">
-                <a:latin typeface="Monaco" charset="0"/>
-                <a:ea typeface="Monaco" charset="0"/>
-                <a:cs typeface="Monaco" charset="0"/>
-              </a:rPr>
-              <a:t>tidyr</a:t>
-            </a:r>
-            <a:r>
-              <a:rPr lang="en-US" dirty="0" smtClean="0"/>
-              <a:t> can rearrange data to convert to/from tidy data</a:t>
-            </a:r>
-          </a:p>
-          <a:p>
-            <a:pPr>
-              <a:lnSpc>
-                <a:spcPct val="100000"/>
-              </a:lnSpc>
-              <a:spcBef>
-                <a:spcPts val="0"/>
-              </a:spcBef>
-              <a:spcAft>
-                <a:spcPts val="0"/>
-              </a:spcAft>
-              <a:buClrTx/>
-              <a:buSzTx/>
-            </a:pPr>
-            <a:endParaRPr lang="en-US" dirty="0" smtClean="0"/>
-          </a:p>
-          <a:p>
-            <a:pPr>
-              <a:lnSpc>
-                <a:spcPct val="100000"/>
-              </a:lnSpc>
-              <a:spcBef>
-                <a:spcPts val="0"/>
-              </a:spcBef>
-              <a:spcAft>
-                <a:spcPts val="0"/>
-              </a:spcAft>
-              <a:buClrTx/>
-              <a:buSzTx/>
-            </a:pPr>
-            <a:r>
-              <a:rPr lang="en-US" dirty="0" smtClean="0"/>
-              <a:t>The package </a:t>
-            </a:r>
-            <a:r>
-              <a:rPr lang="en-US" dirty="0" smtClean="0">
-                <a:latin typeface="Monaco" charset="0"/>
-                <a:ea typeface="Monaco" charset="0"/>
-                <a:cs typeface="Monaco" charset="0"/>
-              </a:rPr>
-              <a:t>ggplot2</a:t>
-            </a:r>
-            <a:r>
-              <a:rPr lang="en-US" dirty="0" smtClean="0"/>
-              <a:t> can plot tidy data </a:t>
-            </a:r>
-            <a:endParaRPr lang="en-US" dirty="0"/>
-          </a:p>
-        </p:txBody>
-      </p:sp>
-      <p:pic>
-        <p:nvPicPr>
-          <p:cNvPr id="4" name="Picture 3"/>
-          <p:cNvPicPr>
-            <a:picLocks noChangeAspect="1"/>
-          </p:cNvPicPr>
-          <p:nvPr/>
-        </p:nvPicPr>
-        <p:blipFill>
-          <a:blip r:embed="rId2">
-            <a:extLst>
-              <a:ext uri="{28A0092B-C50C-407E-A947-70E740481C1C}">
-                <a14:useLocalDpi xmlns:a14="http://schemas.microsoft.com/office/drawing/2010/main" val="0"/>
-              </a:ext>
-            </a:extLst>
-          </a:blip>
-          <a:stretch>
-            <a:fillRect/>
-          </a:stretch>
-        </p:blipFill>
-        <p:spPr>
-          <a:xfrm>
-            <a:off x="6126480" y="3205843"/>
-            <a:ext cx="5553075" cy="2952750"/>
-          </a:xfrm>
-          <a:prstGeom prst="rect">
-            <a:avLst/>
-          </a:prstGeom>
-        </p:spPr>
-      </p:pic>
+            <a:endParaRPr lang="en-US"/>
+          </a:p>
+        </p:txBody>
+      </p:sp>
     </p:spTree>
     <p:extLst>
       <p:ext uri="{BB962C8B-B14F-4D97-AF65-F5344CB8AC3E}">
-        <p14:creationId xmlns:p14="http://schemas.microsoft.com/office/powerpoint/2010/main" val="1226636517"/>
+        <p14:creationId xmlns:p14="http://schemas.microsoft.com/office/powerpoint/2010/main" val="504597848"/>
       </p:ext>
     </p:extLst>
   </p:cSld>
   <p:clrMapOvr>
     <a:masterClrMapping/>
   </p:clrMapOvr>
-  <p:timing>
-    <p:tnLst>
-      <p:par>
-        <p:cTn id="1" dur="indefinite" restart="never" nodeType="tmRoot"/>
-      </p:par>
-    </p:tnLst>
-  </p:timing>
+</p:sld>
+</file>
+
+<file path=ppt/slides/slide9.xml><?xml version="1.0" encoding="utf-8"?>
+<p:sld xmlns:a="http://schemas.openxmlformats.org/drawingml/2006/main" xmlns:r="http://schemas.openxmlformats.org/officeDocument/2006/relationships" xmlns:p="http://schemas.openxmlformats.org/presentationml/2006/main">
+  <p:cSld>
+    <p:spTree>
+      <p:nvGrpSpPr>
+        <p:cNvPr id="1" name=""/>
+        <p:cNvGrpSpPr/>
+        <p:nvPr/>
+      </p:nvGrpSpPr>
+      <p:grpSpPr>
+        <a:xfrm>
+          <a:off x="0" y="0"/>
+          <a:ext cx="0" cy="0"/>
+          <a:chOff x="0" y="0"/>
+          <a:chExt cx="0" cy="0"/>
+        </a:xfrm>
+      </p:grpSpPr>
+      <p:sp>
+        <p:nvSpPr>
+          <p:cNvPr id="2" name="Title 1"/>
+          <p:cNvSpPr>
+            <a:spLocks noGrp="1"/>
+          </p:cNvSpPr>
+          <p:nvPr>
+            <p:ph type="title"/>
+          </p:nvPr>
+        </p:nvSpPr>
+        <p:spPr/>
+        <p:txBody>
+          <a:bodyPr/>
+          <a:lstStyle/>
+          <a:p>
+            <a:r>
+              <a:rPr lang="en-US" dirty="0" smtClean="0"/>
+              <a:t>Fun facts about probabilities</a:t>
+            </a:r>
+            <a:endParaRPr lang="en-US" dirty="0"/>
+          </a:p>
+        </p:txBody>
+      </p:sp>
+      <p:sp>
+        <p:nvSpPr>
+          <p:cNvPr id="3" name="Content Placeholder 2"/>
+          <p:cNvSpPr>
+            <a:spLocks noGrp="1"/>
+          </p:cNvSpPr>
+          <p:nvPr>
+            <p:ph idx="1"/>
+          </p:nvPr>
+        </p:nvSpPr>
+        <p:spPr/>
+        <p:txBody>
+          <a:bodyPr/>
+          <a:lstStyle/>
+          <a:p>
+            <a:r>
+              <a:rPr lang="en-US" dirty="0">
+                <a:latin typeface="Wingdings" charset="2"/>
+              </a:rPr>
+              <a:t></a:t>
+            </a:r>
+            <a:r>
+              <a:rPr lang="en-US" dirty="0"/>
+              <a:t>The symbol { } is used as shorthand for the phrase “the event.” </a:t>
+            </a:r>
+            <a:r>
+              <a:rPr lang="en-US" dirty="0">
+                <a:latin typeface="Wingdings" charset="2"/>
+              </a:rPr>
+              <a:t></a:t>
+            </a:r>
+            <a:r>
+              <a:rPr lang="en-US" dirty="0"/>
+              <a:t>A  B is the event that either A or B occurs, or they both occur. </a:t>
+            </a:r>
+            <a:r>
+              <a:rPr lang="en-US" dirty="0">
+                <a:latin typeface="Wingdings" charset="2"/>
+              </a:rPr>
+              <a:t></a:t>
+            </a:r>
+            <a:r>
+              <a:rPr lang="en-US" dirty="0"/>
+              <a:t>A  B is the event that both A and B occur simultaneously.</a:t>
+            </a:r>
+            <a:br>
+              <a:rPr lang="en-US" dirty="0"/>
+            </a:br>
+            <a:r>
+              <a:rPr lang="en-US" dirty="0">
+                <a:latin typeface="Wingdings" charset="2"/>
+              </a:rPr>
+              <a:t></a:t>
+            </a:r>
+            <a:r>
+              <a:rPr lang="en-US" dirty="0"/>
+              <a:t>Â is the event that A does not occur. It is called the complement of A. Notice that </a:t>
+            </a:r>
+            <a:r>
+              <a:rPr lang="en-US" dirty="0" err="1"/>
+              <a:t>Pr</a:t>
+            </a:r>
+            <a:r>
+              <a:rPr lang="en-US" dirty="0"/>
+              <a:t>(Â) = 1 – </a:t>
+            </a:r>
+            <a:r>
+              <a:rPr lang="en-US" dirty="0" err="1"/>
+              <a:t>Pr</a:t>
+            </a:r>
+            <a:r>
+              <a:rPr lang="en-US" dirty="0"/>
+              <a:t>(A), because Â occurs only when A does not occur. </a:t>
+            </a:r>
+            <a:endParaRPr lang="en-US" dirty="0"/>
+          </a:p>
+          <a:p>
+            <a:endParaRPr lang="en-US" dirty="0"/>
+          </a:p>
+        </p:txBody>
+      </p:sp>
+    </p:spTree>
+    <p:extLst>
+      <p:ext uri="{BB962C8B-B14F-4D97-AF65-F5344CB8AC3E}">
+        <p14:creationId xmlns:p14="http://schemas.microsoft.com/office/powerpoint/2010/main" val="1230454852"/>
+      </p:ext>
+    </p:extLst>
+  </p:cSld>
+  <p:clrMapOvr>
+    <a:masterClrMapping/>
+  </p:clrMapOvr>
 </p:sld>
 </file>
 
 <file path=ppt/theme/theme1.xml><?xml version="1.0" encoding="utf-8"?>
 <a:theme xmlns:a="http://schemas.openxmlformats.org/drawingml/2006/main" name="Retrospect">
   <a:themeElements>
-    <a:clrScheme name="Retrospect">
+    <a:clrScheme name="Green">
       <a:dk1>
         <a:sysClr val="windowText" lastClr="000000"/>
       </a:dk1>
@@ -6437,34 +12433,34 @@
         <a:sysClr val="window" lastClr="FFFFFF"/>
       </a:lt1>
       <a:dk2>
-        <a:srgbClr val="344068"/>
+        <a:srgbClr val="455F51"/>
       </a:dk2>
       <a:lt2>
-        <a:srgbClr val="D9E0E6"/>
+        <a:srgbClr val="E3DED1"/>
       </a:lt2>
       <a:accent1>
-        <a:srgbClr val="1CADE4"/>
+        <a:srgbClr val="549E39"/>
       </a:accent1>
       <a:accent2>
-        <a:srgbClr val="2683C6"/>
+        <a:srgbClr val="8AB833"/>
       </a:accent2>
       <a:accent3>
-        <a:srgbClr val="28C4CC"/>
+        <a:srgbClr val="C0CF3A"/>
       </a:accent3>
       <a:accent4>
-        <a:srgbClr val="42BA97"/>
+        <a:srgbClr val="029676"/>
       </a:accent4>
       <a:accent5>
-        <a:srgbClr val="3E8853"/>
+        <a:srgbClr val="4AB5C4"/>
       </a:accent5>
       <a:accent6>
-        <a:srgbClr val="62A39F"/>
+        <a:srgbClr val="0989B1"/>
       </a:accent6>
       <a:hlink>
-        <a:srgbClr val="6EAC1C"/>
+        <a:srgbClr val="6B9F25"/>
       </a:hlink>
       <a:folHlink>
-        <a:srgbClr val="B26B02"/>
+        <a:srgbClr val="BA6906"/>
       </a:folHlink>
     </a:clrScheme>
     <a:fontScheme name="Retrospect">
@@ -6703,7 +12699,7 @@
   <a:extraClrSchemeLst/>
   <a:extLst>
     <a:ext uri="{05A4C25C-085E-4340-85A3-A5531E510DB2}">
-      <thm15:themeFamily xmlns:thm15="http://schemas.microsoft.com/office/thememl/2012/main" name="Retrospect" id="{5F128B03-DCCA-4EEB-AB3B-CF2899314A46}" vid="{9CC26709-368C-4D72-9060-94E5B3FF3CD6}"/>
+      <thm15:themeFamily xmlns:thm15="http://schemas.microsoft.com/office/thememl/2012/main" name="Retrospect" id="{5F128B03-DCCA-4EEB-AB3B-CF2899314A46}" vid="{D26EA377-59BD-4C9C-9D94-EE8416EE4C79}"/>
     </a:ext>
   </a:extLst>
 </a:theme>
